--- a/Completed/Presentation/EE493_Final_Presantation.pptx
+++ b/Completed/Presentation/EE493_Final_Presantation.pptx
@@ -4,6 +4,9 @@
   <p:sldMasterIdLst>
     <p:sldMasterId id="2147483648" r:id="rId1"/>
   </p:sldMasterIdLst>
+  <p:notesMasterIdLst>
+    <p:notesMasterId r:id="rId45"/>
+  </p:notesMasterIdLst>
   <p:sldIdLst>
     <p:sldId id="265" r:id="rId2"/>
     <p:sldId id="260" r:id="rId3"/>
@@ -4353,7 +4356,7 @@
   <dgm:whole/>
   <dgm:extLst>
     <a:ext uri="http://schemas.microsoft.com/office/drawing/2008/diagram">
-      <dsp:dataModelExt xmlns:dsp="http://schemas.microsoft.com/office/drawing/2008/diagram" relId="rId6" minVer="http://schemas.openxmlformats.org/drawingml/2006/diagram"/>
+      <dsp:dataModelExt xmlns:dsp="http://schemas.microsoft.com/office/drawing/2008/diagram" relId="rId7" minVer="http://schemas.openxmlformats.org/drawingml/2006/diagram"/>
     </a:ext>
   </dgm:extLst>
 </dgm:dataModel>
@@ -4644,43 +4647,6 @@
         </a:p>
       </dgm:t>
     </dgm:pt>
-    <dgm:pt modelId="{B443BB66-9B4B-49B7-A018-1DC273616C95}">
-      <dgm:prSet/>
-      <dgm:spPr/>
-      <dgm:t>
-        <a:bodyPr/>
-        <a:lstStyle/>
-        <a:p>
-          <a:r>
-            <a:rPr lang="tr-TR" dirty="0" err="1"/>
-            <a:t>Robustness</a:t>
-          </a:r>
-          <a:endParaRPr lang="en-GB" dirty="0"/>
-        </a:p>
-      </dgm:t>
-    </dgm:pt>
-    <dgm:pt modelId="{640501B0-9FAA-4B45-AAD4-25A595E0825B}" type="parTrans" cxnId="{773C5591-EBCB-498B-BB76-0053DB31E251}">
-      <dgm:prSet/>
-      <dgm:spPr/>
-      <dgm:t>
-        <a:bodyPr/>
-        <a:lstStyle/>
-        <a:p>
-          <a:endParaRPr lang="en-GB"/>
-        </a:p>
-      </dgm:t>
-    </dgm:pt>
-    <dgm:pt modelId="{9E047B41-69D4-4097-BA51-CFF006BD49AA}" type="sibTrans" cxnId="{773C5591-EBCB-498B-BB76-0053DB31E251}">
-      <dgm:prSet/>
-      <dgm:spPr/>
-      <dgm:t>
-        <a:bodyPr/>
-        <a:lstStyle/>
-        <a:p>
-          <a:endParaRPr lang="en-GB"/>
-        </a:p>
-      </dgm:t>
-    </dgm:pt>
     <dgm:pt modelId="{C6ADBB5D-12FB-4626-BC18-D1C21CAECA2A}">
       <dgm:prSet/>
       <dgm:spPr/>
@@ -4809,7 +4775,7 @@
         <a:p>
           <a:r>
             <a:rPr lang="tr-TR" dirty="0"/>
-            <a:t>0.18</a:t>
+            <a:t>0.16</a:t>
           </a:r>
           <a:endParaRPr lang="en-GB" dirty="0"/>
         </a:p>
@@ -4874,43 +4840,6 @@
         </a:p>
       </dgm:t>
     </dgm:pt>
-    <dgm:pt modelId="{F9AEFA84-90E0-452E-962F-A6FC32579AA1}">
-      <dgm:prSet/>
-      <dgm:spPr/>
-      <dgm:t>
-        <a:bodyPr/>
-        <a:lstStyle/>
-        <a:p>
-          <a:r>
-            <a:rPr lang="tr-TR" dirty="0"/>
-            <a:t>0.16</a:t>
-          </a:r>
-          <a:endParaRPr lang="en-GB" dirty="0"/>
-        </a:p>
-      </dgm:t>
-    </dgm:pt>
-    <dgm:pt modelId="{BB8DA5D7-68DF-46EE-840B-60A9B07DD206}" type="parTrans" cxnId="{D802C314-F326-4B6C-BFC4-0356F008E582}">
-      <dgm:prSet/>
-      <dgm:spPr/>
-      <dgm:t>
-        <a:bodyPr/>
-        <a:lstStyle/>
-        <a:p>
-          <a:endParaRPr lang="en-GB"/>
-        </a:p>
-      </dgm:t>
-    </dgm:pt>
-    <dgm:pt modelId="{CE4C9C2E-AE61-4F4F-B64D-333483D88CB0}" type="sibTrans" cxnId="{D802C314-F326-4B6C-BFC4-0356F008E582}">
-      <dgm:prSet/>
-      <dgm:spPr/>
-      <dgm:t>
-        <a:bodyPr/>
-        <a:lstStyle/>
-        <a:p>
-          <a:endParaRPr lang="en-GB"/>
-        </a:p>
-      </dgm:t>
-    </dgm:pt>
     <dgm:pt modelId="{9CC6792A-52A2-4B5E-956A-A414A64FE686}">
       <dgm:prSet/>
       <dgm:spPr/>
@@ -4938,6 +4867,80 @@
       </dgm:t>
     </dgm:pt>
     <dgm:pt modelId="{DB32A63F-5326-4B55-BB4E-92AAEA315A56}" type="sibTrans" cxnId="{B6D4619E-1FB7-437A-A2CA-6FB02E541BA1}">
+      <dgm:prSet/>
+      <dgm:spPr/>
+      <dgm:t>
+        <a:bodyPr/>
+        <a:lstStyle/>
+        <a:p>
+          <a:endParaRPr lang="en-GB"/>
+        </a:p>
+      </dgm:t>
+    </dgm:pt>
+    <dgm:pt modelId="{29D9A897-1E2B-4AF0-98EF-0C4A3DAC7C1E}">
+      <dgm:prSet/>
+      <dgm:spPr/>
+      <dgm:t>
+        <a:bodyPr/>
+        <a:lstStyle/>
+        <a:p>
+          <a:r>
+            <a:rPr lang="tr-TR" dirty="0" err="1"/>
+            <a:t>Robustness</a:t>
+          </a:r>
+          <a:endParaRPr lang="en-GB" dirty="0"/>
+        </a:p>
+      </dgm:t>
+    </dgm:pt>
+    <dgm:pt modelId="{ED6094DB-B2AC-4F1C-BC54-4D9CFF5B66F1}" type="parTrans" cxnId="{5D07AC8A-1687-4689-B5E3-842918A67C71}">
+      <dgm:prSet/>
+      <dgm:spPr/>
+      <dgm:t>
+        <a:bodyPr/>
+        <a:lstStyle/>
+        <a:p>
+          <a:endParaRPr lang="en-GB"/>
+        </a:p>
+      </dgm:t>
+    </dgm:pt>
+    <dgm:pt modelId="{6466F1D3-050B-49B8-B714-1FB48BE9CBBF}" type="sibTrans" cxnId="{5D07AC8A-1687-4689-B5E3-842918A67C71}">
+      <dgm:prSet/>
+      <dgm:spPr/>
+      <dgm:t>
+        <a:bodyPr/>
+        <a:lstStyle/>
+        <a:p>
+          <a:endParaRPr lang="en-GB"/>
+        </a:p>
+      </dgm:t>
+    </dgm:pt>
+    <dgm:pt modelId="{B38DAC30-A63D-466E-9F0D-A336D26D5F1E}">
+      <dgm:prSet/>
+      <dgm:spPr/>
+      <dgm:t>
+        <a:bodyPr/>
+        <a:lstStyle/>
+        <a:p>
+          <a:r>
+            <a:rPr lang="tr-TR" dirty="0"/>
+            <a:t>0.18</a:t>
+          </a:r>
+          <a:endParaRPr lang="en-GB" dirty="0"/>
+        </a:p>
+      </dgm:t>
+    </dgm:pt>
+    <dgm:pt modelId="{406ADA2E-FFB4-4480-975B-16FDE4260250}" type="parTrans" cxnId="{5B1AAF74-A0B7-4EB2-A4FB-A559945D024E}">
+      <dgm:prSet/>
+      <dgm:spPr/>
+      <dgm:t>
+        <a:bodyPr/>
+        <a:lstStyle/>
+        <a:p>
+          <a:endParaRPr lang="en-GB"/>
+        </a:p>
+      </dgm:t>
+    </dgm:pt>
+    <dgm:pt modelId="{E436E6EB-5623-488C-9DB3-6135BD902B5F}" type="sibTrans" cxnId="{5B1AAF74-A0B7-4EB2-A4FB-A559945D024E}">
       <dgm:prSet/>
       <dgm:spPr/>
       <dgm:t>
@@ -5096,6 +5099,54 @@
       <dgm:prSet presAssocID="{B1B243C5-15EE-46B6-8A4E-CAFFCAF28B20}" presName="level3hierChild" presStyleCnt="0"/>
       <dgm:spPr/>
     </dgm:pt>
+    <dgm:pt modelId="{03F2ECC3-5949-4BA1-8BC4-D9B7F870C19C}" type="pres">
+      <dgm:prSet presAssocID="{ED6094DB-B2AC-4F1C-BC54-4D9CFF5B66F1}" presName="conn2-1" presStyleLbl="parChTrans1D3" presStyleIdx="2" presStyleCnt="6"/>
+      <dgm:spPr/>
+    </dgm:pt>
+    <dgm:pt modelId="{FD2648AD-01CF-489F-83A1-FF605C144652}" type="pres">
+      <dgm:prSet presAssocID="{ED6094DB-B2AC-4F1C-BC54-4D9CFF5B66F1}" presName="connTx" presStyleLbl="parChTrans1D3" presStyleIdx="2" presStyleCnt="6"/>
+      <dgm:spPr/>
+    </dgm:pt>
+    <dgm:pt modelId="{E67A616E-402C-4E1B-B30E-9A68D7C7C1C9}" type="pres">
+      <dgm:prSet presAssocID="{29D9A897-1E2B-4AF0-98EF-0C4A3DAC7C1E}" presName="root2" presStyleCnt="0"/>
+      <dgm:spPr/>
+    </dgm:pt>
+    <dgm:pt modelId="{650FC981-A34C-4C7A-8471-EE1FAB50D394}" type="pres">
+      <dgm:prSet presAssocID="{29D9A897-1E2B-4AF0-98EF-0C4A3DAC7C1E}" presName="LevelTwoTextNode" presStyleLbl="node3" presStyleIdx="2" presStyleCnt="6">
+        <dgm:presLayoutVars>
+          <dgm:chPref val="3"/>
+        </dgm:presLayoutVars>
+      </dgm:prSet>
+      <dgm:spPr/>
+    </dgm:pt>
+    <dgm:pt modelId="{6F9C83F8-D190-40E2-98E2-DD8710D7A699}" type="pres">
+      <dgm:prSet presAssocID="{29D9A897-1E2B-4AF0-98EF-0C4A3DAC7C1E}" presName="level3hierChild" presStyleCnt="0"/>
+      <dgm:spPr/>
+    </dgm:pt>
+    <dgm:pt modelId="{3026CC65-5239-4002-AD6B-ED72A8C08190}" type="pres">
+      <dgm:prSet presAssocID="{406ADA2E-FFB4-4480-975B-16FDE4260250}" presName="conn2-1" presStyleLbl="parChTrans1D4" presStyleIdx="2" presStyleCnt="6"/>
+      <dgm:spPr/>
+    </dgm:pt>
+    <dgm:pt modelId="{D5893B14-A4EE-4336-8DF4-1D3FAC296AA8}" type="pres">
+      <dgm:prSet presAssocID="{406ADA2E-FFB4-4480-975B-16FDE4260250}" presName="connTx" presStyleLbl="parChTrans1D4" presStyleIdx="2" presStyleCnt="6"/>
+      <dgm:spPr/>
+    </dgm:pt>
+    <dgm:pt modelId="{92108B6F-0603-4F11-B8DF-24ABF82DC5F8}" type="pres">
+      <dgm:prSet presAssocID="{B38DAC30-A63D-466E-9F0D-A336D26D5F1E}" presName="root2" presStyleCnt="0"/>
+      <dgm:spPr/>
+    </dgm:pt>
+    <dgm:pt modelId="{5101C3D4-128D-4507-B839-AAE981E38DA1}" type="pres">
+      <dgm:prSet presAssocID="{B38DAC30-A63D-466E-9F0D-A336D26D5F1E}" presName="LevelTwoTextNode" presStyleLbl="node4" presStyleIdx="2" presStyleCnt="6">
+        <dgm:presLayoutVars>
+          <dgm:chPref val="3"/>
+        </dgm:presLayoutVars>
+      </dgm:prSet>
+      <dgm:spPr/>
+    </dgm:pt>
+    <dgm:pt modelId="{DAF3989D-466D-4625-A553-4C1179918E96}" type="pres">
+      <dgm:prSet presAssocID="{B38DAC30-A63D-466E-9F0D-A336D26D5F1E}" presName="level3hierChild" presStyleCnt="0"/>
+      <dgm:spPr/>
+    </dgm:pt>
     <dgm:pt modelId="{1F0CB16C-636A-4338-8E0C-DF748B0FBDE8}" type="pres">
       <dgm:prSet presAssocID="{05A57EE3-B8A4-45BB-A020-BE40EA9E945B}" presName="conn2-1" presStyleLbl="parChTrans1D2" presStyleIdx="1" presStyleCnt="2"/>
       <dgm:spPr/>
@@ -5121,11 +5172,11 @@
       <dgm:spPr/>
     </dgm:pt>
     <dgm:pt modelId="{0818E4C3-4ABB-4BED-A337-352E23ADF85D}" type="pres">
-      <dgm:prSet presAssocID="{ED08ABE0-5B50-4E2F-9047-217D3B4AFFA1}" presName="conn2-1" presStyleLbl="parChTrans1D3" presStyleIdx="2" presStyleCnt="6"/>
+      <dgm:prSet presAssocID="{ED08ABE0-5B50-4E2F-9047-217D3B4AFFA1}" presName="conn2-1" presStyleLbl="parChTrans1D3" presStyleIdx="3" presStyleCnt="6"/>
       <dgm:spPr/>
     </dgm:pt>
     <dgm:pt modelId="{F5717974-C389-4426-9D94-DEA3F8FB16E3}" type="pres">
-      <dgm:prSet presAssocID="{ED08ABE0-5B50-4E2F-9047-217D3B4AFFA1}" presName="connTx" presStyleLbl="parChTrans1D3" presStyleIdx="2" presStyleCnt="6"/>
+      <dgm:prSet presAssocID="{ED08ABE0-5B50-4E2F-9047-217D3B4AFFA1}" presName="connTx" presStyleLbl="parChTrans1D3" presStyleIdx="3" presStyleCnt="6"/>
       <dgm:spPr/>
     </dgm:pt>
     <dgm:pt modelId="{6FC674FB-8CC1-4F0A-8709-4F6F836710E7}" type="pres">
@@ -5133,7 +5184,7 @@
       <dgm:spPr/>
     </dgm:pt>
     <dgm:pt modelId="{BC21D612-E146-4285-B6B4-A008C4468140}" type="pres">
-      <dgm:prSet presAssocID="{3AA01E54-D83E-4031-8F11-3CD3F21E7095}" presName="LevelTwoTextNode" presStyleLbl="node3" presStyleIdx="2" presStyleCnt="6">
+      <dgm:prSet presAssocID="{3AA01E54-D83E-4031-8F11-3CD3F21E7095}" presName="LevelTwoTextNode" presStyleLbl="node3" presStyleIdx="3" presStyleCnt="6">
         <dgm:presLayoutVars>
           <dgm:chPref val="3"/>
         </dgm:presLayoutVars>
@@ -5145,11 +5196,11 @@
       <dgm:spPr/>
     </dgm:pt>
     <dgm:pt modelId="{8E7E7C84-EC03-4E7B-B47C-B16309330AD4}" type="pres">
-      <dgm:prSet presAssocID="{EB3173AA-61FE-467C-8A1A-813CD804A9B8}" presName="conn2-1" presStyleLbl="parChTrans1D4" presStyleIdx="2" presStyleCnt="6"/>
+      <dgm:prSet presAssocID="{EB3173AA-61FE-467C-8A1A-813CD804A9B8}" presName="conn2-1" presStyleLbl="parChTrans1D4" presStyleIdx="3" presStyleCnt="6"/>
       <dgm:spPr/>
     </dgm:pt>
     <dgm:pt modelId="{68C0DD4E-0680-4774-8CDE-E2C55FB45FC2}" type="pres">
-      <dgm:prSet presAssocID="{EB3173AA-61FE-467C-8A1A-813CD804A9B8}" presName="connTx" presStyleLbl="parChTrans1D4" presStyleIdx="2" presStyleCnt="6"/>
+      <dgm:prSet presAssocID="{EB3173AA-61FE-467C-8A1A-813CD804A9B8}" presName="connTx" presStyleLbl="parChTrans1D4" presStyleIdx="3" presStyleCnt="6"/>
       <dgm:spPr/>
     </dgm:pt>
     <dgm:pt modelId="{8D73DE7A-9898-4F17-B2E9-4992C6AFC957}" type="pres">
@@ -5157,7 +5208,7 @@
       <dgm:spPr/>
     </dgm:pt>
     <dgm:pt modelId="{7BB6ECF6-C8F7-4051-9BF0-989DBF7BDBE1}" type="pres">
-      <dgm:prSet presAssocID="{70A66A52-2E94-40FF-BC69-5EEC8CE1D3CA}" presName="LevelTwoTextNode" presStyleLbl="node4" presStyleIdx="2" presStyleCnt="6" custLinFactNeighborX="676">
+      <dgm:prSet presAssocID="{70A66A52-2E94-40FF-BC69-5EEC8CE1D3CA}" presName="LevelTwoTextNode" presStyleLbl="node4" presStyleIdx="3" presStyleCnt="6" custLinFactNeighborX="676">
         <dgm:presLayoutVars>
           <dgm:chPref val="3"/>
         </dgm:presLayoutVars>
@@ -5169,11 +5220,11 @@
       <dgm:spPr/>
     </dgm:pt>
     <dgm:pt modelId="{202C44F6-C121-4EBA-BC05-0038D8615AED}" type="pres">
-      <dgm:prSet presAssocID="{F2EAF517-B40F-4E59-B4F7-6095194ECA9C}" presName="conn2-1" presStyleLbl="parChTrans1D3" presStyleIdx="3" presStyleCnt="6"/>
+      <dgm:prSet presAssocID="{F2EAF517-B40F-4E59-B4F7-6095194ECA9C}" presName="conn2-1" presStyleLbl="parChTrans1D3" presStyleIdx="4" presStyleCnt="6"/>
       <dgm:spPr/>
     </dgm:pt>
     <dgm:pt modelId="{6E68470B-5BDE-4FBB-89DA-7CADF2884B7D}" type="pres">
-      <dgm:prSet presAssocID="{F2EAF517-B40F-4E59-B4F7-6095194ECA9C}" presName="connTx" presStyleLbl="parChTrans1D3" presStyleIdx="3" presStyleCnt="6"/>
+      <dgm:prSet presAssocID="{F2EAF517-B40F-4E59-B4F7-6095194ECA9C}" presName="connTx" presStyleLbl="parChTrans1D3" presStyleIdx="4" presStyleCnt="6"/>
       <dgm:spPr/>
     </dgm:pt>
     <dgm:pt modelId="{51E31115-A2DC-46B1-ACFD-5BE8F89F9BF6}" type="pres">
@@ -5181,7 +5232,7 @@
       <dgm:spPr/>
     </dgm:pt>
     <dgm:pt modelId="{0D5D3C91-AF76-46BA-928F-FC192764074A}" type="pres">
-      <dgm:prSet presAssocID="{8546CF8B-ACC4-43C1-A203-1E2D00FC3FBF}" presName="LevelTwoTextNode" presStyleLbl="node3" presStyleIdx="3" presStyleCnt="6">
+      <dgm:prSet presAssocID="{8546CF8B-ACC4-43C1-A203-1E2D00FC3FBF}" presName="LevelTwoTextNode" presStyleLbl="node3" presStyleIdx="4" presStyleCnt="6">
         <dgm:presLayoutVars>
           <dgm:chPref val="3"/>
         </dgm:presLayoutVars>
@@ -5193,11 +5244,11 @@
       <dgm:spPr/>
     </dgm:pt>
     <dgm:pt modelId="{76E074B7-84E8-4395-A7B4-A349EBB499AE}" type="pres">
-      <dgm:prSet presAssocID="{01B5F3B3-C4DB-4690-BAE5-DD10EEE7B592}" presName="conn2-1" presStyleLbl="parChTrans1D4" presStyleIdx="3" presStyleCnt="6"/>
+      <dgm:prSet presAssocID="{01B5F3B3-C4DB-4690-BAE5-DD10EEE7B592}" presName="conn2-1" presStyleLbl="parChTrans1D4" presStyleIdx="4" presStyleCnt="6"/>
       <dgm:spPr/>
     </dgm:pt>
     <dgm:pt modelId="{3FBF8889-D17D-4D74-88B9-EE27CC96A30E}" type="pres">
-      <dgm:prSet presAssocID="{01B5F3B3-C4DB-4690-BAE5-DD10EEE7B592}" presName="connTx" presStyleLbl="parChTrans1D4" presStyleIdx="3" presStyleCnt="6"/>
+      <dgm:prSet presAssocID="{01B5F3B3-C4DB-4690-BAE5-DD10EEE7B592}" presName="connTx" presStyleLbl="parChTrans1D4" presStyleIdx="4" presStyleCnt="6"/>
       <dgm:spPr/>
     </dgm:pt>
     <dgm:pt modelId="{85F444B9-5A40-4E22-A048-1C3453FE0490}" type="pres">
@@ -5205,7 +5256,7 @@
       <dgm:spPr/>
     </dgm:pt>
     <dgm:pt modelId="{7A66A2B3-7C8D-45A0-93F8-D9A172D23093}" type="pres">
-      <dgm:prSet presAssocID="{5D91417B-AACC-47AB-84A7-B93C208ACD28}" presName="LevelTwoTextNode" presStyleLbl="node4" presStyleIdx="3" presStyleCnt="6">
+      <dgm:prSet presAssocID="{5D91417B-AACC-47AB-84A7-B93C208ACD28}" presName="LevelTwoTextNode" presStyleLbl="node4" presStyleIdx="4" presStyleCnt="6">
         <dgm:presLayoutVars>
           <dgm:chPref val="3"/>
         </dgm:presLayoutVars>
@@ -5214,54 +5265,6 @@
     </dgm:pt>
     <dgm:pt modelId="{D1E04209-B177-4CCE-B856-0427862D9179}" type="pres">
       <dgm:prSet presAssocID="{5D91417B-AACC-47AB-84A7-B93C208ACD28}" presName="level3hierChild" presStyleCnt="0"/>
-      <dgm:spPr/>
-    </dgm:pt>
-    <dgm:pt modelId="{49130CC7-C914-40EA-AB91-8C0045364378}" type="pres">
-      <dgm:prSet presAssocID="{640501B0-9FAA-4B45-AAD4-25A595E0825B}" presName="conn2-1" presStyleLbl="parChTrans1D3" presStyleIdx="4" presStyleCnt="6"/>
-      <dgm:spPr/>
-    </dgm:pt>
-    <dgm:pt modelId="{EE6614D3-376F-4B91-8970-EE0BBC68270A}" type="pres">
-      <dgm:prSet presAssocID="{640501B0-9FAA-4B45-AAD4-25A595E0825B}" presName="connTx" presStyleLbl="parChTrans1D3" presStyleIdx="4" presStyleCnt="6"/>
-      <dgm:spPr/>
-    </dgm:pt>
-    <dgm:pt modelId="{952F1FF6-812D-480F-B816-D2BA6C6570A7}" type="pres">
-      <dgm:prSet presAssocID="{B443BB66-9B4B-49B7-A018-1DC273616C95}" presName="root2" presStyleCnt="0"/>
-      <dgm:spPr/>
-    </dgm:pt>
-    <dgm:pt modelId="{5DB0E4E0-1695-4695-9BA0-CBA783F3A422}" type="pres">
-      <dgm:prSet presAssocID="{B443BB66-9B4B-49B7-A018-1DC273616C95}" presName="LevelTwoTextNode" presStyleLbl="node3" presStyleIdx="4" presStyleCnt="6">
-        <dgm:presLayoutVars>
-          <dgm:chPref val="3"/>
-        </dgm:presLayoutVars>
-      </dgm:prSet>
-      <dgm:spPr/>
-    </dgm:pt>
-    <dgm:pt modelId="{04925B4A-F090-4856-972A-14EB9915C6CA}" type="pres">
-      <dgm:prSet presAssocID="{B443BB66-9B4B-49B7-A018-1DC273616C95}" presName="level3hierChild" presStyleCnt="0"/>
-      <dgm:spPr/>
-    </dgm:pt>
-    <dgm:pt modelId="{E6335ECA-455A-4185-B6F6-D92F6F3F4064}" type="pres">
-      <dgm:prSet presAssocID="{BB8DA5D7-68DF-46EE-840B-60A9B07DD206}" presName="conn2-1" presStyleLbl="parChTrans1D4" presStyleIdx="4" presStyleCnt="6"/>
-      <dgm:spPr/>
-    </dgm:pt>
-    <dgm:pt modelId="{A6A51D81-D2E6-43D6-B822-74B21E856478}" type="pres">
-      <dgm:prSet presAssocID="{BB8DA5D7-68DF-46EE-840B-60A9B07DD206}" presName="connTx" presStyleLbl="parChTrans1D4" presStyleIdx="4" presStyleCnt="6"/>
-      <dgm:spPr/>
-    </dgm:pt>
-    <dgm:pt modelId="{641F8021-187D-4227-92F6-D53DD35F7442}" type="pres">
-      <dgm:prSet presAssocID="{F9AEFA84-90E0-452E-962F-A6FC32579AA1}" presName="root2" presStyleCnt="0"/>
-      <dgm:spPr/>
-    </dgm:pt>
-    <dgm:pt modelId="{E20D5B3B-EB64-4448-AD0D-072ED5516533}" type="pres">
-      <dgm:prSet presAssocID="{F9AEFA84-90E0-452E-962F-A6FC32579AA1}" presName="LevelTwoTextNode" presStyleLbl="node4" presStyleIdx="4" presStyleCnt="6">
-        <dgm:presLayoutVars>
-          <dgm:chPref val="3"/>
-        </dgm:presLayoutVars>
-      </dgm:prSet>
-      <dgm:spPr/>
-    </dgm:pt>
-    <dgm:pt modelId="{31CAE9DA-50DC-4826-BD53-0AFF5FADF359}" type="pres">
-      <dgm:prSet presAssocID="{F9AEFA84-90E0-452E-962F-A6FC32579AA1}" presName="level3hierChild" presStyleCnt="0"/>
       <dgm:spPr/>
     </dgm:pt>
     <dgm:pt modelId="{007AA3CA-7DA3-482D-9866-9D78E2B41BA5}" type="pres">
@@ -5317,11 +5320,10 @@
     <dgm:cxn modelId="{E5BA7001-303D-4A52-A736-424E26947D9C}" type="presOf" srcId="{01B5F3B3-C4DB-4690-BAE5-DD10EEE7B592}" destId="{76E074B7-84E8-4395-A7B4-A349EBB499AE}" srcOrd="0" destOrd="0" presId="urn:microsoft.com/office/officeart/2005/8/layout/hierarchy2"/>
     <dgm:cxn modelId="{EC8ADB0B-9C59-494A-B408-2BD3FE602334}" type="presOf" srcId="{3FC4C1BC-107E-4F96-AA95-7947C3E5D71D}" destId="{09F6DDE4-53BC-4FD1-B81E-1DF828D82EF5}" srcOrd="1" destOrd="0" presId="urn:microsoft.com/office/officeart/2005/8/layout/hierarchy2"/>
     <dgm:cxn modelId="{27878B0F-6080-4EC1-80E0-16E5C217EAF6}" type="presOf" srcId="{01B5F3B3-C4DB-4690-BAE5-DD10EEE7B592}" destId="{3FBF8889-D17D-4D74-88B9-EE27CC96A30E}" srcOrd="1" destOrd="0" presId="urn:microsoft.com/office/officeart/2005/8/layout/hierarchy2"/>
-    <dgm:cxn modelId="{D802C314-F326-4B6C-BFC4-0356F008E582}" srcId="{B443BB66-9B4B-49B7-A018-1DC273616C95}" destId="{F9AEFA84-90E0-452E-962F-A6FC32579AA1}" srcOrd="0" destOrd="0" parTransId="{BB8DA5D7-68DF-46EE-840B-60A9B07DD206}" sibTransId="{CE4C9C2E-AE61-4F4F-B64D-333483D88CB0}"/>
     <dgm:cxn modelId="{6178C814-96D8-404C-834A-F6AD10270D1B}" srcId="{2293A8AC-45B1-4789-B137-4800DFA054DF}" destId="{8546CF8B-ACC4-43C1-A203-1E2D00FC3FBF}" srcOrd="1" destOrd="0" parTransId="{F2EAF517-B40F-4E59-B4F7-6095194ECA9C}" sibTransId="{1A037CEC-8B90-4A0E-B587-D7BCF3932A05}"/>
-    <dgm:cxn modelId="{D1342315-CB42-493A-B061-1C030347ED41}" type="presOf" srcId="{BB8DA5D7-68DF-46EE-840B-60A9B07DD206}" destId="{A6A51D81-D2E6-43D6-B822-74B21E856478}" srcOrd="1" destOrd="0" presId="urn:microsoft.com/office/officeart/2005/8/layout/hierarchy2"/>
     <dgm:cxn modelId="{DD950516-0CAD-4FE8-9A4F-B2242F2130F9}" type="presOf" srcId="{3FC4C1BC-107E-4F96-AA95-7947C3E5D71D}" destId="{8DBBB579-36F1-4FF1-A198-C4C5AB024C2F}" srcOrd="0" destOrd="0" presId="urn:microsoft.com/office/officeart/2005/8/layout/hierarchy2"/>
     <dgm:cxn modelId="{17AE6916-7E2F-4301-BEC4-FD42FE94F593}" type="presOf" srcId="{9E103610-6A3A-4F8D-BAA4-B0B2615BC305}" destId="{1E5E16BD-48E5-40C6-B531-19266F68AE7F}" srcOrd="0" destOrd="0" presId="urn:microsoft.com/office/officeart/2005/8/layout/hierarchy2"/>
+    <dgm:cxn modelId="{4AC5C017-70A5-4BE9-A4DB-787692CADA4F}" type="presOf" srcId="{ED6094DB-B2AC-4F1C-BC54-4D9CFF5B66F1}" destId="{FD2648AD-01CF-489F-83A1-FF605C144652}" srcOrd="1" destOrd="0" presId="urn:microsoft.com/office/officeart/2005/8/layout/hierarchy2"/>
     <dgm:cxn modelId="{F3D8EC17-0C02-4F95-8F9C-F1C9BC1A0557}" type="presOf" srcId="{FFEE649B-C062-46F0-83C3-214B7033DCC3}" destId="{A4E057A1-B242-4B25-83B8-9BAF01916950}" srcOrd="0" destOrd="0" presId="urn:microsoft.com/office/officeart/2005/8/layout/hierarchy2"/>
     <dgm:cxn modelId="{E471841C-474B-43F0-9F2A-71F73C18B209}" type="presOf" srcId="{EB3173AA-61FE-467C-8A1A-813CD804A9B8}" destId="{8E7E7C84-EC03-4E7B-B47C-B16309330AD4}" srcOrd="0" destOrd="0" presId="urn:microsoft.com/office/officeart/2005/8/layout/hierarchy2"/>
     <dgm:cxn modelId="{9037CB25-D997-4067-B851-8A124065ECF7}" type="presOf" srcId="{47B8E4FD-180C-4227-BCD3-5D728BF99E48}" destId="{6169B0C6-9356-4158-8A13-63F59E218F89}" srcOrd="0" destOrd="0" presId="urn:microsoft.com/office/officeart/2005/8/layout/hierarchy2"/>
@@ -5332,9 +5334,10 @@
     <dgm:cxn modelId="{A1A7042E-44ED-4AD7-8266-7EED81EBC86D}" type="presOf" srcId="{C6ADBB5D-12FB-4626-BC18-D1C21CAECA2A}" destId="{F0763019-633E-48B1-B57F-BD0AC0974029}" srcOrd="0" destOrd="0" presId="urn:microsoft.com/office/officeart/2005/8/layout/hierarchy2"/>
     <dgm:cxn modelId="{ED20572E-483C-4BCF-8A8B-19B13264B24F}" type="presOf" srcId="{2345F62F-3DCC-45DF-88DE-AB285C90496F}" destId="{F90C7971-2786-444B-921A-5101CD78134E}" srcOrd="0" destOrd="0" presId="urn:microsoft.com/office/officeart/2005/8/layout/hierarchy2"/>
     <dgm:cxn modelId="{1A867C2E-8378-4634-B7EC-DE7509E105E4}" srcId="{2345F62F-3DCC-45DF-88DE-AB285C90496F}" destId="{F0B8B7CA-DECB-4C76-86E8-463817C5CBCB}" srcOrd="1" destOrd="0" parTransId="{8DFB018A-693E-431D-BA74-5C5C63AB92BC}" sibTransId="{3985B16C-971B-49E9-80F7-D124B19326A5}"/>
+    <dgm:cxn modelId="{7938EC39-D8E7-4380-9850-208456A0CD08}" type="presOf" srcId="{29D9A897-1E2B-4AF0-98EF-0C4A3DAC7C1E}" destId="{650FC981-A34C-4C7A-8471-EE1FAB50D394}" srcOrd="0" destOrd="0" presId="urn:microsoft.com/office/officeart/2005/8/layout/hierarchy2"/>
     <dgm:cxn modelId="{472B7840-C8F6-48A8-96CD-1AFC0880E277}" type="presOf" srcId="{8546CF8B-ACC4-43C1-A203-1E2D00FC3FBF}" destId="{0D5D3C91-AF76-46BA-928F-FC192764074A}" srcOrd="0" destOrd="0" presId="urn:microsoft.com/office/officeart/2005/8/layout/hierarchy2"/>
     <dgm:cxn modelId="{0D50A75E-702A-4C9F-A97E-78A80980FA2B}" srcId="{2293A8AC-45B1-4789-B137-4800DFA054DF}" destId="{3AA01E54-D83E-4031-8F11-3CD3F21E7095}" srcOrd="0" destOrd="0" parTransId="{ED08ABE0-5B50-4E2F-9047-217D3B4AFFA1}" sibTransId="{8DE46357-A223-44AF-AFBB-E6F9AC74BFC7}"/>
-    <dgm:cxn modelId="{88BDD95F-578E-4760-9C1F-A4097689CCDA}" type="presOf" srcId="{640501B0-9FAA-4B45-AAD4-25A595E0825B}" destId="{49130CC7-C914-40EA-AB91-8C0045364378}" srcOrd="0" destOrd="0" presId="urn:microsoft.com/office/officeart/2005/8/layout/hierarchy2"/>
+    <dgm:cxn modelId="{2A55BA44-EA7A-4539-B5F9-AD75DDFA009C}" type="presOf" srcId="{406ADA2E-FFB4-4480-975B-16FDE4260250}" destId="{D5893B14-A4EE-4336-8DF4-1D3FAC296AA8}" srcOrd="1" destOrd="0" presId="urn:microsoft.com/office/officeart/2005/8/layout/hierarchy2"/>
     <dgm:cxn modelId="{D6114845-0677-40E2-8225-9F56FC08AD85}" srcId="{3AA01E54-D83E-4031-8F11-3CD3F21E7095}" destId="{70A66A52-2E94-40FF-BC69-5EEC8CE1D3CA}" srcOrd="0" destOrd="0" parTransId="{EB3173AA-61FE-467C-8A1A-813CD804A9B8}" sibTransId="{50F04E45-3F9D-4018-BAE4-E2D8BA990D8A}"/>
     <dgm:cxn modelId="{55E63866-30BE-4C59-A427-ED5EDE0ECD2D}" type="presOf" srcId="{4C31C9BE-81F0-4BD0-9704-D96274F7F445}" destId="{72204849-42C4-4A0C-9659-C03A4FC5A524}" srcOrd="1" destOrd="0" presId="urn:microsoft.com/office/officeart/2005/8/layout/hierarchy2"/>
     <dgm:cxn modelId="{73F4A746-99F1-4649-8BD4-8DF03FB851CC}" type="presOf" srcId="{05A57EE3-B8A4-45BB-A020-BE40EA9E945B}" destId="{1F0CB16C-636A-4338-8E0C-DF748B0FBDE8}" srcOrd="0" destOrd="0" presId="urn:microsoft.com/office/officeart/2005/8/layout/hierarchy2"/>
@@ -5346,21 +5349,22 @@
     <dgm:cxn modelId="{7AA4274C-C69C-40C0-B4D9-5D869201CEE1}" type="presOf" srcId="{5D91417B-AACC-47AB-84A7-B93C208ACD28}" destId="{7A66A2B3-7C8D-45A0-93F8-D9A172D23093}" srcOrd="0" destOrd="0" presId="urn:microsoft.com/office/officeart/2005/8/layout/hierarchy2"/>
     <dgm:cxn modelId="{E4A8214D-C7AF-4A4A-83D3-BD3D495ED382}" srcId="{7AAD0189-2592-4E03-B66C-F3B24822A2D9}" destId="{2293A8AC-45B1-4789-B137-4800DFA054DF}" srcOrd="1" destOrd="0" parTransId="{05A57EE3-B8A4-45BB-A020-BE40EA9E945B}" sibTransId="{9A5611F9-EED8-4BDA-8447-D90C76E0A488}"/>
     <dgm:cxn modelId="{B1FA276F-F74D-4CD5-A2C3-BF2A255D6BC0}" type="presOf" srcId="{70A66A52-2E94-40FF-BC69-5EEC8CE1D3CA}" destId="{7BB6ECF6-C8F7-4051-9BF0-989DBF7BDBE1}" srcOrd="0" destOrd="0" presId="urn:microsoft.com/office/officeart/2005/8/layout/hierarchy2"/>
+    <dgm:cxn modelId="{9C5EB473-E856-43D0-B8D6-78A885608F64}" type="presOf" srcId="{406ADA2E-FFB4-4480-975B-16FDE4260250}" destId="{3026CC65-5239-4002-AD6B-ED72A8C08190}" srcOrd="0" destOrd="0" presId="urn:microsoft.com/office/officeart/2005/8/layout/hierarchy2"/>
     <dgm:cxn modelId="{307B2A74-2A02-4680-8CE2-5BBA0DD78077}" type="presOf" srcId="{47B8E4FD-180C-4227-BCD3-5D728BF99E48}" destId="{70E3A0B0-A30D-4393-AC7D-73BA3AF853C6}" srcOrd="1" destOrd="0" presId="urn:microsoft.com/office/officeart/2005/8/layout/hierarchy2"/>
+    <dgm:cxn modelId="{5B1AAF74-A0B7-4EB2-A4FB-A559945D024E}" srcId="{29D9A897-1E2B-4AF0-98EF-0C4A3DAC7C1E}" destId="{B38DAC30-A63D-466E-9F0D-A336D26D5F1E}" srcOrd="0" destOrd="0" parTransId="{406ADA2E-FFB4-4480-975B-16FDE4260250}" sibTransId="{E436E6EB-5623-488C-9DB3-6135BD902B5F}"/>
     <dgm:cxn modelId="{C4DB1D55-623F-4D79-95CB-6D55AE7D275B}" type="presOf" srcId="{ED08ABE0-5B50-4E2F-9047-217D3B4AFFA1}" destId="{0818E4C3-4ABB-4BED-A337-352E23ADF85D}" srcOrd="0" destOrd="0" presId="urn:microsoft.com/office/officeart/2005/8/layout/hierarchy2"/>
     <dgm:cxn modelId="{D754AB78-790A-4AD6-BA17-FF0F97ABE15F}" type="presOf" srcId="{ED08ABE0-5B50-4E2F-9047-217D3B4AFFA1}" destId="{F5717974-C389-4426-9D94-DEA3F8FB16E3}" srcOrd="1" destOrd="0" presId="urn:microsoft.com/office/officeart/2005/8/layout/hierarchy2"/>
     <dgm:cxn modelId="{453A9459-D0E8-4EDF-8EC1-46D6DAAF1C82}" type="presOf" srcId="{CE5071B5-F805-4DB4-BA8E-915EE1F15085}" destId="{5CEB61F9-D1D5-4EC9-BB13-6A43B38903FD}" srcOrd="0" destOrd="0" presId="urn:microsoft.com/office/officeart/2005/8/layout/hierarchy2"/>
-    <dgm:cxn modelId="{66E6387A-1BB5-403B-9F15-CFF600688F39}" type="presOf" srcId="{F9AEFA84-90E0-452E-962F-A6FC32579AA1}" destId="{E20D5B3B-EB64-4448-AD0D-072ED5516533}" srcOrd="0" destOrd="0" presId="urn:microsoft.com/office/officeart/2005/8/layout/hierarchy2"/>
     <dgm:cxn modelId="{D3F77B7F-9E9A-4AE8-A3FE-DFDC8641687D}" type="presOf" srcId="{EB3173AA-61FE-467C-8A1A-813CD804A9B8}" destId="{68C0DD4E-0680-4774-8CDE-E2C55FB45FC2}" srcOrd="1" destOrd="0" presId="urn:microsoft.com/office/officeart/2005/8/layout/hierarchy2"/>
     <dgm:cxn modelId="{70789E84-9FCE-48DF-990B-49087B81674D}" type="presOf" srcId="{3AA01E54-D83E-4031-8F11-3CD3F21E7095}" destId="{BC21D612-E146-4285-B6B4-A008C4468140}" srcOrd="0" destOrd="0" presId="urn:microsoft.com/office/officeart/2005/8/layout/hierarchy2"/>
-    <dgm:cxn modelId="{D6904185-E465-4356-BCDE-4E47C1C777CA}" srcId="{2293A8AC-45B1-4789-B137-4800DFA054DF}" destId="{C6ADBB5D-12FB-4626-BC18-D1C21CAECA2A}" srcOrd="3" destOrd="0" parTransId="{93042A9F-559C-439E-B839-8B66F27D66C8}" sibTransId="{026B202D-C126-435D-A885-93E1C07942A5}"/>
-    <dgm:cxn modelId="{773C5591-EBCB-498B-BB76-0053DB31E251}" srcId="{2293A8AC-45B1-4789-B137-4800DFA054DF}" destId="{B443BB66-9B4B-49B7-A018-1DC273616C95}" srcOrd="2" destOrd="0" parTransId="{640501B0-9FAA-4B45-AAD4-25A595E0825B}" sibTransId="{9E047B41-69D4-4097-BA51-CFF006BD49AA}"/>
+    <dgm:cxn modelId="{D6904185-E465-4356-BCDE-4E47C1C777CA}" srcId="{2293A8AC-45B1-4789-B137-4800DFA054DF}" destId="{C6ADBB5D-12FB-4626-BC18-D1C21CAECA2A}" srcOrd="2" destOrd="0" parTransId="{93042A9F-559C-439E-B839-8B66F27D66C8}" sibTransId="{026B202D-C126-435D-A885-93E1C07942A5}"/>
+    <dgm:cxn modelId="{5D07AC8A-1687-4689-B5E3-842918A67C71}" srcId="{2345F62F-3DCC-45DF-88DE-AB285C90496F}" destId="{29D9A897-1E2B-4AF0-98EF-0C4A3DAC7C1E}" srcOrd="2" destOrd="0" parTransId="{ED6094DB-B2AC-4F1C-BC54-4D9CFF5B66F1}" sibTransId="{6466F1D3-050B-49B8-B714-1FB48BE9CBBF}"/>
     <dgm:cxn modelId="{26EEE898-1766-4AE9-9337-9FAB86972DCD}" type="presOf" srcId="{05A57EE3-B8A4-45BB-A020-BE40EA9E945B}" destId="{9EBC4BDD-087E-462D-84B5-87250EDEB6B1}" srcOrd="1" destOrd="0" presId="urn:microsoft.com/office/officeart/2005/8/layout/hierarchy2"/>
     <dgm:cxn modelId="{B6D4619E-1FB7-437A-A2CA-6FB02E541BA1}" srcId="{C6ADBB5D-12FB-4626-BC18-D1C21CAECA2A}" destId="{9CC6792A-52A2-4B5E-956A-A414A64FE686}" srcOrd="0" destOrd="0" parTransId="{4C31C9BE-81F0-4BD0-9704-D96274F7F445}" sibTransId="{DB32A63F-5326-4B55-BB4E-92AAEA315A56}"/>
-    <dgm:cxn modelId="{9574899F-74D5-41DB-AE8C-3A04C20BBC56}" type="presOf" srcId="{BB8DA5D7-68DF-46EE-840B-60A9B07DD206}" destId="{E6335ECA-455A-4185-B6F6-D92F6F3F4064}" srcOrd="0" destOrd="0" presId="urn:microsoft.com/office/officeart/2005/8/layout/hierarchy2"/>
     <dgm:cxn modelId="{31F0C6B0-669F-483E-BA41-41F6E7D1DDA0}" srcId="{2345F62F-3DCC-45DF-88DE-AB285C90496F}" destId="{60629CF1-404A-40CA-8264-2F8160750AE5}" srcOrd="0" destOrd="0" parTransId="{9E103610-6A3A-4F8D-BAA4-B0B2615BC305}" sibTransId="{34925CE2-6DF2-42BD-920E-09E840E8C2F9}"/>
     <dgm:cxn modelId="{8E8D3CB3-C627-4AFF-99A0-E18B495C34E9}" type="presOf" srcId="{8DFB018A-693E-431D-BA74-5C5C63AB92BC}" destId="{C8A97C0F-4672-4BE1-A5BE-92ADD5962DC6}" srcOrd="1" destOrd="0" presId="urn:microsoft.com/office/officeart/2005/8/layout/hierarchy2"/>
-    <dgm:cxn modelId="{112393BB-49A9-40DD-8EAD-9605057E1362}" type="presOf" srcId="{B443BB66-9B4B-49B7-A018-1DC273616C95}" destId="{5DB0E4E0-1695-4695-9BA0-CBA783F3A422}" srcOrd="0" destOrd="0" presId="urn:microsoft.com/office/officeart/2005/8/layout/hierarchy2"/>
+    <dgm:cxn modelId="{6BB7B2B3-C582-430A-A346-228454E0856F}" type="presOf" srcId="{B38DAC30-A63D-466E-9F0D-A336D26D5F1E}" destId="{5101C3D4-128D-4507-B839-AAE981E38DA1}" srcOrd="0" destOrd="0" presId="urn:microsoft.com/office/officeart/2005/8/layout/hierarchy2"/>
+    <dgm:cxn modelId="{94D85CCA-159E-4258-BFFB-82CE17C75CB5}" type="presOf" srcId="{ED6094DB-B2AC-4F1C-BC54-4D9CFF5B66F1}" destId="{03F2ECC3-5949-4BA1-8BC4-D9B7F870C19C}" srcOrd="0" destOrd="0" presId="urn:microsoft.com/office/officeart/2005/8/layout/hierarchy2"/>
     <dgm:cxn modelId="{512B52D7-DB81-4471-B869-FCFA0B85AE8D}" type="presOf" srcId="{93042A9F-559C-439E-B839-8B66F27D66C8}" destId="{007AA3CA-7DA3-482D-9866-9D78E2B41BA5}" srcOrd="0" destOrd="0" presId="urn:microsoft.com/office/officeart/2005/8/layout/hierarchy2"/>
     <dgm:cxn modelId="{FC69D5D7-A537-4362-B504-59BB5143DF57}" type="presOf" srcId="{93042A9F-559C-439E-B839-8B66F27D66C8}" destId="{12D6B9F8-6251-41F6-BA58-158FD212DF39}" srcOrd="1" destOrd="0" presId="urn:microsoft.com/office/officeart/2005/8/layout/hierarchy2"/>
     <dgm:cxn modelId="{DB9B58DC-B8CA-4477-95C3-4980166F0C06}" srcId="{F0B8B7CA-DECB-4C76-86E8-463817C5CBCB}" destId="{B1B243C5-15EE-46B6-8A4E-CAFFCAF28B20}" srcOrd="0" destOrd="0" parTransId="{7BD0DFD9-EBFF-4E33-92F4-6888B2783529}" sibTransId="{4A133FB7-E379-4953-ACAF-A78CB3D7FA4A}"/>
@@ -5368,7 +5372,6 @@
     <dgm:cxn modelId="{49C024E3-55C7-4AA6-8CC7-6A214EFA38C6}" type="presOf" srcId="{F0B8B7CA-DECB-4C76-86E8-463817C5CBCB}" destId="{92467D0E-CCBB-49DC-8A9E-80BC90FEAB2F}" srcOrd="0" destOrd="0" presId="urn:microsoft.com/office/officeart/2005/8/layout/hierarchy2"/>
     <dgm:cxn modelId="{72B3D0EA-4E29-4354-B91C-B831037F6B1E}" type="presOf" srcId="{9CC6792A-52A2-4B5E-956A-A414A64FE686}" destId="{91D09E0C-13B4-4CDE-9B48-BD6C9B055CCF}" srcOrd="0" destOrd="0" presId="urn:microsoft.com/office/officeart/2005/8/layout/hierarchy2"/>
     <dgm:cxn modelId="{53E7A8EB-EBCA-4A8B-8D2D-D62B8CF60EA3}" type="presOf" srcId="{8DFB018A-693E-431D-BA74-5C5C63AB92BC}" destId="{B33C70CF-A4BB-4CCB-B6F1-EF866D3E9FE6}" srcOrd="0" destOrd="0" presId="urn:microsoft.com/office/officeart/2005/8/layout/hierarchy2"/>
-    <dgm:cxn modelId="{ED0703EC-B55F-46FD-898A-464734BDC3F7}" type="presOf" srcId="{640501B0-9FAA-4B45-AAD4-25A595E0825B}" destId="{EE6614D3-376F-4B91-8970-EE0BBC68270A}" srcOrd="1" destOrd="0" presId="urn:microsoft.com/office/officeart/2005/8/layout/hierarchy2"/>
     <dgm:cxn modelId="{14CD82F1-D914-4BD7-A901-BDFEED8FE976}" type="presOf" srcId="{B1B243C5-15EE-46B6-8A4E-CAFFCAF28B20}" destId="{54F55EC6-F2D7-419A-A471-C5D45442629A}" srcOrd="0" destOrd="0" presId="urn:microsoft.com/office/officeart/2005/8/layout/hierarchy2"/>
     <dgm:cxn modelId="{85C113F2-4F78-4472-860D-7F43DD2650BE}" srcId="{60629CF1-404A-40CA-8264-2F8160750AE5}" destId="{CE5071B5-F805-4DB4-BA8E-915EE1F15085}" srcOrd="0" destOrd="0" parTransId="{47B8E4FD-180C-4227-BCD3-5D728BF99E48}" sibTransId="{1740685C-62AC-48E8-A0B9-FE27E395EDD2}"/>
     <dgm:cxn modelId="{22089EF4-ED85-478A-8992-9070029B0DFB}" type="presOf" srcId="{9E103610-6A3A-4F8D-BAA4-B0B2615BC305}" destId="{BF07CBC9-59CF-4B23-8C19-89A9323E7578}" srcOrd="1" destOrd="0" presId="urn:microsoft.com/office/officeart/2005/8/layout/hierarchy2"/>
@@ -5401,6 +5404,16 @@
     <dgm:cxn modelId="{B4F5411F-CDF8-46D3-9468-4CA20B3BFBE2}" type="presParOf" srcId="{78583118-9700-417E-A3BF-490D0AF4EB22}" destId="{06B91BFB-A0FE-410F-83DE-27A169CFBD48}" srcOrd="1" destOrd="0" presId="urn:microsoft.com/office/officeart/2005/8/layout/hierarchy2"/>
     <dgm:cxn modelId="{D8A68E98-2273-4201-BCB9-16AB82BF7C1B}" type="presParOf" srcId="{06B91BFB-A0FE-410F-83DE-27A169CFBD48}" destId="{54F55EC6-F2D7-419A-A471-C5D45442629A}" srcOrd="0" destOrd="0" presId="urn:microsoft.com/office/officeart/2005/8/layout/hierarchy2"/>
     <dgm:cxn modelId="{5ED3B136-391E-4172-84EB-B5FEEAA5725D}" type="presParOf" srcId="{06B91BFB-A0FE-410F-83DE-27A169CFBD48}" destId="{F48E16C6-CC8D-4245-A152-5854D1E196E5}" srcOrd="1" destOrd="0" presId="urn:microsoft.com/office/officeart/2005/8/layout/hierarchy2"/>
+    <dgm:cxn modelId="{AA0AE7A8-8FC1-4D42-A6BE-FF72871A1BF1}" type="presParOf" srcId="{6DA553AD-80E6-44FF-85B2-C90862C92F68}" destId="{03F2ECC3-5949-4BA1-8BC4-D9B7F870C19C}" srcOrd="4" destOrd="0" presId="urn:microsoft.com/office/officeart/2005/8/layout/hierarchy2"/>
+    <dgm:cxn modelId="{02003E39-B5AE-4540-874E-977426A1DFB3}" type="presParOf" srcId="{03F2ECC3-5949-4BA1-8BC4-D9B7F870C19C}" destId="{FD2648AD-01CF-489F-83A1-FF605C144652}" srcOrd="0" destOrd="0" presId="urn:microsoft.com/office/officeart/2005/8/layout/hierarchy2"/>
+    <dgm:cxn modelId="{E8E9A6C3-1BF0-4176-BB95-1F7B64E3C2C4}" type="presParOf" srcId="{6DA553AD-80E6-44FF-85B2-C90862C92F68}" destId="{E67A616E-402C-4E1B-B30E-9A68D7C7C1C9}" srcOrd="5" destOrd="0" presId="urn:microsoft.com/office/officeart/2005/8/layout/hierarchy2"/>
+    <dgm:cxn modelId="{38152499-AD99-44A6-9F55-29E7EAAE08F4}" type="presParOf" srcId="{E67A616E-402C-4E1B-B30E-9A68D7C7C1C9}" destId="{650FC981-A34C-4C7A-8471-EE1FAB50D394}" srcOrd="0" destOrd="0" presId="urn:microsoft.com/office/officeart/2005/8/layout/hierarchy2"/>
+    <dgm:cxn modelId="{E8CD3E19-D405-4CFC-9FB5-E63F91EEA8C7}" type="presParOf" srcId="{E67A616E-402C-4E1B-B30E-9A68D7C7C1C9}" destId="{6F9C83F8-D190-40E2-98E2-DD8710D7A699}" srcOrd="1" destOrd="0" presId="urn:microsoft.com/office/officeart/2005/8/layout/hierarchy2"/>
+    <dgm:cxn modelId="{7B7320E7-834D-431C-A036-594A10529F99}" type="presParOf" srcId="{6F9C83F8-D190-40E2-98E2-DD8710D7A699}" destId="{3026CC65-5239-4002-AD6B-ED72A8C08190}" srcOrd="0" destOrd="0" presId="urn:microsoft.com/office/officeart/2005/8/layout/hierarchy2"/>
+    <dgm:cxn modelId="{740BF26A-44B8-4606-9BF9-CD9CDED1D2B6}" type="presParOf" srcId="{3026CC65-5239-4002-AD6B-ED72A8C08190}" destId="{D5893B14-A4EE-4336-8DF4-1D3FAC296AA8}" srcOrd="0" destOrd="0" presId="urn:microsoft.com/office/officeart/2005/8/layout/hierarchy2"/>
+    <dgm:cxn modelId="{E655B1BA-4C20-4178-BB17-45D6F94A60DC}" type="presParOf" srcId="{6F9C83F8-D190-40E2-98E2-DD8710D7A699}" destId="{92108B6F-0603-4F11-B8DF-24ABF82DC5F8}" srcOrd="1" destOrd="0" presId="urn:microsoft.com/office/officeart/2005/8/layout/hierarchy2"/>
+    <dgm:cxn modelId="{32900A0F-6274-4404-8319-6206DFB5544B}" type="presParOf" srcId="{92108B6F-0603-4F11-B8DF-24ABF82DC5F8}" destId="{5101C3D4-128D-4507-B839-AAE981E38DA1}" srcOrd="0" destOrd="0" presId="urn:microsoft.com/office/officeart/2005/8/layout/hierarchy2"/>
+    <dgm:cxn modelId="{02C5A559-6FED-4E3A-B11D-0D1CE6CE1E66}" type="presParOf" srcId="{92108B6F-0603-4F11-B8DF-24ABF82DC5F8}" destId="{DAF3989D-466D-4625-A553-4C1179918E96}" srcOrd="1" destOrd="0" presId="urn:microsoft.com/office/officeart/2005/8/layout/hierarchy2"/>
     <dgm:cxn modelId="{0A43E124-5D95-4D18-AB60-205E6F431AAC}" type="presParOf" srcId="{882554D3-12FA-4389-9434-D6FF86C99BA0}" destId="{1F0CB16C-636A-4338-8E0C-DF748B0FBDE8}" srcOrd="2" destOrd="0" presId="urn:microsoft.com/office/officeart/2005/8/layout/hierarchy2"/>
     <dgm:cxn modelId="{A9C3C6FE-E38E-439E-B17D-314C0B4D47A0}" type="presParOf" srcId="{1F0CB16C-636A-4338-8E0C-DF748B0FBDE8}" destId="{9EBC4BDD-087E-462D-84B5-87250EDEB6B1}" srcOrd="0" destOrd="0" presId="urn:microsoft.com/office/officeart/2005/8/layout/hierarchy2"/>
     <dgm:cxn modelId="{7C238EC0-70CE-4C7E-9EC1-516960F9A505}" type="presParOf" srcId="{882554D3-12FA-4389-9434-D6FF86C99BA0}" destId="{40D8FB4C-A8D6-4EEC-AE3A-3879C4208A42}" srcOrd="3" destOrd="0" presId="urn:microsoft.com/office/officeart/2005/8/layout/hierarchy2"/>
@@ -5426,19 +5439,9 @@
     <dgm:cxn modelId="{414E858A-21E4-4D66-9C4B-053684A2D782}" type="presParOf" srcId="{4F2E4CE4-ABDD-4264-A3CC-CBCE7837A18D}" destId="{85F444B9-5A40-4E22-A048-1C3453FE0490}" srcOrd="1" destOrd="0" presId="urn:microsoft.com/office/officeart/2005/8/layout/hierarchy2"/>
     <dgm:cxn modelId="{246EAD2E-0851-49E1-9B29-6EE1EF7EE1BE}" type="presParOf" srcId="{85F444B9-5A40-4E22-A048-1C3453FE0490}" destId="{7A66A2B3-7C8D-45A0-93F8-D9A172D23093}" srcOrd="0" destOrd="0" presId="urn:microsoft.com/office/officeart/2005/8/layout/hierarchy2"/>
     <dgm:cxn modelId="{8F275901-F5C7-41C2-97C6-CE6DF9BB23A5}" type="presParOf" srcId="{85F444B9-5A40-4E22-A048-1C3453FE0490}" destId="{D1E04209-B177-4CCE-B856-0427862D9179}" srcOrd="1" destOrd="0" presId="urn:microsoft.com/office/officeart/2005/8/layout/hierarchy2"/>
-    <dgm:cxn modelId="{45DEEAE8-81A3-4CC1-BBEE-5A17BDDF6F77}" type="presParOf" srcId="{4D3E1F88-FFC8-4575-87FD-96FABAD87E1A}" destId="{49130CC7-C914-40EA-AB91-8C0045364378}" srcOrd="4" destOrd="0" presId="urn:microsoft.com/office/officeart/2005/8/layout/hierarchy2"/>
-    <dgm:cxn modelId="{295CBF6E-40EE-4DBD-8A74-9E4D40AB3F0A}" type="presParOf" srcId="{49130CC7-C914-40EA-AB91-8C0045364378}" destId="{EE6614D3-376F-4B91-8970-EE0BBC68270A}" srcOrd="0" destOrd="0" presId="urn:microsoft.com/office/officeart/2005/8/layout/hierarchy2"/>
-    <dgm:cxn modelId="{BD5F8B73-4522-42D8-B7AC-AA1DA30AE08F}" type="presParOf" srcId="{4D3E1F88-FFC8-4575-87FD-96FABAD87E1A}" destId="{952F1FF6-812D-480F-B816-D2BA6C6570A7}" srcOrd="5" destOrd="0" presId="urn:microsoft.com/office/officeart/2005/8/layout/hierarchy2"/>
-    <dgm:cxn modelId="{5630E87E-1B6D-405B-9542-2204B484C5EC}" type="presParOf" srcId="{952F1FF6-812D-480F-B816-D2BA6C6570A7}" destId="{5DB0E4E0-1695-4695-9BA0-CBA783F3A422}" srcOrd="0" destOrd="0" presId="urn:microsoft.com/office/officeart/2005/8/layout/hierarchy2"/>
-    <dgm:cxn modelId="{A8101DC3-1C91-4AF8-8738-DEDA947BBBD3}" type="presParOf" srcId="{952F1FF6-812D-480F-B816-D2BA6C6570A7}" destId="{04925B4A-F090-4856-972A-14EB9915C6CA}" srcOrd="1" destOrd="0" presId="urn:microsoft.com/office/officeart/2005/8/layout/hierarchy2"/>
-    <dgm:cxn modelId="{E1F1D9A1-D7F1-4844-9197-F20629348F17}" type="presParOf" srcId="{04925B4A-F090-4856-972A-14EB9915C6CA}" destId="{E6335ECA-455A-4185-B6F6-D92F6F3F4064}" srcOrd="0" destOrd="0" presId="urn:microsoft.com/office/officeart/2005/8/layout/hierarchy2"/>
-    <dgm:cxn modelId="{592E2699-C5D6-477A-A82D-F37F6113D739}" type="presParOf" srcId="{E6335ECA-455A-4185-B6F6-D92F6F3F4064}" destId="{A6A51D81-D2E6-43D6-B822-74B21E856478}" srcOrd="0" destOrd="0" presId="urn:microsoft.com/office/officeart/2005/8/layout/hierarchy2"/>
-    <dgm:cxn modelId="{2F09596A-ECC5-42E0-8F0A-791F8828CCAB}" type="presParOf" srcId="{04925B4A-F090-4856-972A-14EB9915C6CA}" destId="{641F8021-187D-4227-92F6-D53DD35F7442}" srcOrd="1" destOrd="0" presId="urn:microsoft.com/office/officeart/2005/8/layout/hierarchy2"/>
-    <dgm:cxn modelId="{B69D83DD-E79A-4464-A701-F039022E2BAF}" type="presParOf" srcId="{641F8021-187D-4227-92F6-D53DD35F7442}" destId="{E20D5B3B-EB64-4448-AD0D-072ED5516533}" srcOrd="0" destOrd="0" presId="urn:microsoft.com/office/officeart/2005/8/layout/hierarchy2"/>
-    <dgm:cxn modelId="{B6D0B58B-DB8E-4F56-8540-9F6CF85E6E10}" type="presParOf" srcId="{641F8021-187D-4227-92F6-D53DD35F7442}" destId="{31CAE9DA-50DC-4826-BD53-0AFF5FADF359}" srcOrd="1" destOrd="0" presId="urn:microsoft.com/office/officeart/2005/8/layout/hierarchy2"/>
-    <dgm:cxn modelId="{D399E19E-0848-4C71-9E3F-50E1AC32F076}" type="presParOf" srcId="{4D3E1F88-FFC8-4575-87FD-96FABAD87E1A}" destId="{007AA3CA-7DA3-482D-9866-9D78E2B41BA5}" srcOrd="6" destOrd="0" presId="urn:microsoft.com/office/officeart/2005/8/layout/hierarchy2"/>
+    <dgm:cxn modelId="{D399E19E-0848-4C71-9E3F-50E1AC32F076}" type="presParOf" srcId="{4D3E1F88-FFC8-4575-87FD-96FABAD87E1A}" destId="{007AA3CA-7DA3-482D-9866-9D78E2B41BA5}" srcOrd="4" destOrd="0" presId="urn:microsoft.com/office/officeart/2005/8/layout/hierarchy2"/>
     <dgm:cxn modelId="{8D2022E5-DB5F-4F19-A443-80551A1411F5}" type="presParOf" srcId="{007AA3CA-7DA3-482D-9866-9D78E2B41BA5}" destId="{12D6B9F8-6251-41F6-BA58-158FD212DF39}" srcOrd="0" destOrd="0" presId="urn:microsoft.com/office/officeart/2005/8/layout/hierarchy2"/>
-    <dgm:cxn modelId="{445CD540-E0AE-41E6-97BE-A86410242A57}" type="presParOf" srcId="{4D3E1F88-FFC8-4575-87FD-96FABAD87E1A}" destId="{26FF5EFC-2AD9-447A-85A4-BBAC91F86A5C}" srcOrd="7" destOrd="0" presId="urn:microsoft.com/office/officeart/2005/8/layout/hierarchy2"/>
+    <dgm:cxn modelId="{445CD540-E0AE-41E6-97BE-A86410242A57}" type="presParOf" srcId="{4D3E1F88-FFC8-4575-87FD-96FABAD87E1A}" destId="{26FF5EFC-2AD9-447A-85A4-BBAC91F86A5C}" srcOrd="5" destOrd="0" presId="urn:microsoft.com/office/officeart/2005/8/layout/hierarchy2"/>
     <dgm:cxn modelId="{6AE32F83-60DD-4668-82BC-5A344F9C7FE0}" type="presParOf" srcId="{26FF5EFC-2AD9-447A-85A4-BBAC91F86A5C}" destId="{F0763019-633E-48B1-B57F-BD0AC0974029}" srcOrd="0" destOrd="0" presId="urn:microsoft.com/office/officeart/2005/8/layout/hierarchy2"/>
     <dgm:cxn modelId="{9BAE120B-6821-48D7-B583-F649BC070433}" type="presParOf" srcId="{26FF5EFC-2AD9-447A-85A4-BBAC91F86A5C}" destId="{DAF032B3-7C65-42C5-AF85-9E75D4C71AF7}" srcOrd="1" destOrd="0" presId="urn:microsoft.com/office/officeart/2005/8/layout/hierarchy2"/>
     <dgm:cxn modelId="{F83BDDFC-6AD3-4CC2-93C3-206418BE0CF4}" type="presParOf" srcId="{DAF032B3-7C65-42C5-AF85-9E75D4C71AF7}" destId="{67BD6175-A1BC-4A44-9AF4-4FB9B6439D95}" srcOrd="0" destOrd="0" presId="urn:microsoft.com/office/officeart/2005/8/layout/hierarchy2"/>
@@ -5451,7 +5454,7 @@
   <dgm:whole/>
   <dgm:extLst>
     <a:ext uri="http://schemas.microsoft.com/office/drawing/2008/diagram">
-      <dsp:dataModelExt xmlns:dsp="http://schemas.microsoft.com/office/drawing/2008/diagram" relId="rId6" minVer="http://schemas.openxmlformats.org/drawingml/2006/diagram"/>
+      <dsp:dataModelExt xmlns:dsp="http://schemas.microsoft.com/office/drawing/2008/diagram" relId="rId7" minVer="http://schemas.openxmlformats.org/drawingml/2006/diagram"/>
     </a:ext>
   </dgm:extLst>
 </dgm:dataModel>
@@ -6673,7 +6676,7 @@
       </dsp:nvSpPr>
       <dsp:spPr>
         <a:xfrm>
-          <a:off x="1577518" y="1757777"/>
+          <a:off x="1577518" y="2189991"/>
           <a:ext cx="1591974" cy="700847"/>
         </a:xfrm>
         <a:prstGeom prst="roundRect">
@@ -6743,7 +6746,7 @@
         </a:p>
       </dsp:txBody>
       <dsp:txXfrm>
-        <a:off x="1598045" y="1778304"/>
+        <a:off x="1598045" y="2210518"/>
         <a:ext cx="1550920" cy="659793"/>
       </dsp:txXfrm>
     </dsp:sp>
@@ -6754,7 +6757,7 @@
       </dsp:nvSpPr>
       <dsp:spPr>
         <a:xfrm rot="17692723">
-          <a:off x="2755470" y="1446516"/>
+          <a:off x="2755470" y="1878730"/>
           <a:ext cx="1429385" cy="26630"/>
         </a:xfrm>
         <a:custGeom>
@@ -6823,7 +6826,7 @@
         </a:p>
       </dsp:txBody>
       <dsp:txXfrm>
-        <a:off x="3434428" y="1424097"/>
+        <a:off x="3434428" y="1856311"/>
         <a:ext cx="71469" cy="71469"/>
       </dsp:txXfrm>
     </dsp:sp>
@@ -6834,7 +6837,7 @@
       </dsp:nvSpPr>
       <dsp:spPr>
         <a:xfrm>
-          <a:off x="3770833" y="355601"/>
+          <a:off x="3770833" y="787815"/>
           <a:ext cx="1770662" cy="911722"/>
         </a:xfrm>
         <a:prstGeom prst="roundRect">
@@ -6904,7 +6907,7 @@
         </a:p>
       </dsp:txBody>
       <dsp:txXfrm>
-        <a:off x="3797536" y="382304"/>
+        <a:off x="3797536" y="814518"/>
         <a:ext cx="1717256" cy="858316"/>
       </dsp:txXfrm>
     </dsp:sp>
@@ -6914,9 +6917,9 @@
         <dsp:cNvSpPr/>
       </dsp:nvSpPr>
       <dsp:spPr>
-        <a:xfrm rot="19457599">
-          <a:off x="5471890" y="582040"/>
-          <a:ext cx="740553" cy="26630"/>
+        <a:xfrm rot="18289469">
+          <a:off x="5315658" y="798147"/>
+          <a:ext cx="1053017" cy="26630"/>
         </a:xfrm>
         <a:custGeom>
           <a:avLst/>
@@ -6930,7 +6933,7 @@
                 <a:pt x="0" y="13315"/>
               </a:moveTo>
               <a:lnTo>
-                <a:pt x="740553" y="13315"/>
+                <a:pt x="1053017" y="13315"/>
               </a:lnTo>
             </a:path>
           </a:pathLst>
@@ -6984,8 +6987,8 @@
         </a:p>
       </dsp:txBody>
       <dsp:txXfrm>
-        <a:off x="5823652" y="576842"/>
-        <a:ext cx="37027" cy="37027"/>
+        <a:off x="5815841" y="785137"/>
+        <a:ext cx="52650" cy="52650"/>
       </dsp:txXfrm>
     </dsp:sp>
     <dsp:sp modelId="{385C79CD-FAB9-456C-A6B9-E4135E282886}">
@@ -7236,9 +7239,9 @@
         <dsp:cNvSpPr/>
       </dsp:nvSpPr>
       <dsp:spPr>
-        <a:xfrm rot="2142401">
-          <a:off x="5471890" y="1014254"/>
-          <a:ext cx="740553" cy="26630"/>
+        <a:xfrm>
+          <a:off x="5541496" y="1230361"/>
+          <a:ext cx="601340" cy="26630"/>
         </a:xfrm>
         <a:custGeom>
           <a:avLst/>
@@ -7252,7 +7255,7 @@
                 <a:pt x="0" y="13315"/>
               </a:moveTo>
               <a:lnTo>
-                <a:pt x="740553" y="13315"/>
+                <a:pt x="601340" y="13315"/>
               </a:lnTo>
             </a:path>
           </a:pathLst>
@@ -7306,8 +7309,8 @@
         </a:p>
       </dsp:txBody>
       <dsp:txXfrm>
-        <a:off x="5823652" y="1009055"/>
-        <a:ext cx="37027" cy="37027"/>
+        <a:off x="5827133" y="1228642"/>
+        <a:ext cx="30067" cy="30067"/>
       </dsp:txXfrm>
     </dsp:sp>
     <dsp:sp modelId="{92467D0E-CCBB-49DC-8A9E-80BC90FEAB2F}">
@@ -7556,6 +7559,328 @@
         <a:ext cx="1459319" cy="707643"/>
       </dsp:txXfrm>
     </dsp:sp>
+    <dsp:sp modelId="{03F2ECC3-5949-4BA1-8BC4-D9B7F870C19C}">
+      <dsp:nvSpPr>
+        <dsp:cNvPr id="0" name=""/>
+        <dsp:cNvSpPr/>
+      </dsp:nvSpPr>
+      <dsp:spPr>
+        <a:xfrm rot="3310531">
+          <a:off x="5315658" y="1662574"/>
+          <a:ext cx="1053017" cy="26630"/>
+        </a:xfrm>
+        <a:custGeom>
+          <a:avLst/>
+          <a:gdLst/>
+          <a:ahLst/>
+          <a:cxnLst/>
+          <a:rect l="0" t="0" r="0" b="0"/>
+          <a:pathLst>
+            <a:path>
+              <a:moveTo>
+                <a:pt x="0" y="13315"/>
+              </a:moveTo>
+              <a:lnTo>
+                <a:pt x="1053017" y="13315"/>
+              </a:lnTo>
+            </a:path>
+          </a:pathLst>
+        </a:custGeom>
+        <a:noFill/>
+        <a:ln w="12700" cap="flat" cmpd="sng" algn="ctr">
+          <a:solidFill>
+            <a:schemeClr val="accent5">
+              <a:hueOff val="0"/>
+              <a:satOff val="0"/>
+              <a:lumOff val="0"/>
+              <a:alphaOff val="0"/>
+            </a:schemeClr>
+          </a:solidFill>
+          <a:prstDash val="solid"/>
+          <a:miter lim="800000"/>
+        </a:ln>
+        <a:effectLst/>
+      </dsp:spPr>
+      <dsp:style>
+        <a:lnRef idx="2">
+          <a:scrgbClr r="0" g="0" b="0"/>
+        </a:lnRef>
+        <a:fillRef idx="0">
+          <a:scrgbClr r="0" g="0" b="0"/>
+        </a:fillRef>
+        <a:effectRef idx="0">
+          <a:scrgbClr r="0" g="0" b="0"/>
+        </a:effectRef>
+        <a:fontRef idx="minor"/>
+      </dsp:style>
+      <dsp:txBody>
+        <a:bodyPr spcFirstLastPara="0" vert="horz" wrap="square" lIns="12700" tIns="0" rIns="12700" bIns="0" numCol="1" spcCol="1270" anchor="ctr" anchorCtr="0">
+          <a:noAutofit/>
+        </a:bodyPr>
+        <a:lstStyle/>
+        <a:p>
+          <a:pPr marL="0" lvl="0" indent="0" algn="ctr" defTabSz="222250">
+            <a:lnSpc>
+              <a:spcPct val="90000"/>
+            </a:lnSpc>
+            <a:spcBef>
+              <a:spcPct val="0"/>
+            </a:spcBef>
+            <a:spcAft>
+              <a:spcPct val="35000"/>
+            </a:spcAft>
+            <a:buNone/>
+          </a:pPr>
+          <a:endParaRPr lang="en-GB" sz="500" kern="1200"/>
+        </a:p>
+      </dsp:txBody>
+      <dsp:txXfrm>
+        <a:off x="5815841" y="1649564"/>
+        <a:ext cx="52650" cy="52650"/>
+      </dsp:txXfrm>
+    </dsp:sp>
+    <dsp:sp modelId="{650FC981-A34C-4C7A-8471-EE1FAB50D394}">
+      <dsp:nvSpPr>
+        <dsp:cNvPr id="0" name=""/>
+        <dsp:cNvSpPr/>
+      </dsp:nvSpPr>
+      <dsp:spPr>
+        <a:xfrm>
+          <a:off x="6142837" y="1732265"/>
+          <a:ext cx="1503351" cy="751675"/>
+        </a:xfrm>
+        <a:prstGeom prst="roundRect">
+          <a:avLst>
+            <a:gd name="adj" fmla="val 10000"/>
+          </a:avLst>
+        </a:prstGeom>
+        <a:solidFill>
+          <a:schemeClr val="accent5">
+            <a:hueOff val="0"/>
+            <a:satOff val="0"/>
+            <a:lumOff val="0"/>
+            <a:alphaOff val="0"/>
+          </a:schemeClr>
+        </a:solidFill>
+        <a:ln w="12700" cap="flat" cmpd="sng" algn="ctr">
+          <a:solidFill>
+            <a:schemeClr val="lt1">
+              <a:hueOff val="0"/>
+              <a:satOff val="0"/>
+              <a:lumOff val="0"/>
+              <a:alphaOff val="0"/>
+            </a:schemeClr>
+          </a:solidFill>
+          <a:prstDash val="solid"/>
+          <a:miter lim="800000"/>
+        </a:ln>
+        <a:effectLst/>
+      </dsp:spPr>
+      <dsp:style>
+        <a:lnRef idx="2">
+          <a:scrgbClr r="0" g="0" b="0"/>
+        </a:lnRef>
+        <a:fillRef idx="1">
+          <a:scrgbClr r="0" g="0" b="0"/>
+        </a:fillRef>
+        <a:effectRef idx="0">
+          <a:scrgbClr r="0" g="0" b="0"/>
+        </a:effectRef>
+        <a:fontRef idx="minor">
+          <a:schemeClr val="lt1"/>
+        </a:fontRef>
+      </dsp:style>
+      <dsp:txBody>
+        <a:bodyPr spcFirstLastPara="0" vert="horz" wrap="square" lIns="12700" tIns="12700" rIns="12700" bIns="12700" numCol="1" spcCol="1270" anchor="ctr" anchorCtr="0">
+          <a:noAutofit/>
+        </a:bodyPr>
+        <a:lstStyle/>
+        <a:p>
+          <a:pPr marL="0" lvl="0" indent="0" algn="ctr" defTabSz="889000">
+            <a:lnSpc>
+              <a:spcPct val="90000"/>
+            </a:lnSpc>
+            <a:spcBef>
+              <a:spcPct val="0"/>
+            </a:spcBef>
+            <a:spcAft>
+              <a:spcPct val="35000"/>
+            </a:spcAft>
+            <a:buNone/>
+          </a:pPr>
+          <a:r>
+            <a:rPr lang="tr-TR" sz="2000" kern="1200" dirty="0" err="1"/>
+            <a:t>Robustness</a:t>
+          </a:r>
+          <a:endParaRPr lang="en-GB" sz="2000" kern="1200" dirty="0"/>
+        </a:p>
+      </dsp:txBody>
+      <dsp:txXfrm>
+        <a:off x="6164853" y="1754281"/>
+        <a:ext cx="1459319" cy="707643"/>
+      </dsp:txXfrm>
+    </dsp:sp>
+    <dsp:sp modelId="{3026CC65-5239-4002-AD6B-ED72A8C08190}">
+      <dsp:nvSpPr>
+        <dsp:cNvPr id="0" name=""/>
+        <dsp:cNvSpPr/>
+      </dsp:nvSpPr>
+      <dsp:spPr>
+        <a:xfrm>
+          <a:off x="7646189" y="2094788"/>
+          <a:ext cx="601340" cy="26630"/>
+        </a:xfrm>
+        <a:custGeom>
+          <a:avLst/>
+          <a:gdLst/>
+          <a:ahLst/>
+          <a:cxnLst/>
+          <a:rect l="0" t="0" r="0" b="0"/>
+          <a:pathLst>
+            <a:path>
+              <a:moveTo>
+                <a:pt x="0" y="13315"/>
+              </a:moveTo>
+              <a:lnTo>
+                <a:pt x="601340" y="13315"/>
+              </a:lnTo>
+            </a:path>
+          </a:pathLst>
+        </a:custGeom>
+        <a:noFill/>
+        <a:ln w="12700" cap="flat" cmpd="sng" algn="ctr">
+          <a:solidFill>
+            <a:schemeClr val="accent6">
+              <a:hueOff val="0"/>
+              <a:satOff val="0"/>
+              <a:lumOff val="0"/>
+              <a:alphaOff val="0"/>
+            </a:schemeClr>
+          </a:solidFill>
+          <a:prstDash val="solid"/>
+          <a:miter lim="800000"/>
+        </a:ln>
+        <a:effectLst/>
+      </dsp:spPr>
+      <dsp:style>
+        <a:lnRef idx="2">
+          <a:scrgbClr r="0" g="0" b="0"/>
+        </a:lnRef>
+        <a:fillRef idx="0">
+          <a:scrgbClr r="0" g="0" b="0"/>
+        </a:fillRef>
+        <a:effectRef idx="0">
+          <a:scrgbClr r="0" g="0" b="0"/>
+        </a:effectRef>
+        <a:fontRef idx="minor"/>
+      </dsp:style>
+      <dsp:txBody>
+        <a:bodyPr spcFirstLastPara="0" vert="horz" wrap="square" lIns="12700" tIns="0" rIns="12700" bIns="0" numCol="1" spcCol="1270" anchor="ctr" anchorCtr="0">
+          <a:noAutofit/>
+        </a:bodyPr>
+        <a:lstStyle/>
+        <a:p>
+          <a:pPr marL="0" lvl="0" indent="0" algn="ctr" defTabSz="222250">
+            <a:lnSpc>
+              <a:spcPct val="90000"/>
+            </a:lnSpc>
+            <a:spcBef>
+              <a:spcPct val="0"/>
+            </a:spcBef>
+            <a:spcAft>
+              <a:spcPct val="35000"/>
+            </a:spcAft>
+            <a:buNone/>
+          </a:pPr>
+          <a:endParaRPr lang="en-GB" sz="500" kern="1200"/>
+        </a:p>
+      </dsp:txBody>
+      <dsp:txXfrm>
+        <a:off x="7931826" y="2093070"/>
+        <a:ext cx="30067" cy="30067"/>
+      </dsp:txXfrm>
+    </dsp:sp>
+    <dsp:sp modelId="{5101C3D4-128D-4507-B839-AAE981E38DA1}">
+      <dsp:nvSpPr>
+        <dsp:cNvPr id="0" name=""/>
+        <dsp:cNvSpPr/>
+      </dsp:nvSpPr>
+      <dsp:spPr>
+        <a:xfrm>
+          <a:off x="8247529" y="1732265"/>
+          <a:ext cx="1503351" cy="751675"/>
+        </a:xfrm>
+        <a:prstGeom prst="roundRect">
+          <a:avLst>
+            <a:gd name="adj" fmla="val 10000"/>
+          </a:avLst>
+        </a:prstGeom>
+        <a:solidFill>
+          <a:schemeClr val="accent6">
+            <a:hueOff val="0"/>
+            <a:satOff val="0"/>
+            <a:lumOff val="0"/>
+            <a:alphaOff val="0"/>
+          </a:schemeClr>
+        </a:solidFill>
+        <a:ln w="12700" cap="flat" cmpd="sng" algn="ctr">
+          <a:solidFill>
+            <a:schemeClr val="lt1">
+              <a:hueOff val="0"/>
+              <a:satOff val="0"/>
+              <a:lumOff val="0"/>
+              <a:alphaOff val="0"/>
+            </a:schemeClr>
+          </a:solidFill>
+          <a:prstDash val="solid"/>
+          <a:miter lim="800000"/>
+        </a:ln>
+        <a:effectLst/>
+      </dsp:spPr>
+      <dsp:style>
+        <a:lnRef idx="2">
+          <a:scrgbClr r="0" g="0" b="0"/>
+        </a:lnRef>
+        <a:fillRef idx="1">
+          <a:scrgbClr r="0" g="0" b="0"/>
+        </a:fillRef>
+        <a:effectRef idx="0">
+          <a:scrgbClr r="0" g="0" b="0"/>
+        </a:effectRef>
+        <a:fontRef idx="minor">
+          <a:schemeClr val="lt1"/>
+        </a:fontRef>
+      </dsp:style>
+      <dsp:txBody>
+        <a:bodyPr spcFirstLastPara="0" vert="horz" wrap="square" lIns="12700" tIns="12700" rIns="12700" bIns="12700" numCol="1" spcCol="1270" anchor="ctr" anchorCtr="0">
+          <a:noAutofit/>
+        </a:bodyPr>
+        <a:lstStyle/>
+        <a:p>
+          <a:pPr marL="0" lvl="0" indent="0" algn="ctr" defTabSz="889000">
+            <a:lnSpc>
+              <a:spcPct val="90000"/>
+            </a:lnSpc>
+            <a:spcBef>
+              <a:spcPct val="0"/>
+            </a:spcBef>
+            <a:spcAft>
+              <a:spcPct val="35000"/>
+            </a:spcAft>
+            <a:buNone/>
+          </a:pPr>
+          <a:r>
+            <a:rPr lang="tr-TR" sz="2000" kern="1200" dirty="0"/>
+            <a:t>0.18</a:t>
+          </a:r>
+          <a:endParaRPr lang="en-GB" sz="2000" kern="1200" dirty="0"/>
+        </a:p>
+      </dsp:txBody>
+      <dsp:txXfrm>
+        <a:off x="8269545" y="1754281"/>
+        <a:ext cx="1459319" cy="707643"/>
+      </dsp:txXfrm>
+    </dsp:sp>
     <dsp:sp modelId="{1F0CB16C-636A-4338-8E0C-DF748B0FBDE8}">
       <dsp:nvSpPr>
         <dsp:cNvPr id="0" name=""/>
@@ -7563,7 +7888,7 @@
       </dsp:nvSpPr>
       <dsp:spPr>
         <a:xfrm rot="3907079">
-          <a:off x="2755559" y="2743157"/>
+          <a:off x="2755559" y="3175371"/>
           <a:ext cx="1429207" cy="26630"/>
         </a:xfrm>
         <a:custGeom>
@@ -7632,7 +7957,7 @@
         </a:p>
       </dsp:txBody>
       <dsp:txXfrm>
-        <a:off x="3434432" y="2720743"/>
+        <a:off x="3434432" y="3152956"/>
         <a:ext cx="71460" cy="71460"/>
       </dsp:txXfrm>
     </dsp:sp>
@@ -7643,7 +7968,7 @@
       </dsp:nvSpPr>
       <dsp:spPr>
         <a:xfrm>
-          <a:off x="3770833" y="2948688"/>
+          <a:off x="3770833" y="3380901"/>
           <a:ext cx="1733169" cy="912113"/>
         </a:xfrm>
         <a:prstGeom prst="roundRect">
@@ -7713,7 +8038,7 @@
         </a:p>
       </dsp:txBody>
       <dsp:txXfrm>
-        <a:off x="3797548" y="2975403"/>
+        <a:off x="3797548" y="3407616"/>
         <a:ext cx="1679739" cy="858683"/>
       </dsp:txXfrm>
     </dsp:sp>
@@ -7723,9 +8048,9 @@
         <dsp:cNvSpPr/>
       </dsp:nvSpPr>
       <dsp:spPr>
-        <a:xfrm rot="17692822">
-          <a:off x="5090024" y="2743108"/>
-          <a:ext cx="1429296" cy="26630"/>
+        <a:xfrm rot="18289469">
+          <a:off x="5278164" y="3391429"/>
+          <a:ext cx="1053017" cy="26630"/>
         </a:xfrm>
         <a:custGeom>
           <a:avLst/>
@@ -7739,7 +8064,7 @@
                 <a:pt x="0" y="13315"/>
               </a:moveTo>
               <a:lnTo>
-                <a:pt x="1429296" y="13315"/>
+                <a:pt x="1053017" y="13315"/>
               </a:lnTo>
             </a:path>
           </a:pathLst>
@@ -7793,8 +8118,8 @@
         </a:p>
       </dsp:txBody>
       <dsp:txXfrm>
-        <a:off x="5768940" y="2720691"/>
-        <a:ext cx="71464" cy="71464"/>
+        <a:off x="5778347" y="3378419"/>
+        <a:ext cx="52650" cy="52650"/>
       </dsp:txXfrm>
     </dsp:sp>
     <dsp:sp modelId="{BC21D612-E146-4285-B6B4-A008C4468140}">
@@ -7804,7 +8129,7 @@
       </dsp:nvSpPr>
       <dsp:spPr>
         <a:xfrm>
-          <a:off x="6105343" y="1732265"/>
+          <a:off x="6105343" y="2596693"/>
           <a:ext cx="1503351" cy="751675"/>
         </a:xfrm>
         <a:prstGeom prst="roundRect">
@@ -7874,7 +8199,7 @@
         </a:p>
       </dsp:txBody>
       <dsp:txXfrm>
-        <a:off x="6127359" y="1754281"/>
+        <a:off x="6127359" y="2618709"/>
         <a:ext cx="1459319" cy="707643"/>
       </dsp:txXfrm>
     </dsp:sp>
@@ -7885,7 +8210,7 @@
       </dsp:nvSpPr>
       <dsp:spPr>
         <a:xfrm>
-          <a:off x="7608695" y="2094788"/>
+          <a:off x="7608695" y="2959215"/>
           <a:ext cx="611503" cy="26630"/>
         </a:xfrm>
         <a:custGeom>
@@ -7954,7 +8279,7 @@
         </a:p>
       </dsp:txBody>
       <dsp:txXfrm>
-        <a:off x="7899159" y="2092816"/>
+        <a:off x="7899159" y="2957243"/>
         <a:ext cx="30575" cy="30575"/>
       </dsp:txXfrm>
     </dsp:sp>
@@ -7965,7 +8290,7 @@
       </dsp:nvSpPr>
       <dsp:spPr>
         <a:xfrm>
-          <a:off x="8220198" y="1732265"/>
+          <a:off x="8220198" y="2596693"/>
           <a:ext cx="1503351" cy="751675"/>
         </a:xfrm>
         <a:prstGeom prst="roundRect">
@@ -8029,13 +8354,13 @@
           </a:pPr>
           <a:r>
             <a:rPr lang="tr-TR" sz="2000" kern="1200" dirty="0"/>
-            <a:t>0.18</a:t>
+            <a:t>0.16</a:t>
           </a:r>
           <a:endParaRPr lang="en-GB" sz="2000" kern="1200" dirty="0"/>
         </a:p>
       </dsp:txBody>
       <dsp:txXfrm>
-        <a:off x="8242214" y="1754281"/>
+        <a:off x="8242214" y="2618709"/>
         <a:ext cx="1459319" cy="707643"/>
       </dsp:txXfrm>
     </dsp:sp>
@@ -8045,9 +8370,9 @@
         <dsp:cNvSpPr/>
       </dsp:nvSpPr>
       <dsp:spPr>
-        <a:xfrm rot="19457599">
-          <a:off x="5434396" y="3175322"/>
-          <a:ext cx="740553" cy="26630"/>
+        <a:xfrm>
+          <a:off x="5504002" y="3823643"/>
+          <a:ext cx="601340" cy="26630"/>
         </a:xfrm>
         <a:custGeom>
           <a:avLst/>
@@ -8061,7 +8386,7 @@
                 <a:pt x="0" y="13315"/>
               </a:moveTo>
               <a:lnTo>
-                <a:pt x="740553" y="13315"/>
+                <a:pt x="601340" y="13315"/>
               </a:lnTo>
             </a:path>
           </a:pathLst>
@@ -8115,8 +8440,8 @@
         </a:p>
       </dsp:txBody>
       <dsp:txXfrm>
-        <a:off x="5786159" y="3170124"/>
-        <a:ext cx="37027" cy="37027"/>
+        <a:off x="5789639" y="3821925"/>
+        <a:ext cx="30067" cy="30067"/>
       </dsp:txXfrm>
     </dsp:sp>
     <dsp:sp modelId="{0D5D3C91-AF76-46BA-928F-FC192764074A}">
@@ -8126,7 +8451,7 @@
       </dsp:nvSpPr>
       <dsp:spPr>
         <a:xfrm>
-          <a:off x="6105343" y="2596693"/>
+          <a:off x="6105343" y="3461120"/>
           <a:ext cx="1503351" cy="751675"/>
         </a:xfrm>
         <a:prstGeom prst="roundRect">
@@ -8204,333 +8529,11 @@
         </a:p>
       </dsp:txBody>
       <dsp:txXfrm>
-        <a:off x="6127359" y="2618709"/>
+        <a:off x="6127359" y="3483136"/>
         <a:ext cx="1459319" cy="707643"/>
       </dsp:txXfrm>
     </dsp:sp>
     <dsp:sp modelId="{76E074B7-84E8-4395-A7B4-A349EBB499AE}">
-      <dsp:nvSpPr>
-        <dsp:cNvPr id="0" name=""/>
-        <dsp:cNvSpPr/>
-      </dsp:nvSpPr>
-      <dsp:spPr>
-        <a:xfrm>
-          <a:off x="7608695" y="2959215"/>
-          <a:ext cx="601340" cy="26630"/>
-        </a:xfrm>
-        <a:custGeom>
-          <a:avLst/>
-          <a:gdLst/>
-          <a:ahLst/>
-          <a:cxnLst/>
-          <a:rect l="0" t="0" r="0" b="0"/>
-          <a:pathLst>
-            <a:path>
-              <a:moveTo>
-                <a:pt x="0" y="13315"/>
-              </a:moveTo>
-              <a:lnTo>
-                <a:pt x="601340" y="13315"/>
-              </a:lnTo>
-            </a:path>
-          </a:pathLst>
-        </a:custGeom>
-        <a:noFill/>
-        <a:ln w="12700" cap="flat" cmpd="sng" algn="ctr">
-          <a:solidFill>
-            <a:schemeClr val="accent6">
-              <a:hueOff val="0"/>
-              <a:satOff val="0"/>
-              <a:lumOff val="0"/>
-              <a:alphaOff val="0"/>
-            </a:schemeClr>
-          </a:solidFill>
-          <a:prstDash val="solid"/>
-          <a:miter lim="800000"/>
-        </a:ln>
-        <a:effectLst/>
-      </dsp:spPr>
-      <dsp:style>
-        <a:lnRef idx="2">
-          <a:scrgbClr r="0" g="0" b="0"/>
-        </a:lnRef>
-        <a:fillRef idx="0">
-          <a:scrgbClr r="0" g="0" b="0"/>
-        </a:fillRef>
-        <a:effectRef idx="0">
-          <a:scrgbClr r="0" g="0" b="0"/>
-        </a:effectRef>
-        <a:fontRef idx="minor"/>
-      </dsp:style>
-      <dsp:txBody>
-        <a:bodyPr spcFirstLastPara="0" vert="horz" wrap="square" lIns="12700" tIns="0" rIns="12700" bIns="0" numCol="1" spcCol="1270" anchor="ctr" anchorCtr="0">
-          <a:noAutofit/>
-        </a:bodyPr>
-        <a:lstStyle/>
-        <a:p>
-          <a:pPr marL="0" lvl="0" indent="0" algn="ctr" defTabSz="222250">
-            <a:lnSpc>
-              <a:spcPct val="90000"/>
-            </a:lnSpc>
-            <a:spcBef>
-              <a:spcPct val="0"/>
-            </a:spcBef>
-            <a:spcAft>
-              <a:spcPct val="35000"/>
-            </a:spcAft>
-            <a:buNone/>
-          </a:pPr>
-          <a:endParaRPr lang="en-GB" sz="500" kern="1200"/>
-        </a:p>
-      </dsp:txBody>
-      <dsp:txXfrm>
-        <a:off x="7894332" y="2957497"/>
-        <a:ext cx="30067" cy="30067"/>
-      </dsp:txXfrm>
-    </dsp:sp>
-    <dsp:sp modelId="{7A66A2B3-7C8D-45A0-93F8-D9A172D23093}">
-      <dsp:nvSpPr>
-        <dsp:cNvPr id="0" name=""/>
-        <dsp:cNvSpPr/>
-      </dsp:nvSpPr>
-      <dsp:spPr>
-        <a:xfrm>
-          <a:off x="8210036" y="2596693"/>
-          <a:ext cx="1503351" cy="751675"/>
-        </a:xfrm>
-        <a:prstGeom prst="roundRect">
-          <a:avLst>
-            <a:gd name="adj" fmla="val 10000"/>
-          </a:avLst>
-        </a:prstGeom>
-        <a:solidFill>
-          <a:schemeClr val="accent6">
-            <a:hueOff val="0"/>
-            <a:satOff val="0"/>
-            <a:lumOff val="0"/>
-            <a:alphaOff val="0"/>
-          </a:schemeClr>
-        </a:solidFill>
-        <a:ln w="12700" cap="flat" cmpd="sng" algn="ctr">
-          <a:solidFill>
-            <a:schemeClr val="lt1">
-              <a:hueOff val="0"/>
-              <a:satOff val="0"/>
-              <a:lumOff val="0"/>
-              <a:alphaOff val="0"/>
-            </a:schemeClr>
-          </a:solidFill>
-          <a:prstDash val="solid"/>
-          <a:miter lim="800000"/>
-        </a:ln>
-        <a:effectLst/>
-      </dsp:spPr>
-      <dsp:style>
-        <a:lnRef idx="2">
-          <a:scrgbClr r="0" g="0" b="0"/>
-        </a:lnRef>
-        <a:fillRef idx="1">
-          <a:scrgbClr r="0" g="0" b="0"/>
-        </a:fillRef>
-        <a:effectRef idx="0">
-          <a:scrgbClr r="0" g="0" b="0"/>
-        </a:effectRef>
-        <a:fontRef idx="minor">
-          <a:schemeClr val="lt1"/>
-        </a:fontRef>
-      </dsp:style>
-      <dsp:txBody>
-        <a:bodyPr spcFirstLastPara="0" vert="horz" wrap="square" lIns="12700" tIns="12700" rIns="12700" bIns="12700" numCol="1" spcCol="1270" anchor="ctr" anchorCtr="0">
-          <a:noAutofit/>
-        </a:bodyPr>
-        <a:lstStyle/>
-        <a:p>
-          <a:pPr marL="0" lvl="0" indent="0" algn="ctr" defTabSz="889000">
-            <a:lnSpc>
-              <a:spcPct val="90000"/>
-            </a:lnSpc>
-            <a:spcBef>
-              <a:spcPct val="0"/>
-            </a:spcBef>
-            <a:spcAft>
-              <a:spcPct val="35000"/>
-            </a:spcAft>
-            <a:buNone/>
-          </a:pPr>
-          <a:r>
-            <a:rPr lang="tr-TR" sz="2000" kern="1200" dirty="0"/>
-            <a:t>0.16</a:t>
-          </a:r>
-          <a:endParaRPr lang="en-GB" sz="2000" kern="1200" dirty="0"/>
-        </a:p>
-      </dsp:txBody>
-      <dsp:txXfrm>
-        <a:off x="8232052" y="2618709"/>
-        <a:ext cx="1459319" cy="707643"/>
-      </dsp:txXfrm>
-    </dsp:sp>
-    <dsp:sp modelId="{49130CC7-C914-40EA-AB91-8C0045364378}">
-      <dsp:nvSpPr>
-        <dsp:cNvPr id="0" name=""/>
-        <dsp:cNvSpPr/>
-      </dsp:nvSpPr>
-      <dsp:spPr>
-        <a:xfrm rot="2142401">
-          <a:off x="5434396" y="3607536"/>
-          <a:ext cx="740553" cy="26630"/>
-        </a:xfrm>
-        <a:custGeom>
-          <a:avLst/>
-          <a:gdLst/>
-          <a:ahLst/>
-          <a:cxnLst/>
-          <a:rect l="0" t="0" r="0" b="0"/>
-          <a:pathLst>
-            <a:path>
-              <a:moveTo>
-                <a:pt x="0" y="13315"/>
-              </a:moveTo>
-              <a:lnTo>
-                <a:pt x="740553" y="13315"/>
-              </a:lnTo>
-            </a:path>
-          </a:pathLst>
-        </a:custGeom>
-        <a:noFill/>
-        <a:ln w="12700" cap="flat" cmpd="sng" algn="ctr">
-          <a:solidFill>
-            <a:schemeClr val="accent5">
-              <a:hueOff val="0"/>
-              <a:satOff val="0"/>
-              <a:lumOff val="0"/>
-              <a:alphaOff val="0"/>
-            </a:schemeClr>
-          </a:solidFill>
-          <a:prstDash val="solid"/>
-          <a:miter lim="800000"/>
-        </a:ln>
-        <a:effectLst/>
-      </dsp:spPr>
-      <dsp:style>
-        <a:lnRef idx="2">
-          <a:scrgbClr r="0" g="0" b="0"/>
-        </a:lnRef>
-        <a:fillRef idx="0">
-          <a:scrgbClr r="0" g="0" b="0"/>
-        </a:fillRef>
-        <a:effectRef idx="0">
-          <a:scrgbClr r="0" g="0" b="0"/>
-        </a:effectRef>
-        <a:fontRef idx="minor"/>
-      </dsp:style>
-      <dsp:txBody>
-        <a:bodyPr spcFirstLastPara="0" vert="horz" wrap="square" lIns="12700" tIns="0" rIns="12700" bIns="0" numCol="1" spcCol="1270" anchor="ctr" anchorCtr="0">
-          <a:noAutofit/>
-        </a:bodyPr>
-        <a:lstStyle/>
-        <a:p>
-          <a:pPr marL="0" lvl="0" indent="0" algn="ctr" defTabSz="222250">
-            <a:lnSpc>
-              <a:spcPct val="90000"/>
-            </a:lnSpc>
-            <a:spcBef>
-              <a:spcPct val="0"/>
-            </a:spcBef>
-            <a:spcAft>
-              <a:spcPct val="35000"/>
-            </a:spcAft>
-            <a:buNone/>
-          </a:pPr>
-          <a:endParaRPr lang="en-GB" sz="500" kern="1200"/>
-        </a:p>
-      </dsp:txBody>
-      <dsp:txXfrm>
-        <a:off x="5786159" y="3602337"/>
-        <a:ext cx="37027" cy="37027"/>
-      </dsp:txXfrm>
-    </dsp:sp>
-    <dsp:sp modelId="{5DB0E4E0-1695-4695-9BA0-CBA783F3A422}">
-      <dsp:nvSpPr>
-        <dsp:cNvPr id="0" name=""/>
-        <dsp:cNvSpPr/>
-      </dsp:nvSpPr>
-      <dsp:spPr>
-        <a:xfrm>
-          <a:off x="6105343" y="3461120"/>
-          <a:ext cx="1503351" cy="751675"/>
-        </a:xfrm>
-        <a:prstGeom prst="roundRect">
-          <a:avLst>
-            <a:gd name="adj" fmla="val 10000"/>
-          </a:avLst>
-        </a:prstGeom>
-        <a:solidFill>
-          <a:schemeClr val="accent5">
-            <a:hueOff val="0"/>
-            <a:satOff val="0"/>
-            <a:lumOff val="0"/>
-            <a:alphaOff val="0"/>
-          </a:schemeClr>
-        </a:solidFill>
-        <a:ln w="12700" cap="flat" cmpd="sng" algn="ctr">
-          <a:solidFill>
-            <a:schemeClr val="lt1">
-              <a:hueOff val="0"/>
-              <a:satOff val="0"/>
-              <a:lumOff val="0"/>
-              <a:alphaOff val="0"/>
-            </a:schemeClr>
-          </a:solidFill>
-          <a:prstDash val="solid"/>
-          <a:miter lim="800000"/>
-        </a:ln>
-        <a:effectLst/>
-      </dsp:spPr>
-      <dsp:style>
-        <a:lnRef idx="2">
-          <a:scrgbClr r="0" g="0" b="0"/>
-        </a:lnRef>
-        <a:fillRef idx="1">
-          <a:scrgbClr r="0" g="0" b="0"/>
-        </a:fillRef>
-        <a:effectRef idx="0">
-          <a:scrgbClr r="0" g="0" b="0"/>
-        </a:effectRef>
-        <a:fontRef idx="minor">
-          <a:schemeClr val="lt1"/>
-        </a:fontRef>
-      </dsp:style>
-      <dsp:txBody>
-        <a:bodyPr spcFirstLastPara="0" vert="horz" wrap="square" lIns="12700" tIns="12700" rIns="12700" bIns="12700" numCol="1" spcCol="1270" anchor="ctr" anchorCtr="0">
-          <a:noAutofit/>
-        </a:bodyPr>
-        <a:lstStyle/>
-        <a:p>
-          <a:pPr marL="0" lvl="0" indent="0" algn="ctr" defTabSz="889000">
-            <a:lnSpc>
-              <a:spcPct val="90000"/>
-            </a:lnSpc>
-            <a:spcBef>
-              <a:spcPct val="0"/>
-            </a:spcBef>
-            <a:spcAft>
-              <a:spcPct val="35000"/>
-            </a:spcAft>
-            <a:buNone/>
-          </a:pPr>
-          <a:r>
-            <a:rPr lang="tr-TR" sz="2000" kern="1200" dirty="0" err="1"/>
-            <a:t>Robustness</a:t>
-          </a:r>
-          <a:endParaRPr lang="en-GB" sz="2000" kern="1200" dirty="0"/>
-        </a:p>
-      </dsp:txBody>
-      <dsp:txXfrm>
-        <a:off x="6127359" y="3483136"/>
-        <a:ext cx="1459319" cy="707643"/>
-      </dsp:txXfrm>
-    </dsp:sp>
-    <dsp:sp modelId="{E6335ECA-455A-4185-B6F6-D92F6F3F4064}">
       <dsp:nvSpPr>
         <dsp:cNvPr id="0" name=""/>
         <dsp:cNvSpPr/>
@@ -8610,7 +8613,7 @@
         <a:ext cx="30067" cy="30067"/>
       </dsp:txXfrm>
     </dsp:sp>
-    <dsp:sp modelId="{E20D5B3B-EB64-4448-AD0D-072ED5516533}">
+    <dsp:sp modelId="{7A66A2B3-7C8D-45A0-93F8-D9A172D23093}">
       <dsp:nvSpPr>
         <dsp:cNvPr id="0" name=""/>
         <dsp:cNvSpPr/>
@@ -8697,9 +8700,9 @@
         <dsp:cNvSpPr/>
       </dsp:nvSpPr>
       <dsp:spPr>
-        <a:xfrm rot="3907178">
-          <a:off x="5090024" y="4039749"/>
-          <a:ext cx="1429296" cy="26630"/>
+        <a:xfrm rot="3310531">
+          <a:off x="5278164" y="4255856"/>
+          <a:ext cx="1053017" cy="26630"/>
         </a:xfrm>
         <a:custGeom>
           <a:avLst/>
@@ -8713,7 +8716,7 @@
                 <a:pt x="0" y="13315"/>
               </a:moveTo>
               <a:lnTo>
-                <a:pt x="1429296" y="13315"/>
+                <a:pt x="1053017" y="13315"/>
               </a:lnTo>
             </a:path>
           </a:pathLst>
@@ -8767,8 +8770,8 @@
         </a:p>
       </dsp:txBody>
       <dsp:txXfrm>
-        <a:off x="5768940" y="4017332"/>
-        <a:ext cx="71464" cy="71464"/>
+        <a:off x="5778347" y="4242846"/>
+        <a:ext cx="52650" cy="52650"/>
       </dsp:txXfrm>
     </dsp:sp>
     <dsp:sp modelId="{F0763019-633E-48B1-B57F-BD0AC0974029}">
@@ -12620,6 +12623,3274 @@
 </dgm:styleDef>
 </file>
 
+<file path=ppt/notesMasters/notesMaster1.xml><?xml version="1.0" encoding="utf-8"?>
+<p:notesMaster xmlns:a="http://schemas.openxmlformats.org/drawingml/2006/main" xmlns:r="http://schemas.openxmlformats.org/officeDocument/2006/relationships" xmlns:p="http://schemas.openxmlformats.org/presentationml/2006/main">
+  <p:cSld>
+    <p:bg>
+      <p:bgRef idx="1001">
+        <a:schemeClr val="bg1"/>
+      </p:bgRef>
+    </p:bg>
+    <p:spTree>
+      <p:nvGrpSpPr>
+        <p:cNvPr id="1" name=""/>
+        <p:cNvGrpSpPr/>
+        <p:nvPr/>
+      </p:nvGrpSpPr>
+      <p:grpSpPr>
+        <a:xfrm>
+          <a:off x="0" y="0"/>
+          <a:ext cx="0" cy="0"/>
+          <a:chOff x="0" y="0"/>
+          <a:chExt cx="0" cy="0"/>
+        </a:xfrm>
+      </p:grpSpPr>
+      <p:sp>
+        <p:nvSpPr>
+          <p:cNvPr id="2" name="Üst Bilgi Yer Tutucusu 1"/>
+          <p:cNvSpPr>
+            <a:spLocks noGrp="1"/>
+          </p:cNvSpPr>
+          <p:nvPr>
+            <p:ph type="hdr" sz="quarter"/>
+          </p:nvPr>
+        </p:nvSpPr>
+        <p:spPr>
+          <a:xfrm>
+            <a:off x="0" y="0"/>
+            <a:ext cx="2971800" cy="458788"/>
+          </a:xfrm>
+          <a:prstGeom prst="rect">
+            <a:avLst/>
+          </a:prstGeom>
+        </p:spPr>
+        <p:txBody>
+          <a:bodyPr vert="horz" lIns="91440" tIns="45720" rIns="91440" bIns="45720" rtlCol="0"/>
+          <a:lstStyle>
+            <a:lvl1pPr algn="l">
+              <a:defRPr sz="1200"/>
+            </a:lvl1pPr>
+          </a:lstStyle>
+          <a:p>
+            <a:endParaRPr lang="en-GB"/>
+          </a:p>
+        </p:txBody>
+      </p:sp>
+      <p:sp>
+        <p:nvSpPr>
+          <p:cNvPr id="3" name="Veri Yer Tutucusu 2"/>
+          <p:cNvSpPr>
+            <a:spLocks noGrp="1"/>
+          </p:cNvSpPr>
+          <p:nvPr>
+            <p:ph type="dt" idx="1"/>
+          </p:nvPr>
+        </p:nvSpPr>
+        <p:spPr>
+          <a:xfrm>
+            <a:off x="3884613" y="0"/>
+            <a:ext cx="2971800" cy="458788"/>
+          </a:xfrm>
+          <a:prstGeom prst="rect">
+            <a:avLst/>
+          </a:prstGeom>
+        </p:spPr>
+        <p:txBody>
+          <a:bodyPr vert="horz" lIns="91440" tIns="45720" rIns="91440" bIns="45720" rtlCol="0"/>
+          <a:lstStyle>
+            <a:lvl1pPr algn="r">
+              <a:defRPr sz="1200"/>
+            </a:lvl1pPr>
+          </a:lstStyle>
+          <a:p>
+            <a:fld id="{4A6CB95D-C6D9-46D1-B413-9A04D180EFE8}" type="datetimeFigureOut">
+              <a:rPr lang="en-GB" smtClean="0"/>
+              <a:t>02/01/2019</a:t>
+            </a:fld>
+            <a:endParaRPr lang="en-GB"/>
+          </a:p>
+        </p:txBody>
+      </p:sp>
+      <p:sp>
+        <p:nvSpPr>
+          <p:cNvPr id="4" name="Slayt Resmi Yer Tutucusu 3"/>
+          <p:cNvSpPr>
+            <a:spLocks noGrp="1" noRot="1" noChangeAspect="1"/>
+          </p:cNvSpPr>
+          <p:nvPr>
+            <p:ph type="sldImg" idx="2"/>
+          </p:nvPr>
+        </p:nvSpPr>
+        <p:spPr>
+          <a:xfrm>
+            <a:off x="685800" y="1143000"/>
+            <a:ext cx="5486400" cy="3086100"/>
+          </a:xfrm>
+          <a:prstGeom prst="rect">
+            <a:avLst/>
+          </a:prstGeom>
+          <a:noFill/>
+          <a:ln w="12700">
+            <a:solidFill>
+              <a:prstClr val="black"/>
+            </a:solidFill>
+          </a:ln>
+        </p:spPr>
+        <p:txBody>
+          <a:bodyPr vert="horz" lIns="91440" tIns="45720" rIns="91440" bIns="45720" rtlCol="0" anchor="ctr"/>
+          <a:lstStyle/>
+          <a:p>
+            <a:endParaRPr lang="en-GB"/>
+          </a:p>
+        </p:txBody>
+      </p:sp>
+      <p:sp>
+        <p:nvSpPr>
+          <p:cNvPr id="5" name="Not Yer Tutucusu 4"/>
+          <p:cNvSpPr>
+            <a:spLocks noGrp="1"/>
+          </p:cNvSpPr>
+          <p:nvPr>
+            <p:ph type="body" sz="quarter" idx="3"/>
+          </p:nvPr>
+        </p:nvSpPr>
+        <p:spPr>
+          <a:xfrm>
+            <a:off x="685800" y="4400550"/>
+            <a:ext cx="5486400" cy="3600450"/>
+          </a:xfrm>
+          <a:prstGeom prst="rect">
+            <a:avLst/>
+          </a:prstGeom>
+        </p:spPr>
+        <p:txBody>
+          <a:bodyPr vert="horz" lIns="91440" tIns="45720" rIns="91440" bIns="45720" rtlCol="0"/>
+          <a:lstStyle/>
+          <a:p>
+            <a:pPr lvl="0"/>
+            <a:r>
+              <a:rPr lang="tr-TR"/>
+              <a:t>Asıl metin stillerini düzenle</a:t>
+            </a:r>
+          </a:p>
+          <a:p>
+            <a:pPr lvl="1"/>
+            <a:r>
+              <a:rPr lang="tr-TR"/>
+              <a:t>İkinci düzey</a:t>
+            </a:r>
+          </a:p>
+          <a:p>
+            <a:pPr lvl="2"/>
+            <a:r>
+              <a:rPr lang="tr-TR"/>
+              <a:t>Üçüncü düzey</a:t>
+            </a:r>
+          </a:p>
+          <a:p>
+            <a:pPr lvl="3"/>
+            <a:r>
+              <a:rPr lang="tr-TR"/>
+              <a:t>Dördüncü düzey</a:t>
+            </a:r>
+          </a:p>
+          <a:p>
+            <a:pPr lvl="4"/>
+            <a:r>
+              <a:rPr lang="tr-TR"/>
+              <a:t>Beşinci düzey</a:t>
+            </a:r>
+            <a:endParaRPr lang="en-GB"/>
+          </a:p>
+        </p:txBody>
+      </p:sp>
+      <p:sp>
+        <p:nvSpPr>
+          <p:cNvPr id="6" name="Alt Bilgi Yer Tutucusu 5"/>
+          <p:cNvSpPr>
+            <a:spLocks noGrp="1"/>
+          </p:cNvSpPr>
+          <p:nvPr>
+            <p:ph type="ftr" sz="quarter" idx="4"/>
+          </p:nvPr>
+        </p:nvSpPr>
+        <p:spPr>
+          <a:xfrm>
+            <a:off x="0" y="8685213"/>
+            <a:ext cx="2971800" cy="458787"/>
+          </a:xfrm>
+          <a:prstGeom prst="rect">
+            <a:avLst/>
+          </a:prstGeom>
+        </p:spPr>
+        <p:txBody>
+          <a:bodyPr vert="horz" lIns="91440" tIns="45720" rIns="91440" bIns="45720" rtlCol="0" anchor="b"/>
+          <a:lstStyle>
+            <a:lvl1pPr algn="l">
+              <a:defRPr sz="1200"/>
+            </a:lvl1pPr>
+          </a:lstStyle>
+          <a:p>
+            <a:endParaRPr lang="en-GB"/>
+          </a:p>
+        </p:txBody>
+      </p:sp>
+      <p:sp>
+        <p:nvSpPr>
+          <p:cNvPr id="7" name="Slayt Numarası Yer Tutucusu 6"/>
+          <p:cNvSpPr>
+            <a:spLocks noGrp="1"/>
+          </p:cNvSpPr>
+          <p:nvPr>
+            <p:ph type="sldNum" sz="quarter" idx="5"/>
+          </p:nvPr>
+        </p:nvSpPr>
+        <p:spPr>
+          <a:xfrm>
+            <a:off x="3884613" y="8685213"/>
+            <a:ext cx="2971800" cy="458787"/>
+          </a:xfrm>
+          <a:prstGeom prst="rect">
+            <a:avLst/>
+          </a:prstGeom>
+        </p:spPr>
+        <p:txBody>
+          <a:bodyPr vert="horz" lIns="91440" tIns="45720" rIns="91440" bIns="45720" rtlCol="0" anchor="b"/>
+          <a:lstStyle>
+            <a:lvl1pPr algn="r">
+              <a:defRPr sz="1200"/>
+            </a:lvl1pPr>
+          </a:lstStyle>
+          <a:p>
+            <a:fld id="{80434EB7-5CC8-42CA-83C9-E4B5A9FDE449}" type="slidenum">
+              <a:rPr lang="en-GB" smtClean="0"/>
+              <a:t>‹#›</a:t>
+            </a:fld>
+            <a:endParaRPr lang="en-GB"/>
+          </a:p>
+        </p:txBody>
+      </p:sp>
+    </p:spTree>
+    <p:extLst>
+      <p:ext uri="{BB962C8B-B14F-4D97-AF65-F5344CB8AC3E}">
+        <p14:creationId xmlns:p14="http://schemas.microsoft.com/office/powerpoint/2010/main" val="2794690426"/>
+      </p:ext>
+    </p:extLst>
+  </p:cSld>
+  <p:clrMap bg1="lt1" tx1="dk1" bg2="lt2" tx2="dk2" accent1="accent1" accent2="accent2" accent3="accent3" accent4="accent4" accent5="accent5" accent6="accent6" hlink="hlink" folHlink="folHlink"/>
+  <p:notesStyle>
+    <a:lvl1pPr marL="0" algn="l" defTabSz="914400" rtl="0" eaLnBrk="1" latinLnBrk="0" hangingPunct="1">
+      <a:defRPr sz="1200" kern="1200">
+        <a:solidFill>
+          <a:schemeClr val="tx1"/>
+        </a:solidFill>
+        <a:latin typeface="+mn-lt"/>
+        <a:ea typeface="+mn-ea"/>
+        <a:cs typeface="+mn-cs"/>
+      </a:defRPr>
+    </a:lvl1pPr>
+    <a:lvl2pPr marL="457200" algn="l" defTabSz="914400" rtl="0" eaLnBrk="1" latinLnBrk="0" hangingPunct="1">
+      <a:defRPr sz="1200" kern="1200">
+        <a:solidFill>
+          <a:schemeClr val="tx1"/>
+        </a:solidFill>
+        <a:latin typeface="+mn-lt"/>
+        <a:ea typeface="+mn-ea"/>
+        <a:cs typeface="+mn-cs"/>
+      </a:defRPr>
+    </a:lvl2pPr>
+    <a:lvl3pPr marL="914400" algn="l" defTabSz="914400" rtl="0" eaLnBrk="1" latinLnBrk="0" hangingPunct="1">
+      <a:defRPr sz="1200" kern="1200">
+        <a:solidFill>
+          <a:schemeClr val="tx1"/>
+        </a:solidFill>
+        <a:latin typeface="+mn-lt"/>
+        <a:ea typeface="+mn-ea"/>
+        <a:cs typeface="+mn-cs"/>
+      </a:defRPr>
+    </a:lvl3pPr>
+    <a:lvl4pPr marL="1371600" algn="l" defTabSz="914400" rtl="0" eaLnBrk="1" latinLnBrk="0" hangingPunct="1">
+      <a:defRPr sz="1200" kern="1200">
+        <a:solidFill>
+          <a:schemeClr val="tx1"/>
+        </a:solidFill>
+        <a:latin typeface="+mn-lt"/>
+        <a:ea typeface="+mn-ea"/>
+        <a:cs typeface="+mn-cs"/>
+      </a:defRPr>
+    </a:lvl4pPr>
+    <a:lvl5pPr marL="1828800" algn="l" defTabSz="914400" rtl="0" eaLnBrk="1" latinLnBrk="0" hangingPunct="1">
+      <a:defRPr sz="1200" kern="1200">
+        <a:solidFill>
+          <a:schemeClr val="tx1"/>
+        </a:solidFill>
+        <a:latin typeface="+mn-lt"/>
+        <a:ea typeface="+mn-ea"/>
+        <a:cs typeface="+mn-cs"/>
+      </a:defRPr>
+    </a:lvl5pPr>
+    <a:lvl6pPr marL="2286000" algn="l" defTabSz="914400" rtl="0" eaLnBrk="1" latinLnBrk="0" hangingPunct="1">
+      <a:defRPr sz="1200" kern="1200">
+        <a:solidFill>
+          <a:schemeClr val="tx1"/>
+        </a:solidFill>
+        <a:latin typeface="+mn-lt"/>
+        <a:ea typeface="+mn-ea"/>
+        <a:cs typeface="+mn-cs"/>
+      </a:defRPr>
+    </a:lvl6pPr>
+    <a:lvl7pPr marL="2743200" algn="l" defTabSz="914400" rtl="0" eaLnBrk="1" latinLnBrk="0" hangingPunct="1">
+      <a:defRPr sz="1200" kern="1200">
+        <a:solidFill>
+          <a:schemeClr val="tx1"/>
+        </a:solidFill>
+        <a:latin typeface="+mn-lt"/>
+        <a:ea typeface="+mn-ea"/>
+        <a:cs typeface="+mn-cs"/>
+      </a:defRPr>
+    </a:lvl7pPr>
+    <a:lvl8pPr marL="3200400" algn="l" defTabSz="914400" rtl="0" eaLnBrk="1" latinLnBrk="0" hangingPunct="1">
+      <a:defRPr sz="1200" kern="1200">
+        <a:solidFill>
+          <a:schemeClr val="tx1"/>
+        </a:solidFill>
+        <a:latin typeface="+mn-lt"/>
+        <a:ea typeface="+mn-ea"/>
+        <a:cs typeface="+mn-cs"/>
+      </a:defRPr>
+    </a:lvl8pPr>
+    <a:lvl9pPr marL="3657600" algn="l" defTabSz="914400" rtl="0" eaLnBrk="1" latinLnBrk="0" hangingPunct="1">
+      <a:defRPr sz="1200" kern="1200">
+        <a:solidFill>
+          <a:schemeClr val="tx1"/>
+        </a:solidFill>
+        <a:latin typeface="+mn-lt"/>
+        <a:ea typeface="+mn-ea"/>
+        <a:cs typeface="+mn-cs"/>
+      </a:defRPr>
+    </a:lvl9pPr>
+  </p:notesStyle>
+</p:notesMaster>
+</file>
+
+<file path=ppt/notesSlides/notesSlide1.xml><?xml version="1.0" encoding="utf-8"?>
+<p:notes xmlns:a="http://schemas.openxmlformats.org/drawingml/2006/main" xmlns:r="http://schemas.openxmlformats.org/officeDocument/2006/relationships" xmlns:p="http://schemas.openxmlformats.org/presentationml/2006/main">
+  <p:cSld>
+    <p:spTree>
+      <p:nvGrpSpPr>
+        <p:cNvPr id="1" name=""/>
+        <p:cNvGrpSpPr/>
+        <p:nvPr/>
+      </p:nvGrpSpPr>
+      <p:grpSpPr>
+        <a:xfrm>
+          <a:off x="0" y="0"/>
+          <a:ext cx="0" cy="0"/>
+          <a:chOff x="0" y="0"/>
+          <a:chExt cx="0" cy="0"/>
+        </a:xfrm>
+      </p:grpSpPr>
+      <p:sp>
+        <p:nvSpPr>
+          <p:cNvPr id="2" name="Slayt Resmi Yer Tutucusu 1"/>
+          <p:cNvSpPr>
+            <a:spLocks noGrp="1" noRot="1" noChangeAspect="1"/>
+          </p:cNvSpPr>
+          <p:nvPr>
+            <p:ph type="sldImg"/>
+          </p:nvPr>
+        </p:nvSpPr>
+        <p:spPr/>
+      </p:sp>
+      <p:sp>
+        <p:nvSpPr>
+          <p:cNvPr id="3" name="Not Yer Tutucusu 2"/>
+          <p:cNvSpPr>
+            <a:spLocks noGrp="1"/>
+          </p:cNvSpPr>
+          <p:nvPr>
+            <p:ph type="body" idx="1"/>
+          </p:nvPr>
+        </p:nvSpPr>
+        <p:spPr/>
+        <p:txBody>
+          <a:bodyPr/>
+          <a:lstStyle/>
+          <a:p>
+            <a:r>
+              <a:rPr lang="tr-TR" dirty="0" err="1"/>
+              <a:t>Hi</a:t>
+            </a:r>
+            <a:r>
+              <a:rPr lang="tr-TR" dirty="0"/>
+              <a:t> i am Nail, </a:t>
+            </a:r>
+            <a:r>
+              <a:rPr lang="tr-TR" dirty="0" err="1"/>
+              <a:t>Today</a:t>
+            </a:r>
+            <a:r>
+              <a:rPr lang="tr-TR" dirty="0"/>
+              <a:t> </a:t>
+            </a:r>
+            <a:r>
+              <a:rPr lang="tr-TR" dirty="0" err="1"/>
+              <a:t>we</a:t>
+            </a:r>
+            <a:r>
+              <a:rPr lang="tr-TR" dirty="0"/>
+              <a:t> as </a:t>
+            </a:r>
+            <a:r>
+              <a:rPr lang="tr-TR" dirty="0" err="1"/>
+              <a:t>ralazaba</a:t>
+            </a:r>
+            <a:r>
+              <a:rPr lang="tr-TR" dirty="0"/>
+              <a:t> </a:t>
+            </a:r>
+            <a:r>
+              <a:rPr lang="tr-TR" dirty="0" err="1"/>
+              <a:t>electronics</a:t>
+            </a:r>
+            <a:r>
+              <a:rPr lang="tr-TR" dirty="0"/>
+              <a:t> </a:t>
+            </a:r>
+            <a:r>
+              <a:rPr lang="tr-TR" dirty="0" err="1"/>
+              <a:t>are</a:t>
+            </a:r>
+            <a:r>
+              <a:rPr lang="tr-TR" dirty="0"/>
+              <a:t> </a:t>
+            </a:r>
+            <a:r>
+              <a:rPr lang="tr-TR" dirty="0" err="1"/>
+              <a:t>gonna</a:t>
+            </a:r>
+            <a:r>
+              <a:rPr lang="tr-TR" dirty="0"/>
+              <a:t> </a:t>
+            </a:r>
+            <a:r>
+              <a:rPr lang="tr-TR" dirty="0" err="1"/>
+              <a:t>present</a:t>
+            </a:r>
+            <a:r>
+              <a:rPr lang="tr-TR" dirty="0"/>
+              <a:t> </a:t>
+            </a:r>
+            <a:r>
+              <a:rPr lang="tr-TR" dirty="0" err="1"/>
+              <a:t>our</a:t>
+            </a:r>
+            <a:r>
+              <a:rPr lang="tr-TR" dirty="0"/>
+              <a:t> </a:t>
+            </a:r>
+            <a:r>
+              <a:rPr lang="tr-TR" dirty="0" err="1"/>
+              <a:t>companies</a:t>
+            </a:r>
+            <a:r>
+              <a:rPr lang="tr-TR" dirty="0"/>
+              <a:t> </a:t>
+            </a:r>
+            <a:r>
+              <a:rPr lang="tr-TR" dirty="0" err="1"/>
+              <a:t>new</a:t>
+            </a:r>
+            <a:r>
+              <a:rPr lang="tr-TR" dirty="0"/>
+              <a:t> </a:t>
+            </a:r>
+            <a:r>
+              <a:rPr lang="tr-TR" dirty="0" err="1"/>
+              <a:t>product</a:t>
+            </a:r>
+            <a:r>
+              <a:rPr lang="tr-TR" dirty="0"/>
+              <a:t> AMR </a:t>
+            </a:r>
+            <a:r>
+              <a:rPr lang="tr-TR" dirty="0" err="1"/>
+              <a:t>which</a:t>
+            </a:r>
+            <a:r>
+              <a:rPr lang="tr-TR" dirty="0"/>
+              <a:t> </a:t>
+            </a:r>
+            <a:r>
+              <a:rPr lang="tr-TR" dirty="0" err="1"/>
+              <a:t>called</a:t>
+            </a:r>
+            <a:r>
+              <a:rPr lang="tr-TR" dirty="0"/>
+              <a:t>… </a:t>
+            </a:r>
+            <a:r>
+              <a:rPr lang="tr-TR" dirty="0" err="1"/>
+              <a:t>Let</a:t>
+            </a:r>
+            <a:r>
+              <a:rPr lang="tr-TR" dirty="0"/>
+              <a:t> me </a:t>
+            </a:r>
+            <a:r>
+              <a:rPr lang="tr-TR" dirty="0" err="1"/>
+              <a:t>introduce</a:t>
+            </a:r>
+            <a:r>
+              <a:rPr lang="tr-TR" dirty="0"/>
+              <a:t> </a:t>
+            </a:r>
+            <a:r>
+              <a:rPr lang="tr-TR" dirty="0" err="1"/>
+              <a:t>our</a:t>
+            </a:r>
+            <a:r>
+              <a:rPr lang="tr-TR" dirty="0"/>
+              <a:t> </a:t>
+            </a:r>
+            <a:r>
+              <a:rPr lang="tr-TR" dirty="0" err="1"/>
+              <a:t>team</a:t>
+            </a:r>
+            <a:r>
+              <a:rPr lang="tr-TR" dirty="0"/>
+              <a:t>.</a:t>
+            </a:r>
+            <a:endParaRPr lang="en-GB" dirty="0"/>
+          </a:p>
+        </p:txBody>
+      </p:sp>
+      <p:sp>
+        <p:nvSpPr>
+          <p:cNvPr id="4" name="Slayt Numarası Yer Tutucusu 3"/>
+          <p:cNvSpPr>
+            <a:spLocks noGrp="1"/>
+          </p:cNvSpPr>
+          <p:nvPr>
+            <p:ph type="sldNum" sz="quarter" idx="5"/>
+          </p:nvPr>
+        </p:nvSpPr>
+        <p:spPr/>
+        <p:txBody>
+          <a:bodyPr/>
+          <a:lstStyle/>
+          <a:p>
+            <a:fld id="{80434EB7-5CC8-42CA-83C9-E4B5A9FDE449}" type="slidenum">
+              <a:rPr lang="en-GB" smtClean="0"/>
+              <a:t>1</a:t>
+            </a:fld>
+            <a:endParaRPr lang="en-GB"/>
+          </a:p>
+        </p:txBody>
+      </p:sp>
+    </p:spTree>
+    <p:extLst>
+      <p:ext uri="{BB962C8B-B14F-4D97-AF65-F5344CB8AC3E}">
+        <p14:creationId xmlns:p14="http://schemas.microsoft.com/office/powerpoint/2010/main" val="948491070"/>
+      </p:ext>
+    </p:extLst>
+  </p:cSld>
+  <p:clrMapOvr>
+    <a:masterClrMapping/>
+  </p:clrMapOvr>
+</p:notes>
+</file>
+
+<file path=ppt/notesSlides/notesSlide2.xml><?xml version="1.0" encoding="utf-8"?>
+<p:notes xmlns:a="http://schemas.openxmlformats.org/drawingml/2006/main" xmlns:r="http://schemas.openxmlformats.org/officeDocument/2006/relationships" xmlns:p="http://schemas.openxmlformats.org/presentationml/2006/main">
+  <p:cSld>
+    <p:spTree>
+      <p:nvGrpSpPr>
+        <p:cNvPr id="1" name=""/>
+        <p:cNvGrpSpPr/>
+        <p:nvPr/>
+      </p:nvGrpSpPr>
+      <p:grpSpPr>
+        <a:xfrm>
+          <a:off x="0" y="0"/>
+          <a:ext cx="0" cy="0"/>
+          <a:chOff x="0" y="0"/>
+          <a:chExt cx="0" cy="0"/>
+        </a:xfrm>
+      </p:grpSpPr>
+      <p:sp>
+        <p:nvSpPr>
+          <p:cNvPr id="2" name="Slayt Resmi Yer Tutucusu 1"/>
+          <p:cNvSpPr>
+            <a:spLocks noGrp="1" noRot="1" noChangeAspect="1"/>
+          </p:cNvSpPr>
+          <p:nvPr>
+            <p:ph type="sldImg"/>
+          </p:nvPr>
+        </p:nvSpPr>
+        <p:spPr/>
+      </p:sp>
+      <p:sp>
+        <p:nvSpPr>
+          <p:cNvPr id="3" name="Not Yer Tutucusu 2"/>
+          <p:cNvSpPr>
+            <a:spLocks noGrp="1"/>
+          </p:cNvSpPr>
+          <p:nvPr>
+            <p:ph type="body" idx="1"/>
+          </p:nvPr>
+        </p:nvSpPr>
+        <p:spPr/>
+        <p:txBody>
+          <a:bodyPr/>
+          <a:lstStyle/>
+          <a:p>
+            <a:r>
+              <a:rPr lang="tr-TR" dirty="0" err="1"/>
+              <a:t>Our</a:t>
+            </a:r>
+            <a:r>
+              <a:rPr lang="tr-TR" dirty="0"/>
+              <a:t> </a:t>
+            </a:r>
+            <a:r>
+              <a:rPr lang="tr-TR" dirty="0" err="1"/>
+              <a:t>team</a:t>
+            </a:r>
+            <a:r>
+              <a:rPr lang="tr-TR" dirty="0"/>
+              <a:t> </a:t>
+            </a:r>
+            <a:r>
+              <a:rPr lang="tr-TR" dirty="0" err="1"/>
+              <a:t>members</a:t>
+            </a:r>
+            <a:r>
+              <a:rPr lang="tr-TR" dirty="0"/>
+              <a:t> </a:t>
+            </a:r>
+            <a:r>
+              <a:rPr lang="tr-TR" dirty="0" err="1"/>
+              <a:t>are</a:t>
+            </a:r>
+            <a:r>
+              <a:rPr lang="tr-TR" dirty="0"/>
+              <a:t> …</a:t>
+            </a:r>
+            <a:endParaRPr lang="en-GB" dirty="0"/>
+          </a:p>
+        </p:txBody>
+      </p:sp>
+      <p:sp>
+        <p:nvSpPr>
+          <p:cNvPr id="4" name="Slayt Numarası Yer Tutucusu 3"/>
+          <p:cNvSpPr>
+            <a:spLocks noGrp="1"/>
+          </p:cNvSpPr>
+          <p:nvPr>
+            <p:ph type="sldNum" sz="quarter" idx="5"/>
+          </p:nvPr>
+        </p:nvSpPr>
+        <p:spPr/>
+        <p:txBody>
+          <a:bodyPr/>
+          <a:lstStyle/>
+          <a:p>
+            <a:fld id="{80434EB7-5CC8-42CA-83C9-E4B5A9FDE449}" type="slidenum">
+              <a:rPr lang="en-GB" smtClean="0"/>
+              <a:t>2</a:t>
+            </a:fld>
+            <a:endParaRPr lang="en-GB"/>
+          </a:p>
+        </p:txBody>
+      </p:sp>
+    </p:spTree>
+    <p:extLst>
+      <p:ext uri="{BB962C8B-B14F-4D97-AF65-F5344CB8AC3E}">
+        <p14:creationId xmlns:p14="http://schemas.microsoft.com/office/powerpoint/2010/main" val="583204442"/>
+      </p:ext>
+    </p:extLst>
+  </p:cSld>
+  <p:clrMapOvr>
+    <a:masterClrMapping/>
+  </p:clrMapOvr>
+</p:notes>
+</file>
+
+<file path=ppt/notesSlides/notesSlide3.xml><?xml version="1.0" encoding="utf-8"?>
+<p:notes xmlns:a="http://schemas.openxmlformats.org/drawingml/2006/main" xmlns:r="http://schemas.openxmlformats.org/officeDocument/2006/relationships" xmlns:p="http://schemas.openxmlformats.org/presentationml/2006/main">
+  <p:cSld>
+    <p:spTree>
+      <p:nvGrpSpPr>
+        <p:cNvPr id="1" name=""/>
+        <p:cNvGrpSpPr/>
+        <p:nvPr/>
+      </p:nvGrpSpPr>
+      <p:grpSpPr>
+        <a:xfrm>
+          <a:off x="0" y="0"/>
+          <a:ext cx="0" cy="0"/>
+          <a:chOff x="0" y="0"/>
+          <a:chExt cx="0" cy="0"/>
+        </a:xfrm>
+      </p:grpSpPr>
+      <p:sp>
+        <p:nvSpPr>
+          <p:cNvPr id="2" name="Slayt Resmi Yer Tutucusu 1"/>
+          <p:cNvSpPr>
+            <a:spLocks noGrp="1" noRot="1" noChangeAspect="1"/>
+          </p:cNvSpPr>
+          <p:nvPr>
+            <p:ph type="sldImg"/>
+          </p:nvPr>
+        </p:nvSpPr>
+        <p:spPr/>
+      </p:sp>
+      <p:sp>
+        <p:nvSpPr>
+          <p:cNvPr id="3" name="Not Yer Tutucusu 2"/>
+          <p:cNvSpPr>
+            <a:spLocks noGrp="1"/>
+          </p:cNvSpPr>
+          <p:nvPr>
+            <p:ph type="body" idx="1"/>
+          </p:nvPr>
+        </p:nvSpPr>
+        <p:spPr/>
+        <p:txBody>
+          <a:bodyPr/>
+          <a:lstStyle/>
+          <a:p>
+            <a:r>
+              <a:rPr lang="tr-TR" dirty="0"/>
+              <a:t>Through </a:t>
+            </a:r>
+            <a:r>
+              <a:rPr lang="tr-TR" dirty="0" err="1"/>
+              <a:t>out</a:t>
+            </a:r>
+            <a:r>
+              <a:rPr lang="tr-TR" dirty="0"/>
+              <a:t> </a:t>
+            </a:r>
+            <a:r>
+              <a:rPr lang="tr-TR" dirty="0" err="1"/>
+              <a:t>the</a:t>
+            </a:r>
+            <a:r>
+              <a:rPr lang="tr-TR" dirty="0"/>
+              <a:t> </a:t>
+            </a:r>
+            <a:r>
+              <a:rPr lang="tr-TR" dirty="0" err="1"/>
+              <a:t>presention</a:t>
+            </a:r>
+            <a:r>
+              <a:rPr lang="tr-TR" dirty="0"/>
+              <a:t> i </a:t>
+            </a:r>
+            <a:r>
+              <a:rPr lang="tr-TR" dirty="0" err="1"/>
+              <a:t>will</a:t>
+            </a:r>
+            <a:r>
+              <a:rPr lang="tr-TR" dirty="0"/>
+              <a:t> </a:t>
+            </a:r>
+            <a:r>
+              <a:rPr lang="tr-TR" dirty="0" err="1"/>
+              <a:t>explain</a:t>
+            </a:r>
+            <a:r>
+              <a:rPr lang="tr-TR" dirty="0"/>
+              <a:t> </a:t>
+            </a:r>
+            <a:r>
+              <a:rPr lang="tr-TR" dirty="0" err="1"/>
+              <a:t>out</a:t>
+            </a:r>
+            <a:r>
+              <a:rPr lang="tr-TR" dirty="0"/>
+              <a:t> </a:t>
+            </a:r>
+            <a:r>
+              <a:rPr lang="tr-TR" dirty="0" err="1"/>
+              <a:t>team</a:t>
+            </a:r>
+            <a:r>
+              <a:rPr lang="tr-TR" dirty="0"/>
+              <a:t> </a:t>
+            </a:r>
+            <a:r>
+              <a:rPr lang="tr-TR" dirty="0" err="1"/>
+              <a:t>definition</a:t>
+            </a:r>
+            <a:r>
+              <a:rPr lang="tr-TR" dirty="0"/>
+              <a:t>, </a:t>
+            </a:r>
+            <a:r>
+              <a:rPr lang="tr-TR" dirty="0" err="1"/>
+              <a:t>objectives</a:t>
+            </a:r>
+            <a:r>
+              <a:rPr lang="tr-TR" dirty="0"/>
+              <a:t> FE </a:t>
+            </a:r>
+            <a:r>
+              <a:rPr lang="tr-TR" dirty="0" err="1"/>
+              <a:t>and</a:t>
+            </a:r>
+            <a:r>
+              <a:rPr lang="tr-TR" dirty="0"/>
+              <a:t> PS. Enes </a:t>
+            </a:r>
+            <a:r>
+              <a:rPr lang="tr-TR" dirty="0" err="1"/>
+              <a:t>will</a:t>
+            </a:r>
+            <a:r>
+              <a:rPr lang="tr-TR" dirty="0"/>
+              <a:t> </a:t>
+            </a:r>
+            <a:r>
+              <a:rPr lang="tr-TR" dirty="0" err="1"/>
+              <a:t>mention</a:t>
+            </a:r>
+            <a:r>
+              <a:rPr lang="tr-TR" dirty="0"/>
+              <a:t> </a:t>
+            </a:r>
+            <a:r>
+              <a:rPr lang="tr-TR" dirty="0" err="1"/>
+              <a:t>overall</a:t>
+            </a:r>
+            <a:r>
+              <a:rPr lang="tr-TR" dirty="0"/>
+              <a:t> </a:t>
+            </a:r>
+            <a:r>
+              <a:rPr lang="tr-TR" dirty="0" err="1"/>
+              <a:t>solution</a:t>
+            </a:r>
+            <a:r>
+              <a:rPr lang="tr-TR" dirty="0"/>
+              <a:t> </a:t>
+            </a:r>
+            <a:r>
+              <a:rPr lang="tr-TR" dirty="0" err="1"/>
+              <a:t>and</a:t>
+            </a:r>
+            <a:r>
+              <a:rPr lang="tr-TR" dirty="0"/>
+              <a:t> </a:t>
+            </a:r>
+            <a:r>
+              <a:rPr lang="tr-TR" dirty="0" err="1"/>
+              <a:t>decision</a:t>
+            </a:r>
+            <a:r>
+              <a:rPr lang="tr-TR" dirty="0"/>
+              <a:t> </a:t>
+            </a:r>
+            <a:r>
+              <a:rPr lang="tr-TR" dirty="0" err="1"/>
+              <a:t>and</a:t>
+            </a:r>
+            <a:r>
+              <a:rPr lang="tr-TR" dirty="0"/>
+              <a:t> </a:t>
+            </a:r>
+            <a:r>
+              <a:rPr lang="tr-TR" dirty="0" err="1"/>
+              <a:t>control</a:t>
+            </a:r>
+            <a:r>
+              <a:rPr lang="tr-TR" dirty="0"/>
+              <a:t> </a:t>
+            </a:r>
+            <a:r>
+              <a:rPr lang="tr-TR" dirty="0" err="1"/>
+              <a:t>unit</a:t>
+            </a:r>
+            <a:r>
+              <a:rPr lang="tr-TR" dirty="0"/>
+              <a:t>. Ali </a:t>
+            </a:r>
+            <a:r>
+              <a:rPr lang="tr-TR" dirty="0" err="1"/>
+              <a:t>will</a:t>
+            </a:r>
+            <a:r>
+              <a:rPr lang="tr-TR" dirty="0"/>
+              <a:t> </a:t>
+            </a:r>
+            <a:r>
+              <a:rPr lang="tr-TR" dirty="0" err="1"/>
+              <a:t>explain</a:t>
+            </a:r>
+            <a:r>
+              <a:rPr lang="tr-TR" dirty="0"/>
+              <a:t> </a:t>
+            </a:r>
+            <a:r>
+              <a:rPr lang="tr-TR" dirty="0" err="1"/>
+              <a:t>all</a:t>
+            </a:r>
+            <a:r>
+              <a:rPr lang="tr-TR" dirty="0"/>
+              <a:t> </a:t>
+            </a:r>
+            <a:r>
+              <a:rPr lang="tr-TR" dirty="0" err="1"/>
+              <a:t>other</a:t>
+            </a:r>
+            <a:r>
+              <a:rPr lang="tr-TR" dirty="0"/>
+              <a:t> </a:t>
+            </a:r>
+            <a:r>
+              <a:rPr lang="tr-TR" dirty="0" err="1"/>
+              <a:t>sub</a:t>
+            </a:r>
+            <a:r>
+              <a:rPr lang="tr-TR" dirty="0"/>
+              <a:t> </a:t>
+            </a:r>
+            <a:r>
+              <a:rPr lang="tr-TR" dirty="0" err="1"/>
+              <a:t>units</a:t>
+            </a:r>
+            <a:r>
+              <a:rPr lang="tr-TR" dirty="0"/>
+              <a:t>. Selman </a:t>
+            </a:r>
+            <a:r>
+              <a:rPr lang="tr-TR" dirty="0" err="1"/>
+              <a:t>and</a:t>
+            </a:r>
+            <a:r>
+              <a:rPr lang="tr-TR" dirty="0"/>
+              <a:t> Anıl </a:t>
+            </a:r>
+            <a:r>
+              <a:rPr lang="tr-TR" dirty="0" err="1"/>
+              <a:t>will</a:t>
+            </a:r>
+            <a:r>
+              <a:rPr lang="tr-TR" dirty="0"/>
+              <a:t> </a:t>
+            </a:r>
+            <a:r>
+              <a:rPr lang="tr-TR" dirty="0" err="1"/>
+              <a:t>explain</a:t>
+            </a:r>
+            <a:r>
+              <a:rPr lang="tr-TR" dirty="0"/>
+              <a:t> </a:t>
+            </a:r>
+            <a:r>
+              <a:rPr lang="tr-TR" dirty="0" err="1"/>
+              <a:t>our</a:t>
+            </a:r>
+            <a:r>
+              <a:rPr lang="tr-TR" dirty="0"/>
+              <a:t> test </a:t>
+            </a:r>
+            <a:r>
+              <a:rPr lang="tr-TR" dirty="0" err="1"/>
+              <a:t>results</a:t>
+            </a:r>
+            <a:r>
+              <a:rPr lang="tr-TR" dirty="0"/>
+              <a:t>. Anıl </a:t>
+            </a:r>
+            <a:r>
+              <a:rPr lang="tr-TR" dirty="0" err="1"/>
+              <a:t>will</a:t>
+            </a:r>
+            <a:r>
+              <a:rPr lang="tr-TR" dirty="0"/>
+              <a:t> </a:t>
+            </a:r>
+            <a:r>
+              <a:rPr lang="tr-TR" dirty="0" err="1"/>
+              <a:t>summarize</a:t>
+            </a:r>
+            <a:r>
+              <a:rPr lang="tr-TR" dirty="0"/>
+              <a:t> </a:t>
+            </a:r>
+            <a:r>
+              <a:rPr lang="tr-TR" dirty="0" err="1"/>
+              <a:t>deliverables</a:t>
+            </a:r>
+            <a:r>
+              <a:rPr lang="tr-TR" dirty="0"/>
+              <a:t> time plan </a:t>
+            </a:r>
+            <a:r>
+              <a:rPr lang="tr-TR" dirty="0" err="1"/>
+              <a:t>and</a:t>
+            </a:r>
+            <a:r>
+              <a:rPr lang="tr-TR" dirty="0"/>
+              <a:t> </a:t>
+            </a:r>
+            <a:r>
+              <a:rPr lang="tr-TR" dirty="0" err="1"/>
+              <a:t>cost</a:t>
+            </a:r>
+            <a:r>
+              <a:rPr lang="tr-TR" dirty="0"/>
+              <a:t> </a:t>
+            </a:r>
+            <a:r>
+              <a:rPr lang="tr-TR" dirty="0" err="1"/>
+              <a:t>analysis</a:t>
+            </a:r>
+            <a:r>
+              <a:rPr lang="tr-TR" dirty="0"/>
+              <a:t>.</a:t>
+            </a:r>
+            <a:endParaRPr lang="en-GB" dirty="0"/>
+          </a:p>
+        </p:txBody>
+      </p:sp>
+      <p:sp>
+        <p:nvSpPr>
+          <p:cNvPr id="4" name="Slayt Numarası Yer Tutucusu 3"/>
+          <p:cNvSpPr>
+            <a:spLocks noGrp="1"/>
+          </p:cNvSpPr>
+          <p:nvPr>
+            <p:ph type="sldNum" sz="quarter" idx="5"/>
+          </p:nvPr>
+        </p:nvSpPr>
+        <p:spPr/>
+        <p:txBody>
+          <a:bodyPr/>
+          <a:lstStyle/>
+          <a:p>
+            <a:fld id="{80434EB7-5CC8-42CA-83C9-E4B5A9FDE449}" type="slidenum">
+              <a:rPr lang="en-GB" smtClean="0"/>
+              <a:t>3</a:t>
+            </a:fld>
+            <a:endParaRPr lang="en-GB"/>
+          </a:p>
+        </p:txBody>
+      </p:sp>
+    </p:spTree>
+    <p:extLst>
+      <p:ext uri="{BB962C8B-B14F-4D97-AF65-F5344CB8AC3E}">
+        <p14:creationId xmlns:p14="http://schemas.microsoft.com/office/powerpoint/2010/main" val="1476206685"/>
+      </p:ext>
+    </p:extLst>
+  </p:cSld>
+  <p:clrMapOvr>
+    <a:masterClrMapping/>
+  </p:clrMapOvr>
+</p:notes>
+</file>
+
+<file path=ppt/notesSlides/notesSlide4.xml><?xml version="1.0" encoding="utf-8"?>
+<p:notes xmlns:a="http://schemas.openxmlformats.org/drawingml/2006/main" xmlns:r="http://schemas.openxmlformats.org/officeDocument/2006/relationships" xmlns:p="http://schemas.openxmlformats.org/presentationml/2006/main">
+  <p:cSld>
+    <p:spTree>
+      <p:nvGrpSpPr>
+        <p:cNvPr id="1" name=""/>
+        <p:cNvGrpSpPr/>
+        <p:nvPr/>
+      </p:nvGrpSpPr>
+      <p:grpSpPr>
+        <a:xfrm>
+          <a:off x="0" y="0"/>
+          <a:ext cx="0" cy="0"/>
+          <a:chOff x="0" y="0"/>
+          <a:chExt cx="0" cy="0"/>
+        </a:xfrm>
+      </p:grpSpPr>
+      <p:sp>
+        <p:nvSpPr>
+          <p:cNvPr id="2" name="Slayt Resmi Yer Tutucusu 1"/>
+          <p:cNvSpPr>
+            <a:spLocks noGrp="1" noRot="1" noChangeAspect="1"/>
+          </p:cNvSpPr>
+          <p:nvPr>
+            <p:ph type="sldImg"/>
+          </p:nvPr>
+        </p:nvSpPr>
+        <p:spPr/>
+      </p:sp>
+      <p:sp>
+        <p:nvSpPr>
+          <p:cNvPr id="3" name="Not Yer Tutucusu 2"/>
+          <p:cNvSpPr>
+            <a:spLocks noGrp="1"/>
+          </p:cNvSpPr>
+          <p:nvPr>
+            <p:ph type="body" idx="1"/>
+          </p:nvPr>
+        </p:nvSpPr>
+        <p:spPr/>
+        <p:txBody>
+          <a:bodyPr/>
+          <a:lstStyle/>
+          <a:p>
+            <a:pPr marL="0" marR="0" lvl="0" indent="0" algn="l" defTabSz="914400" rtl="0" eaLnBrk="1" fontAlgn="auto" latinLnBrk="0" hangingPunct="1">
+              <a:lnSpc>
+                <a:spcPct val="100000"/>
+              </a:lnSpc>
+              <a:spcBef>
+                <a:spcPts val="0"/>
+              </a:spcBef>
+              <a:spcAft>
+                <a:spcPts val="0"/>
+              </a:spcAft>
+              <a:buClrTx/>
+              <a:buSzTx/>
+              <a:buFontTx/>
+              <a:buNone/>
+              <a:tabLst/>
+              <a:defRPr/>
+            </a:pPr>
+            <a:r>
+              <a:rPr lang="tr-TR" dirty="0" err="1"/>
+              <a:t>Our</a:t>
+            </a:r>
+            <a:r>
+              <a:rPr lang="tr-TR" dirty="0"/>
+              <a:t> </a:t>
+            </a:r>
+            <a:r>
+              <a:rPr lang="tr-TR" dirty="0" err="1"/>
+              <a:t>company</a:t>
+            </a:r>
+            <a:r>
+              <a:rPr lang="tr-TR" dirty="0"/>
+              <a:t> has an </a:t>
+            </a:r>
+            <a:r>
+              <a:rPr lang="tr-TR" dirty="0" err="1"/>
+              <a:t>interdiciplinary</a:t>
+            </a:r>
+            <a:r>
+              <a:rPr lang="tr-TR" dirty="0"/>
+              <a:t> </a:t>
+            </a:r>
+            <a:r>
+              <a:rPr lang="tr-TR" dirty="0" err="1"/>
+              <a:t>team</a:t>
+            </a:r>
+            <a:r>
+              <a:rPr lang="tr-TR" dirty="0"/>
+              <a:t> </a:t>
+            </a:r>
+            <a:r>
+              <a:rPr lang="tr-TR" dirty="0" err="1"/>
+              <a:t>which</a:t>
+            </a:r>
+            <a:r>
+              <a:rPr lang="tr-TR" dirty="0"/>
+              <a:t> </a:t>
+            </a:r>
+            <a:r>
+              <a:rPr lang="tr-TR" dirty="0" err="1"/>
+              <a:t>you</a:t>
+            </a:r>
+            <a:r>
+              <a:rPr lang="tr-TR" dirty="0"/>
+              <a:t> can </a:t>
+            </a:r>
+            <a:r>
+              <a:rPr lang="tr-TR" dirty="0" err="1"/>
+              <a:t>see</a:t>
+            </a:r>
+            <a:r>
+              <a:rPr lang="tr-TR" dirty="0"/>
+              <a:t> </a:t>
+            </a:r>
+            <a:r>
+              <a:rPr lang="tr-TR" dirty="0" err="1"/>
+              <a:t>from</a:t>
+            </a:r>
+            <a:r>
+              <a:rPr lang="tr-TR" dirty="0"/>
+              <a:t> </a:t>
+            </a:r>
+            <a:r>
+              <a:rPr lang="tr-TR" dirty="0" err="1"/>
+              <a:t>pie</a:t>
+            </a:r>
+            <a:r>
+              <a:rPr lang="tr-TR" dirty="0"/>
+              <a:t> </a:t>
+            </a:r>
+            <a:r>
+              <a:rPr lang="tr-TR" dirty="0" err="1"/>
+              <a:t>charts</a:t>
+            </a:r>
+            <a:r>
+              <a:rPr lang="tr-TR" dirty="0"/>
+              <a:t>. </a:t>
+            </a:r>
+            <a:r>
+              <a:rPr lang="tr-TR" dirty="0" err="1"/>
+              <a:t>Even</a:t>
+            </a:r>
+            <a:r>
+              <a:rPr lang="tr-TR" dirty="0"/>
+              <a:t> </a:t>
+            </a:r>
+            <a:r>
+              <a:rPr lang="tr-TR" dirty="0" err="1"/>
+              <a:t>though</a:t>
+            </a:r>
+            <a:r>
+              <a:rPr lang="tr-TR" dirty="0"/>
+              <a:t> </a:t>
+            </a:r>
+            <a:r>
+              <a:rPr lang="tr-TR" dirty="0" err="1"/>
+              <a:t>our</a:t>
+            </a:r>
+            <a:r>
+              <a:rPr lang="tr-TR" dirty="0"/>
+              <a:t> </a:t>
+            </a:r>
+            <a:r>
+              <a:rPr lang="tr-TR" dirty="0" err="1"/>
+              <a:t>majors</a:t>
+            </a:r>
+            <a:r>
+              <a:rPr lang="tr-TR" dirty="0"/>
+              <a:t> </a:t>
+            </a:r>
+            <a:r>
+              <a:rPr lang="tr-TR" dirty="0" err="1"/>
+              <a:t>consist</a:t>
+            </a:r>
+            <a:r>
+              <a:rPr lang="tr-TR" dirty="0"/>
+              <a:t> of </a:t>
+            </a:r>
+            <a:r>
+              <a:rPr lang="tr-TR" dirty="0" err="1"/>
+              <a:t>power</a:t>
+            </a:r>
+            <a:r>
+              <a:rPr lang="tr-TR" dirty="0"/>
+              <a:t> </a:t>
+            </a:r>
+            <a:r>
+              <a:rPr lang="tr-TR" dirty="0" err="1"/>
+              <a:t>electronics</a:t>
+            </a:r>
+            <a:r>
+              <a:rPr lang="tr-TR" dirty="0"/>
+              <a:t> </a:t>
+            </a:r>
+            <a:r>
+              <a:rPr lang="tr-TR" dirty="0" err="1"/>
+              <a:t>and</a:t>
+            </a:r>
+            <a:r>
+              <a:rPr lang="tr-TR" dirty="0"/>
+              <a:t> </a:t>
+            </a:r>
+            <a:r>
+              <a:rPr lang="tr-TR" dirty="0" err="1"/>
+              <a:t>electronics</a:t>
+            </a:r>
+            <a:r>
+              <a:rPr lang="tr-TR" dirty="0"/>
+              <a:t> </a:t>
+            </a:r>
+            <a:r>
+              <a:rPr lang="tr-TR" dirty="0" err="1"/>
+              <a:t>area</a:t>
+            </a:r>
+            <a:r>
+              <a:rPr lang="tr-TR" dirty="0"/>
+              <a:t> </a:t>
+            </a:r>
+            <a:r>
+              <a:rPr lang="tr-TR" dirty="0" err="1"/>
+              <a:t>when</a:t>
+            </a:r>
+            <a:r>
+              <a:rPr lang="tr-TR" dirty="0"/>
+              <a:t> </a:t>
+            </a:r>
+            <a:r>
+              <a:rPr lang="tr-TR" dirty="0" err="1"/>
+              <a:t>we</a:t>
+            </a:r>
+            <a:r>
+              <a:rPr lang="tr-TR" dirty="0"/>
+              <a:t> </a:t>
+            </a:r>
+            <a:r>
+              <a:rPr lang="tr-TR" dirty="0" err="1"/>
+              <a:t>include</a:t>
+            </a:r>
+            <a:r>
+              <a:rPr lang="tr-TR" dirty="0"/>
+              <a:t> </a:t>
+            </a:r>
+            <a:r>
+              <a:rPr lang="tr-TR" dirty="0" err="1"/>
+              <a:t>our</a:t>
+            </a:r>
+            <a:r>
+              <a:rPr lang="tr-TR" dirty="0"/>
+              <a:t> minör </a:t>
+            </a:r>
+            <a:r>
+              <a:rPr lang="tr-TR" dirty="0" err="1"/>
+              <a:t>we</a:t>
+            </a:r>
+            <a:r>
+              <a:rPr lang="tr-TR" dirty="0"/>
+              <a:t> </a:t>
+            </a:r>
+            <a:r>
+              <a:rPr lang="tr-TR" dirty="0" err="1"/>
+              <a:t>covered</a:t>
+            </a:r>
+            <a:r>
+              <a:rPr lang="tr-TR" dirty="0"/>
+              <a:t> 5 of 8 EE </a:t>
+            </a:r>
+            <a:r>
+              <a:rPr lang="tr-TR" dirty="0" err="1"/>
+              <a:t>options</a:t>
+            </a:r>
+            <a:r>
+              <a:rPr lang="tr-TR" dirty="0"/>
+              <a:t>. </a:t>
+            </a:r>
+            <a:r>
+              <a:rPr lang="tr-TR" dirty="0" err="1"/>
+              <a:t>The</a:t>
+            </a:r>
+            <a:r>
+              <a:rPr lang="tr-TR" dirty="0"/>
+              <a:t> </a:t>
+            </a:r>
+            <a:r>
+              <a:rPr lang="tr-TR" dirty="0" err="1"/>
+              <a:t>organization</a:t>
+            </a:r>
+            <a:r>
+              <a:rPr lang="tr-TR" dirty="0"/>
+              <a:t> </a:t>
+            </a:r>
+            <a:r>
+              <a:rPr lang="tr-TR" dirty="0" err="1"/>
+              <a:t>chart</a:t>
+            </a:r>
+            <a:r>
+              <a:rPr lang="tr-TR" dirty="0"/>
+              <a:t> is </a:t>
+            </a:r>
+            <a:r>
+              <a:rPr lang="tr-TR" dirty="0" err="1"/>
+              <a:t>following</a:t>
+            </a:r>
+            <a:r>
+              <a:rPr lang="tr-TR" dirty="0"/>
+              <a:t>.</a:t>
+            </a:r>
+            <a:endParaRPr lang="en-GB" dirty="0"/>
+          </a:p>
+        </p:txBody>
+      </p:sp>
+      <p:sp>
+        <p:nvSpPr>
+          <p:cNvPr id="4" name="Slayt Numarası Yer Tutucusu 3"/>
+          <p:cNvSpPr>
+            <a:spLocks noGrp="1"/>
+          </p:cNvSpPr>
+          <p:nvPr>
+            <p:ph type="sldNum" sz="quarter" idx="5"/>
+          </p:nvPr>
+        </p:nvSpPr>
+        <p:spPr/>
+        <p:txBody>
+          <a:bodyPr/>
+          <a:lstStyle/>
+          <a:p>
+            <a:fld id="{80434EB7-5CC8-42CA-83C9-E4B5A9FDE449}" type="slidenum">
+              <a:rPr lang="en-GB" smtClean="0"/>
+              <a:t>4</a:t>
+            </a:fld>
+            <a:endParaRPr lang="en-GB"/>
+          </a:p>
+        </p:txBody>
+      </p:sp>
+    </p:spTree>
+    <p:extLst>
+      <p:ext uri="{BB962C8B-B14F-4D97-AF65-F5344CB8AC3E}">
+        <p14:creationId xmlns:p14="http://schemas.microsoft.com/office/powerpoint/2010/main" val="657532805"/>
+      </p:ext>
+    </p:extLst>
+  </p:cSld>
+  <p:clrMapOvr>
+    <a:masterClrMapping/>
+  </p:clrMapOvr>
+</p:notes>
+</file>
+
+<file path=ppt/notesSlides/notesSlide5.xml><?xml version="1.0" encoding="utf-8"?>
+<p:notes xmlns:a="http://schemas.openxmlformats.org/drawingml/2006/main" xmlns:r="http://schemas.openxmlformats.org/officeDocument/2006/relationships" xmlns:p="http://schemas.openxmlformats.org/presentationml/2006/main">
+  <p:cSld>
+    <p:spTree>
+      <p:nvGrpSpPr>
+        <p:cNvPr id="1" name=""/>
+        <p:cNvGrpSpPr/>
+        <p:nvPr/>
+      </p:nvGrpSpPr>
+      <p:grpSpPr>
+        <a:xfrm>
+          <a:off x="0" y="0"/>
+          <a:ext cx="0" cy="0"/>
+          <a:chOff x="0" y="0"/>
+          <a:chExt cx="0" cy="0"/>
+        </a:xfrm>
+      </p:grpSpPr>
+      <p:sp>
+        <p:nvSpPr>
+          <p:cNvPr id="2" name="Slayt Resmi Yer Tutucusu 1"/>
+          <p:cNvSpPr>
+            <a:spLocks noGrp="1" noRot="1" noChangeAspect="1"/>
+          </p:cNvSpPr>
+          <p:nvPr>
+            <p:ph type="sldImg"/>
+          </p:nvPr>
+        </p:nvSpPr>
+        <p:spPr/>
+      </p:sp>
+      <p:sp>
+        <p:nvSpPr>
+          <p:cNvPr id="3" name="Not Yer Tutucusu 2"/>
+          <p:cNvSpPr>
+            <a:spLocks noGrp="1"/>
+          </p:cNvSpPr>
+          <p:nvPr>
+            <p:ph type="body" idx="1"/>
+          </p:nvPr>
+        </p:nvSpPr>
+        <p:spPr/>
+        <p:txBody>
+          <a:bodyPr/>
+          <a:lstStyle/>
+          <a:p>
+            <a:r>
+              <a:rPr lang="tr-TR" dirty="0"/>
+              <a:t>Selman is </a:t>
+            </a:r>
+            <a:r>
+              <a:rPr lang="tr-TR" dirty="0" err="1"/>
+              <a:t>our</a:t>
+            </a:r>
+            <a:r>
+              <a:rPr lang="tr-TR" dirty="0"/>
+              <a:t> PM. Enes </a:t>
+            </a:r>
+            <a:r>
+              <a:rPr lang="tr-TR" dirty="0" err="1"/>
+              <a:t>and</a:t>
+            </a:r>
+            <a:r>
+              <a:rPr lang="tr-TR" dirty="0"/>
+              <a:t> Anıl </a:t>
+            </a:r>
+            <a:r>
+              <a:rPr lang="tr-TR" dirty="0" err="1"/>
+              <a:t>are</a:t>
+            </a:r>
+            <a:r>
+              <a:rPr lang="tr-TR" dirty="0"/>
+              <a:t> </a:t>
+            </a:r>
+            <a:r>
+              <a:rPr lang="tr-TR" dirty="0" err="1"/>
+              <a:t>our</a:t>
+            </a:r>
+            <a:r>
+              <a:rPr lang="tr-TR" dirty="0"/>
+              <a:t> software </a:t>
+            </a:r>
+            <a:r>
+              <a:rPr lang="tr-TR" dirty="0" err="1"/>
+              <a:t>engineer</a:t>
+            </a:r>
+            <a:r>
+              <a:rPr lang="tr-TR" dirty="0"/>
+              <a:t>. Ali is </a:t>
+            </a:r>
+            <a:r>
+              <a:rPr lang="tr-TR" dirty="0" err="1"/>
+              <a:t>our</a:t>
+            </a:r>
+            <a:r>
+              <a:rPr lang="tr-TR" dirty="0"/>
+              <a:t> hardware </a:t>
+            </a:r>
+            <a:r>
+              <a:rPr lang="tr-TR" dirty="0" err="1"/>
+              <a:t>engineer</a:t>
+            </a:r>
+            <a:r>
+              <a:rPr lang="tr-TR" dirty="0"/>
+              <a:t> </a:t>
+            </a:r>
+            <a:r>
+              <a:rPr lang="tr-TR" dirty="0" err="1"/>
+              <a:t>and</a:t>
+            </a:r>
+            <a:r>
+              <a:rPr lang="tr-TR" dirty="0"/>
+              <a:t>  I am a </a:t>
+            </a:r>
+            <a:r>
+              <a:rPr lang="tr-TR" dirty="0" err="1"/>
+              <a:t>system</a:t>
+            </a:r>
+            <a:r>
+              <a:rPr lang="tr-TR" dirty="0"/>
+              <a:t> </a:t>
+            </a:r>
+            <a:r>
+              <a:rPr lang="tr-TR" dirty="0" err="1"/>
+              <a:t>engineer</a:t>
+            </a:r>
+            <a:r>
+              <a:rPr lang="tr-TR" dirty="0"/>
+              <a:t>. </a:t>
+            </a:r>
+            <a:endParaRPr lang="en-GB" dirty="0"/>
+          </a:p>
+        </p:txBody>
+      </p:sp>
+      <p:sp>
+        <p:nvSpPr>
+          <p:cNvPr id="4" name="Slayt Numarası Yer Tutucusu 3"/>
+          <p:cNvSpPr>
+            <a:spLocks noGrp="1"/>
+          </p:cNvSpPr>
+          <p:nvPr>
+            <p:ph type="sldNum" sz="quarter" idx="5"/>
+          </p:nvPr>
+        </p:nvSpPr>
+        <p:spPr/>
+        <p:txBody>
+          <a:bodyPr/>
+          <a:lstStyle/>
+          <a:p>
+            <a:fld id="{80434EB7-5CC8-42CA-83C9-E4B5A9FDE449}" type="slidenum">
+              <a:rPr lang="en-GB" smtClean="0"/>
+              <a:t>5</a:t>
+            </a:fld>
+            <a:endParaRPr lang="en-GB"/>
+          </a:p>
+        </p:txBody>
+      </p:sp>
+    </p:spTree>
+    <p:extLst>
+      <p:ext uri="{BB962C8B-B14F-4D97-AF65-F5344CB8AC3E}">
+        <p14:creationId xmlns:p14="http://schemas.microsoft.com/office/powerpoint/2010/main" val="1960180676"/>
+      </p:ext>
+    </p:extLst>
+  </p:cSld>
+  <p:clrMapOvr>
+    <a:masterClrMapping/>
+  </p:clrMapOvr>
+</p:notes>
+</file>
+
+<file path=ppt/notesSlides/notesSlide6.xml><?xml version="1.0" encoding="utf-8"?>
+<p:notes xmlns:a="http://schemas.openxmlformats.org/drawingml/2006/main" xmlns:r="http://schemas.openxmlformats.org/officeDocument/2006/relationships" xmlns:p="http://schemas.openxmlformats.org/presentationml/2006/main">
+  <p:cSld>
+    <p:spTree>
+      <p:nvGrpSpPr>
+        <p:cNvPr id="1" name=""/>
+        <p:cNvGrpSpPr/>
+        <p:nvPr/>
+      </p:nvGrpSpPr>
+      <p:grpSpPr>
+        <a:xfrm>
+          <a:off x="0" y="0"/>
+          <a:ext cx="0" cy="0"/>
+          <a:chOff x="0" y="0"/>
+          <a:chExt cx="0" cy="0"/>
+        </a:xfrm>
+      </p:grpSpPr>
+      <p:sp>
+        <p:nvSpPr>
+          <p:cNvPr id="2" name="Slayt Resmi Yer Tutucusu 1"/>
+          <p:cNvSpPr>
+            <a:spLocks noGrp="1" noRot="1" noChangeAspect="1"/>
+          </p:cNvSpPr>
+          <p:nvPr>
+            <p:ph type="sldImg"/>
+          </p:nvPr>
+        </p:nvSpPr>
+        <p:spPr/>
+      </p:sp>
+      <p:sp>
+        <p:nvSpPr>
+          <p:cNvPr id="3" name="Not Yer Tutucusu 2"/>
+          <p:cNvSpPr>
+            <a:spLocks noGrp="1"/>
+          </p:cNvSpPr>
+          <p:nvPr>
+            <p:ph type="body" idx="1"/>
+          </p:nvPr>
+        </p:nvSpPr>
+        <p:spPr/>
+        <p:txBody>
+          <a:bodyPr/>
+          <a:lstStyle/>
+          <a:p>
+            <a:r>
+              <a:rPr lang="tr-TR" dirty="0" err="1"/>
+              <a:t>We</a:t>
+            </a:r>
+            <a:r>
+              <a:rPr lang="tr-TR" dirty="0"/>
+              <a:t> </a:t>
+            </a:r>
+            <a:r>
+              <a:rPr lang="tr-TR" dirty="0" err="1"/>
+              <a:t>divide</a:t>
+            </a:r>
+            <a:r>
+              <a:rPr lang="tr-TR" dirty="0"/>
+              <a:t> </a:t>
+            </a:r>
+            <a:r>
+              <a:rPr lang="tr-TR" dirty="0" err="1"/>
+              <a:t>our</a:t>
+            </a:r>
+            <a:r>
+              <a:rPr lang="tr-TR" dirty="0"/>
+              <a:t> </a:t>
+            </a:r>
+            <a:r>
+              <a:rPr lang="tr-TR" dirty="0" err="1"/>
+              <a:t>objectives</a:t>
+            </a:r>
+            <a:r>
+              <a:rPr lang="tr-TR" dirty="0"/>
+              <a:t> </a:t>
+            </a:r>
+            <a:r>
+              <a:rPr lang="tr-TR" dirty="0" err="1"/>
+              <a:t>two</a:t>
+            </a:r>
+            <a:r>
+              <a:rPr lang="tr-TR" dirty="0"/>
+              <a:t> main </a:t>
+            </a:r>
+            <a:r>
+              <a:rPr lang="tr-TR" dirty="0" err="1"/>
+              <a:t>part</a:t>
+            </a:r>
+            <a:r>
+              <a:rPr lang="tr-TR" dirty="0"/>
+              <a:t> </a:t>
+            </a:r>
+            <a:r>
+              <a:rPr lang="tr-TR" dirty="0" err="1"/>
+              <a:t>namely</a:t>
+            </a:r>
+            <a:r>
+              <a:rPr lang="tr-TR" dirty="0"/>
+              <a:t> </a:t>
+            </a:r>
+            <a:r>
+              <a:rPr lang="tr-TR" dirty="0" err="1"/>
+              <a:t>Performance</a:t>
+            </a:r>
+            <a:r>
+              <a:rPr lang="tr-TR" dirty="0"/>
+              <a:t> </a:t>
+            </a:r>
+            <a:r>
+              <a:rPr lang="tr-TR" dirty="0" err="1"/>
+              <a:t>and</a:t>
+            </a:r>
+            <a:r>
+              <a:rPr lang="tr-TR" dirty="0"/>
+              <a:t> Market </a:t>
+            </a:r>
+            <a:r>
+              <a:rPr lang="tr-TR" dirty="0" err="1"/>
+              <a:t>related</a:t>
+            </a:r>
+            <a:r>
+              <a:rPr lang="tr-TR" dirty="0"/>
+              <a:t> </a:t>
+            </a:r>
+            <a:r>
+              <a:rPr lang="tr-TR" dirty="0" err="1"/>
+              <a:t>objectives</a:t>
+            </a:r>
+            <a:r>
+              <a:rPr lang="tr-TR" dirty="0"/>
+              <a:t>. </a:t>
+            </a:r>
+            <a:r>
+              <a:rPr lang="tr-TR" dirty="0" err="1"/>
+              <a:t>The</a:t>
+            </a:r>
+            <a:r>
+              <a:rPr lang="tr-TR" dirty="0"/>
+              <a:t> </a:t>
+            </a:r>
+            <a:r>
+              <a:rPr lang="tr-TR" dirty="0" err="1"/>
+              <a:t>performance</a:t>
+            </a:r>
+            <a:r>
+              <a:rPr lang="tr-TR" dirty="0"/>
+              <a:t> </a:t>
+            </a:r>
+            <a:r>
+              <a:rPr lang="tr-TR" dirty="0" err="1"/>
+              <a:t>related</a:t>
+            </a:r>
+            <a:r>
+              <a:rPr lang="tr-TR" dirty="0"/>
+              <a:t> </a:t>
+            </a:r>
+            <a:r>
+              <a:rPr lang="tr-TR" dirty="0" err="1"/>
+              <a:t>objectives</a:t>
+            </a:r>
+            <a:r>
+              <a:rPr lang="tr-TR" dirty="0"/>
+              <a:t> </a:t>
+            </a:r>
+            <a:r>
+              <a:rPr lang="tr-TR" dirty="0" err="1"/>
+              <a:t>are</a:t>
+            </a:r>
+            <a:r>
+              <a:rPr lang="tr-TR" dirty="0"/>
+              <a:t> </a:t>
+            </a:r>
+            <a:r>
+              <a:rPr lang="tr-TR" dirty="0" err="1"/>
+              <a:t>accuracy</a:t>
+            </a:r>
+            <a:r>
+              <a:rPr lang="tr-TR" dirty="0"/>
+              <a:t>, </a:t>
+            </a:r>
+            <a:r>
+              <a:rPr lang="tr-TR" dirty="0" err="1"/>
+              <a:t>operation</a:t>
+            </a:r>
+            <a:r>
+              <a:rPr lang="tr-TR" dirty="0"/>
+              <a:t> time </a:t>
+            </a:r>
+            <a:r>
+              <a:rPr lang="tr-TR" dirty="0" err="1"/>
+              <a:t>and</a:t>
+            </a:r>
+            <a:r>
+              <a:rPr lang="tr-TR" dirty="0"/>
+              <a:t> </a:t>
+            </a:r>
+            <a:r>
+              <a:rPr lang="tr-TR" dirty="0" err="1"/>
+              <a:t>robustness</a:t>
+            </a:r>
+            <a:r>
+              <a:rPr lang="tr-TR" dirty="0"/>
+              <a:t>. </a:t>
+            </a:r>
+            <a:r>
+              <a:rPr lang="tr-TR" dirty="0" err="1"/>
+              <a:t>The</a:t>
+            </a:r>
+            <a:r>
+              <a:rPr lang="tr-TR" dirty="0"/>
+              <a:t> market </a:t>
+            </a:r>
+            <a:r>
+              <a:rPr lang="tr-TR" dirty="0" err="1"/>
+              <a:t>related</a:t>
+            </a:r>
+            <a:r>
+              <a:rPr lang="tr-TR" dirty="0"/>
+              <a:t> </a:t>
+            </a:r>
+            <a:r>
+              <a:rPr lang="tr-TR" dirty="0" err="1"/>
+              <a:t>objectives</a:t>
+            </a:r>
+            <a:r>
+              <a:rPr lang="tr-TR" dirty="0"/>
+              <a:t> </a:t>
+            </a:r>
+            <a:r>
+              <a:rPr lang="tr-TR" dirty="0" err="1"/>
+              <a:t>are</a:t>
+            </a:r>
+            <a:r>
+              <a:rPr lang="tr-TR" dirty="0"/>
+              <a:t> </a:t>
+            </a:r>
+            <a:r>
+              <a:rPr lang="tr-TR" dirty="0" err="1"/>
+              <a:t>Cost</a:t>
+            </a:r>
+            <a:r>
+              <a:rPr lang="tr-TR" dirty="0"/>
+              <a:t> </a:t>
+            </a:r>
+            <a:r>
+              <a:rPr lang="tr-TR" dirty="0" err="1"/>
+              <a:t>Easy</a:t>
+            </a:r>
+            <a:r>
+              <a:rPr lang="tr-TR" dirty="0"/>
+              <a:t> of </a:t>
+            </a:r>
+            <a:r>
+              <a:rPr lang="tr-TR" dirty="0" err="1"/>
+              <a:t>Use</a:t>
+            </a:r>
+            <a:r>
+              <a:rPr lang="tr-TR" dirty="0"/>
+              <a:t> </a:t>
+            </a:r>
+            <a:r>
+              <a:rPr lang="tr-TR" dirty="0" err="1"/>
+              <a:t>and</a:t>
+            </a:r>
+            <a:r>
+              <a:rPr lang="tr-TR" dirty="0"/>
+              <a:t> </a:t>
+            </a:r>
+            <a:r>
+              <a:rPr lang="tr-TR" dirty="0" err="1"/>
+              <a:t>Power</a:t>
+            </a:r>
+            <a:r>
+              <a:rPr lang="tr-TR" dirty="0"/>
+              <a:t> </a:t>
+            </a:r>
+            <a:r>
+              <a:rPr lang="tr-TR" dirty="0" err="1"/>
+              <a:t>consumption</a:t>
+            </a:r>
+            <a:r>
+              <a:rPr lang="tr-TR" dirty="0"/>
+              <a:t>.</a:t>
+            </a:r>
+            <a:endParaRPr lang="en-GB" dirty="0"/>
+          </a:p>
+        </p:txBody>
+      </p:sp>
+      <p:sp>
+        <p:nvSpPr>
+          <p:cNvPr id="4" name="Slayt Numarası Yer Tutucusu 3"/>
+          <p:cNvSpPr>
+            <a:spLocks noGrp="1"/>
+          </p:cNvSpPr>
+          <p:nvPr>
+            <p:ph type="sldNum" sz="quarter" idx="5"/>
+          </p:nvPr>
+        </p:nvSpPr>
+        <p:spPr/>
+        <p:txBody>
+          <a:bodyPr/>
+          <a:lstStyle/>
+          <a:p>
+            <a:fld id="{80434EB7-5CC8-42CA-83C9-E4B5A9FDE449}" type="slidenum">
+              <a:rPr lang="en-GB" smtClean="0"/>
+              <a:t>6</a:t>
+            </a:fld>
+            <a:endParaRPr lang="en-GB"/>
+          </a:p>
+        </p:txBody>
+      </p:sp>
+    </p:spTree>
+    <p:extLst>
+      <p:ext uri="{BB962C8B-B14F-4D97-AF65-F5344CB8AC3E}">
+        <p14:creationId xmlns:p14="http://schemas.microsoft.com/office/powerpoint/2010/main" val="1342194856"/>
+      </p:ext>
+    </p:extLst>
+  </p:cSld>
+  <p:clrMapOvr>
+    <a:masterClrMapping/>
+  </p:clrMapOvr>
+</p:notes>
+</file>
+
+<file path=ppt/notesSlides/notesSlide7.xml><?xml version="1.0" encoding="utf-8"?>
+<p:notes xmlns:a="http://schemas.openxmlformats.org/drawingml/2006/main" xmlns:r="http://schemas.openxmlformats.org/officeDocument/2006/relationships" xmlns:p="http://schemas.openxmlformats.org/presentationml/2006/main">
+  <p:cSld>
+    <p:spTree>
+      <p:nvGrpSpPr>
+        <p:cNvPr id="1" name=""/>
+        <p:cNvGrpSpPr/>
+        <p:nvPr/>
+      </p:nvGrpSpPr>
+      <p:grpSpPr>
+        <a:xfrm>
+          <a:off x="0" y="0"/>
+          <a:ext cx="0" cy="0"/>
+          <a:chOff x="0" y="0"/>
+          <a:chExt cx="0" cy="0"/>
+        </a:xfrm>
+      </p:grpSpPr>
+      <p:sp>
+        <p:nvSpPr>
+          <p:cNvPr id="2" name="Slayt Resmi Yer Tutucusu 1"/>
+          <p:cNvSpPr>
+            <a:spLocks noGrp="1" noRot="1" noChangeAspect="1"/>
+          </p:cNvSpPr>
+          <p:nvPr>
+            <p:ph type="sldImg"/>
+          </p:nvPr>
+        </p:nvSpPr>
+        <p:spPr/>
+      </p:sp>
+      <p:sp>
+        <p:nvSpPr>
+          <p:cNvPr id="3" name="Not Yer Tutucusu 2"/>
+          <p:cNvSpPr>
+            <a:spLocks noGrp="1"/>
+          </p:cNvSpPr>
+          <p:nvPr>
+            <p:ph type="body" idx="1"/>
+          </p:nvPr>
+        </p:nvSpPr>
+        <p:spPr/>
+        <p:txBody>
+          <a:bodyPr/>
+          <a:lstStyle/>
+          <a:p>
+            <a:r>
+              <a:rPr lang="tr-TR" dirty="0" err="1"/>
+              <a:t>The</a:t>
+            </a:r>
+            <a:r>
+              <a:rPr lang="tr-TR" dirty="0"/>
+              <a:t> </a:t>
+            </a:r>
+            <a:r>
+              <a:rPr lang="tr-TR" dirty="0" err="1"/>
+              <a:t>measurements</a:t>
+            </a:r>
+            <a:r>
+              <a:rPr lang="tr-TR" dirty="0"/>
+              <a:t> of </a:t>
+            </a:r>
+            <a:r>
+              <a:rPr lang="tr-TR" dirty="0" err="1"/>
+              <a:t>our</a:t>
+            </a:r>
+            <a:r>
+              <a:rPr lang="tr-TR" dirty="0"/>
+              <a:t> </a:t>
+            </a:r>
+            <a:r>
+              <a:rPr lang="tr-TR" dirty="0" err="1"/>
+              <a:t>objective</a:t>
+            </a:r>
+            <a:r>
+              <a:rPr lang="tr-TR" dirty="0"/>
+              <a:t> can </a:t>
+            </a:r>
+            <a:r>
+              <a:rPr lang="tr-TR" dirty="0" err="1"/>
+              <a:t>found</a:t>
+            </a:r>
+            <a:r>
+              <a:rPr lang="tr-TR" dirty="0"/>
+              <a:t> at </a:t>
+            </a:r>
+            <a:r>
+              <a:rPr lang="tr-TR" dirty="0" err="1"/>
+              <a:t>this</a:t>
+            </a:r>
+            <a:r>
+              <a:rPr lang="tr-TR" dirty="0"/>
+              <a:t> </a:t>
+            </a:r>
+            <a:r>
+              <a:rPr lang="tr-TR" dirty="0" err="1"/>
+              <a:t>table</a:t>
+            </a:r>
+            <a:r>
+              <a:rPr lang="tr-TR" dirty="0"/>
+              <a:t>. </a:t>
+            </a:r>
+            <a:r>
+              <a:rPr lang="tr-TR" dirty="0" err="1"/>
+              <a:t>To</a:t>
+            </a:r>
+            <a:r>
+              <a:rPr lang="tr-TR" dirty="0"/>
+              <a:t> </a:t>
+            </a:r>
+            <a:r>
+              <a:rPr lang="tr-TR" dirty="0" err="1"/>
+              <a:t>summarize</a:t>
+            </a:r>
+            <a:r>
+              <a:rPr lang="tr-TR" dirty="0"/>
+              <a:t> </a:t>
+            </a:r>
+            <a:r>
+              <a:rPr lang="tr-TR" dirty="0" err="1"/>
+              <a:t>this</a:t>
+            </a:r>
+            <a:r>
+              <a:rPr lang="tr-TR" dirty="0"/>
+              <a:t> </a:t>
+            </a:r>
+            <a:r>
+              <a:rPr lang="tr-TR" dirty="0" err="1"/>
+              <a:t>table</a:t>
+            </a:r>
+            <a:r>
+              <a:rPr lang="tr-TR" dirty="0"/>
+              <a:t>, in </a:t>
+            </a:r>
+            <a:r>
+              <a:rPr lang="tr-TR" dirty="0" err="1"/>
+              <a:t>the</a:t>
+            </a:r>
+            <a:r>
+              <a:rPr lang="tr-TR" dirty="0"/>
+              <a:t> </a:t>
+            </a:r>
+            <a:r>
+              <a:rPr lang="tr-TR" dirty="0" err="1"/>
+              <a:t>best</a:t>
+            </a:r>
+            <a:r>
+              <a:rPr lang="tr-TR" dirty="0"/>
+              <a:t> </a:t>
+            </a:r>
+            <a:r>
+              <a:rPr lang="tr-TR" dirty="0" err="1"/>
+              <a:t>case</a:t>
+            </a:r>
+            <a:r>
+              <a:rPr lang="tr-TR" dirty="0"/>
+              <a:t>; </a:t>
+            </a:r>
+          </a:p>
+          <a:p>
+            <a:r>
+              <a:rPr lang="tr-TR" dirty="0"/>
+              <a:t>*</a:t>
+            </a:r>
+            <a:r>
+              <a:rPr lang="tr-TR" dirty="0" err="1"/>
+              <a:t>Our</a:t>
+            </a:r>
+            <a:r>
+              <a:rPr lang="tr-TR" dirty="0"/>
+              <a:t> robot </a:t>
+            </a:r>
+            <a:r>
+              <a:rPr lang="tr-TR" dirty="0" err="1"/>
+              <a:t>should</a:t>
+            </a:r>
+            <a:r>
+              <a:rPr lang="tr-TR" dirty="0"/>
+              <a:t> </a:t>
+            </a:r>
+            <a:r>
+              <a:rPr lang="tr-TR" dirty="0" err="1"/>
+              <a:t>finish</a:t>
+            </a:r>
+            <a:r>
+              <a:rPr lang="tr-TR" dirty="0"/>
+              <a:t> </a:t>
+            </a:r>
+            <a:r>
+              <a:rPr lang="tr-TR" dirty="0" err="1"/>
+              <a:t>mapping</a:t>
+            </a:r>
+            <a:r>
+              <a:rPr lang="tr-TR" dirty="0"/>
+              <a:t> </a:t>
+            </a:r>
+            <a:r>
+              <a:rPr lang="tr-TR" dirty="0" err="1"/>
+              <a:t>process</a:t>
+            </a:r>
+            <a:r>
+              <a:rPr lang="tr-TR" dirty="0"/>
+              <a:t> </a:t>
+            </a:r>
+            <a:r>
+              <a:rPr lang="tr-TR" dirty="0" err="1"/>
+              <a:t>under</a:t>
+            </a:r>
+            <a:r>
+              <a:rPr lang="tr-TR" dirty="0"/>
+              <a:t> 5 </a:t>
+            </a:r>
+            <a:r>
+              <a:rPr lang="tr-TR" dirty="0" err="1"/>
+              <a:t>minutes</a:t>
+            </a:r>
+            <a:endParaRPr lang="tr-TR" dirty="0"/>
+          </a:p>
+          <a:p>
+            <a:r>
+              <a:rPr lang="tr-TR" dirty="0"/>
+              <a:t>*</a:t>
+            </a:r>
+            <a:r>
+              <a:rPr lang="tr-TR" dirty="0" err="1"/>
+              <a:t>Understand</a:t>
+            </a:r>
+            <a:r>
+              <a:rPr lang="tr-TR" dirty="0"/>
+              <a:t> how </a:t>
+            </a:r>
+            <a:r>
+              <a:rPr lang="tr-TR" dirty="0" err="1"/>
+              <a:t>mant</a:t>
+            </a:r>
+            <a:r>
+              <a:rPr lang="tr-TR" dirty="0"/>
+              <a:t> </a:t>
+            </a:r>
+            <a:r>
+              <a:rPr lang="tr-TR" dirty="0" err="1"/>
+              <a:t>objects</a:t>
+            </a:r>
+            <a:r>
+              <a:rPr lang="tr-TR" dirty="0"/>
+              <a:t> </a:t>
+            </a:r>
+            <a:r>
+              <a:rPr lang="tr-TR" dirty="0" err="1"/>
+              <a:t>are</a:t>
+            </a:r>
+            <a:r>
+              <a:rPr lang="tr-TR" dirty="0"/>
+              <a:t> in </a:t>
+            </a:r>
+            <a:r>
+              <a:rPr lang="tr-TR" dirty="0" err="1"/>
+              <a:t>field</a:t>
+            </a:r>
+            <a:r>
+              <a:rPr lang="tr-TR" dirty="0"/>
+              <a:t> </a:t>
+            </a:r>
+            <a:r>
+              <a:rPr lang="tr-TR" dirty="0" err="1"/>
+              <a:t>with</a:t>
+            </a:r>
+            <a:r>
+              <a:rPr lang="tr-TR" dirty="0"/>
+              <a:t> </a:t>
+            </a:r>
+            <a:r>
+              <a:rPr lang="tr-TR" dirty="0" err="1"/>
+              <a:t>their</a:t>
+            </a:r>
+            <a:r>
+              <a:rPr lang="tr-TR" dirty="0"/>
+              <a:t> </a:t>
+            </a:r>
+            <a:r>
+              <a:rPr lang="tr-TR" dirty="0" err="1"/>
+              <a:t>shapes</a:t>
+            </a:r>
+            <a:r>
+              <a:rPr lang="tr-TR" dirty="0"/>
+              <a:t> </a:t>
+            </a:r>
+            <a:r>
+              <a:rPr lang="tr-TR" dirty="0" err="1"/>
+              <a:t>and</a:t>
+            </a:r>
+            <a:r>
+              <a:rPr lang="tr-TR" dirty="0"/>
+              <a:t> </a:t>
+            </a:r>
+            <a:r>
+              <a:rPr lang="tr-TR" dirty="0" err="1"/>
+              <a:t>positions</a:t>
+            </a:r>
+            <a:r>
+              <a:rPr lang="tr-TR" dirty="0"/>
+              <a:t> </a:t>
+            </a:r>
+            <a:r>
+              <a:rPr lang="tr-TR" dirty="0" err="1"/>
+              <a:t>correctly</a:t>
+            </a:r>
+            <a:endParaRPr lang="tr-TR" dirty="0"/>
+          </a:p>
+          <a:p>
+            <a:pPr marL="171450" indent="-171450">
+              <a:buFont typeface="Arial" panose="020B0604020202020204" pitchFamily="34" charset="0"/>
+              <a:buChar char="•"/>
+            </a:pPr>
+            <a:r>
+              <a:rPr lang="tr-TR" dirty="0"/>
+              <a:t>Has a total </a:t>
+            </a:r>
+            <a:r>
+              <a:rPr lang="tr-TR" dirty="0" err="1"/>
+              <a:t>cost</a:t>
+            </a:r>
+            <a:r>
+              <a:rPr lang="tr-TR" dirty="0"/>
+              <a:t> </a:t>
+            </a:r>
+            <a:r>
+              <a:rPr lang="tr-TR" dirty="0" err="1"/>
+              <a:t>below</a:t>
+            </a:r>
+            <a:r>
+              <a:rPr lang="tr-TR" dirty="0"/>
+              <a:t> 50$</a:t>
+            </a:r>
+          </a:p>
+          <a:p>
+            <a:pPr marL="171450" indent="-171450">
+              <a:buFont typeface="Arial" panose="020B0604020202020204" pitchFamily="34" charset="0"/>
+              <a:buChar char="•"/>
+            </a:pPr>
+            <a:r>
+              <a:rPr lang="tr-TR" dirty="0" err="1"/>
+              <a:t>It</a:t>
+            </a:r>
+            <a:r>
+              <a:rPr lang="tr-TR" dirty="0"/>
+              <a:t> </a:t>
+            </a:r>
+            <a:r>
+              <a:rPr lang="tr-TR" dirty="0" err="1"/>
+              <a:t>should</a:t>
+            </a:r>
+            <a:r>
+              <a:rPr lang="tr-TR" dirty="0"/>
+              <a:t> </a:t>
+            </a:r>
+            <a:r>
+              <a:rPr lang="tr-TR" dirty="0" err="1"/>
+              <a:t>work</a:t>
+            </a:r>
+            <a:r>
+              <a:rPr lang="tr-TR" dirty="0"/>
+              <a:t> </a:t>
+            </a:r>
+            <a:r>
+              <a:rPr lang="tr-TR" dirty="0" err="1"/>
+              <a:t>properly</a:t>
+            </a:r>
+            <a:r>
+              <a:rPr lang="tr-TR" dirty="0"/>
+              <a:t> at Design </a:t>
+            </a:r>
+            <a:r>
+              <a:rPr lang="tr-TR" dirty="0" err="1"/>
+              <a:t>studio</a:t>
+            </a:r>
+            <a:r>
+              <a:rPr lang="tr-TR" dirty="0"/>
+              <a:t>, KKM hole </a:t>
+            </a:r>
+            <a:r>
+              <a:rPr lang="tr-TR" dirty="0" err="1"/>
+              <a:t>under</a:t>
+            </a:r>
+            <a:r>
+              <a:rPr lang="tr-TR" dirty="0"/>
+              <a:t> </a:t>
+            </a:r>
+            <a:r>
+              <a:rPr lang="tr-TR" dirty="0" err="1"/>
+              <a:t>both</a:t>
+            </a:r>
+            <a:r>
+              <a:rPr lang="tr-TR" dirty="0"/>
+              <a:t> </a:t>
+            </a:r>
+            <a:r>
+              <a:rPr lang="tr-TR" dirty="0" err="1"/>
+              <a:t>light</a:t>
+            </a:r>
+            <a:r>
+              <a:rPr lang="tr-TR" dirty="0"/>
+              <a:t> </a:t>
+            </a:r>
+            <a:r>
+              <a:rPr lang="tr-TR" dirty="0" err="1"/>
+              <a:t>and</a:t>
+            </a:r>
+            <a:r>
+              <a:rPr lang="tr-TR" dirty="0"/>
+              <a:t>  </a:t>
+            </a:r>
+            <a:r>
+              <a:rPr lang="tr-TR" dirty="0" err="1"/>
+              <a:t>heavy</a:t>
+            </a:r>
+            <a:r>
+              <a:rPr lang="tr-TR" dirty="0"/>
+              <a:t> </a:t>
+            </a:r>
+            <a:r>
+              <a:rPr lang="tr-TR" dirty="0" err="1"/>
+              <a:t>sunlight</a:t>
+            </a:r>
+            <a:r>
+              <a:rPr lang="tr-TR" dirty="0"/>
+              <a:t> </a:t>
+            </a:r>
+            <a:r>
+              <a:rPr lang="tr-TR" dirty="0" err="1"/>
+              <a:t>illumination</a:t>
+            </a:r>
+            <a:endParaRPr lang="tr-TR" dirty="0"/>
+          </a:p>
+          <a:p>
+            <a:pPr marL="171450" indent="-171450">
+              <a:buFont typeface="Arial" panose="020B0604020202020204" pitchFamily="34" charset="0"/>
+              <a:buChar char="•"/>
+            </a:pPr>
+            <a:r>
+              <a:rPr lang="tr-TR" dirty="0" err="1"/>
+              <a:t>It</a:t>
+            </a:r>
+            <a:r>
+              <a:rPr lang="tr-TR" dirty="0"/>
+              <a:t> </a:t>
+            </a:r>
+            <a:r>
+              <a:rPr lang="tr-TR" dirty="0" err="1"/>
+              <a:t>consume</a:t>
+            </a:r>
+            <a:r>
+              <a:rPr lang="tr-TR" dirty="0"/>
+              <a:t> </a:t>
+            </a:r>
+            <a:r>
+              <a:rPr lang="tr-TR" dirty="0" err="1"/>
+              <a:t>less</a:t>
+            </a:r>
+            <a:r>
+              <a:rPr lang="tr-TR" dirty="0"/>
+              <a:t> </a:t>
+            </a:r>
+            <a:r>
+              <a:rPr lang="tr-TR" dirty="0" err="1"/>
+              <a:t>than</a:t>
+            </a:r>
+            <a:r>
+              <a:rPr lang="tr-TR" dirty="0"/>
+              <a:t> 10 W of </a:t>
+            </a:r>
+            <a:r>
+              <a:rPr lang="tr-TR" dirty="0" err="1"/>
+              <a:t>power</a:t>
+            </a:r>
+            <a:endParaRPr lang="tr-TR" dirty="0"/>
+          </a:p>
+          <a:p>
+            <a:pPr marL="171450" indent="-171450">
+              <a:buFont typeface="Arial" panose="020B0604020202020204" pitchFamily="34" charset="0"/>
+              <a:buChar char="•"/>
+            </a:pPr>
+            <a:r>
+              <a:rPr lang="tr-TR" dirty="0" err="1"/>
+              <a:t>And</a:t>
+            </a:r>
+            <a:r>
+              <a:rPr lang="tr-TR" dirty="0"/>
+              <a:t> it has </a:t>
+            </a:r>
+            <a:r>
+              <a:rPr lang="tr-TR" dirty="0" err="1"/>
+              <a:t>user</a:t>
+            </a:r>
+            <a:r>
+              <a:rPr lang="tr-TR" dirty="0"/>
+              <a:t> </a:t>
+            </a:r>
+            <a:r>
+              <a:rPr lang="tr-TR" dirty="0" err="1"/>
+              <a:t>friendly</a:t>
+            </a:r>
+            <a:r>
+              <a:rPr lang="tr-TR" dirty="0"/>
+              <a:t> GUI </a:t>
+            </a:r>
+            <a:r>
+              <a:rPr lang="tr-TR" dirty="0" err="1"/>
+              <a:t>and</a:t>
+            </a:r>
+            <a:r>
+              <a:rPr lang="tr-TR" dirty="0"/>
+              <a:t> </a:t>
+            </a:r>
+            <a:r>
+              <a:rPr lang="tr-TR" dirty="0" err="1"/>
+              <a:t>live</a:t>
+            </a:r>
+            <a:r>
+              <a:rPr lang="tr-TR" dirty="0"/>
+              <a:t> </a:t>
+            </a:r>
+            <a:r>
+              <a:rPr lang="tr-TR" dirty="0" err="1"/>
+              <a:t>mapping</a:t>
+            </a:r>
+            <a:r>
+              <a:rPr lang="tr-TR" dirty="0"/>
+              <a:t> </a:t>
+            </a:r>
+            <a:r>
+              <a:rPr lang="tr-TR" dirty="0" err="1"/>
+              <a:t>feature</a:t>
+            </a:r>
+            <a:r>
+              <a:rPr lang="tr-TR" dirty="0"/>
+              <a:t>.</a:t>
+            </a:r>
+            <a:endParaRPr lang="en-GB" dirty="0"/>
+          </a:p>
+        </p:txBody>
+      </p:sp>
+      <p:sp>
+        <p:nvSpPr>
+          <p:cNvPr id="4" name="Slayt Numarası Yer Tutucusu 3"/>
+          <p:cNvSpPr>
+            <a:spLocks noGrp="1"/>
+          </p:cNvSpPr>
+          <p:nvPr>
+            <p:ph type="sldNum" sz="quarter" idx="5"/>
+          </p:nvPr>
+        </p:nvSpPr>
+        <p:spPr/>
+        <p:txBody>
+          <a:bodyPr/>
+          <a:lstStyle/>
+          <a:p>
+            <a:fld id="{80434EB7-5CC8-42CA-83C9-E4B5A9FDE449}" type="slidenum">
+              <a:rPr lang="en-GB" smtClean="0"/>
+              <a:t>7</a:t>
+            </a:fld>
+            <a:endParaRPr lang="en-GB"/>
+          </a:p>
+        </p:txBody>
+      </p:sp>
+    </p:spTree>
+    <p:extLst>
+      <p:ext uri="{BB962C8B-B14F-4D97-AF65-F5344CB8AC3E}">
+        <p14:creationId xmlns:p14="http://schemas.microsoft.com/office/powerpoint/2010/main" val="4110953465"/>
+      </p:ext>
+    </p:extLst>
+  </p:cSld>
+  <p:clrMapOvr>
+    <a:masterClrMapping/>
+  </p:clrMapOvr>
+</p:notes>
+</file>
+
+<file path=ppt/notesSlides/notesSlide8.xml><?xml version="1.0" encoding="utf-8"?>
+<p:notes xmlns:a="http://schemas.openxmlformats.org/drawingml/2006/main" xmlns:r="http://schemas.openxmlformats.org/officeDocument/2006/relationships" xmlns:p="http://schemas.openxmlformats.org/presentationml/2006/main">
+  <p:cSld>
+    <p:spTree>
+      <p:nvGrpSpPr>
+        <p:cNvPr id="1" name=""/>
+        <p:cNvGrpSpPr/>
+        <p:nvPr/>
+      </p:nvGrpSpPr>
+      <p:grpSpPr>
+        <a:xfrm>
+          <a:off x="0" y="0"/>
+          <a:ext cx="0" cy="0"/>
+          <a:chOff x="0" y="0"/>
+          <a:chExt cx="0" cy="0"/>
+        </a:xfrm>
+      </p:grpSpPr>
+      <p:sp>
+        <p:nvSpPr>
+          <p:cNvPr id="2" name="Slayt Resmi Yer Tutucusu 1"/>
+          <p:cNvSpPr>
+            <a:spLocks noGrp="1" noRot="1" noChangeAspect="1"/>
+          </p:cNvSpPr>
+          <p:nvPr>
+            <p:ph type="sldImg"/>
+          </p:nvPr>
+        </p:nvSpPr>
+        <p:spPr/>
+      </p:sp>
+      <p:sp>
+        <p:nvSpPr>
+          <p:cNvPr id="3" name="Not Yer Tutucusu 2"/>
+          <p:cNvSpPr>
+            <a:spLocks noGrp="1"/>
+          </p:cNvSpPr>
+          <p:nvPr>
+            <p:ph type="body" idx="1"/>
+          </p:nvPr>
+        </p:nvSpPr>
+        <p:spPr/>
+        <p:txBody>
+          <a:bodyPr/>
+          <a:lstStyle/>
+          <a:p>
+            <a:r>
+              <a:rPr lang="tr-TR" dirty="0" err="1"/>
+              <a:t>Let</a:t>
+            </a:r>
+            <a:r>
+              <a:rPr lang="tr-TR" dirty="0"/>
+              <a:t> me </a:t>
+            </a:r>
+            <a:r>
+              <a:rPr lang="tr-TR" dirty="0" err="1"/>
+              <a:t>explain</a:t>
+            </a:r>
+            <a:r>
+              <a:rPr lang="tr-TR" dirty="0"/>
+              <a:t> </a:t>
+            </a:r>
+            <a:r>
+              <a:rPr lang="tr-TR" dirty="0" err="1"/>
+              <a:t>our</a:t>
+            </a:r>
+            <a:r>
+              <a:rPr lang="tr-TR" dirty="0"/>
+              <a:t> </a:t>
+            </a:r>
+            <a:r>
+              <a:rPr lang="tr-TR" dirty="0" err="1"/>
+              <a:t>function</a:t>
+            </a:r>
+            <a:r>
+              <a:rPr lang="tr-TR" dirty="0"/>
+              <a:t> </a:t>
+            </a:r>
+            <a:r>
+              <a:rPr lang="tr-TR" dirty="0" err="1"/>
+              <a:t>requirement</a:t>
+            </a:r>
+            <a:endParaRPr lang="tr-TR" dirty="0"/>
+          </a:p>
+          <a:p>
+            <a:pPr marL="171450" indent="-171450">
+              <a:buFont typeface="Arial" panose="020B0604020202020204" pitchFamily="34" charset="0"/>
+              <a:buChar char="•"/>
+            </a:pPr>
+            <a:r>
+              <a:rPr lang="tr-TR" dirty="0" err="1"/>
+              <a:t>The</a:t>
+            </a:r>
+            <a:r>
+              <a:rPr lang="tr-TR" dirty="0"/>
+              <a:t> robot </a:t>
+            </a:r>
+            <a:r>
+              <a:rPr lang="tr-TR" dirty="0" err="1"/>
+              <a:t>should</a:t>
+            </a:r>
+            <a:r>
+              <a:rPr lang="tr-TR" dirty="0"/>
+              <a:t> </a:t>
+            </a:r>
+            <a:r>
+              <a:rPr lang="tr-TR" dirty="0" err="1"/>
+              <a:t>move</a:t>
+            </a:r>
+            <a:r>
+              <a:rPr lang="tr-TR" dirty="0"/>
+              <a:t> at 2D </a:t>
+            </a:r>
+            <a:r>
+              <a:rPr lang="tr-TR" dirty="0" err="1"/>
+              <a:t>directions</a:t>
+            </a:r>
+            <a:endParaRPr lang="tr-TR" dirty="0"/>
+          </a:p>
+          <a:p>
+            <a:pPr marL="171450" indent="-171450">
+              <a:buFont typeface="Arial" panose="020B0604020202020204" pitchFamily="34" charset="0"/>
+              <a:buChar char="•"/>
+            </a:pPr>
+            <a:r>
+              <a:rPr lang="tr-TR" dirty="0" err="1"/>
+              <a:t>It</a:t>
+            </a:r>
+            <a:r>
+              <a:rPr lang="tr-TR" dirty="0"/>
+              <a:t> </a:t>
+            </a:r>
+            <a:r>
+              <a:rPr lang="tr-TR" dirty="0" err="1"/>
+              <a:t>some</a:t>
+            </a:r>
+            <a:r>
+              <a:rPr lang="tr-TR" dirty="0"/>
+              <a:t> how </a:t>
+            </a:r>
+            <a:r>
+              <a:rPr lang="tr-TR" dirty="0" err="1"/>
+              <a:t>know</a:t>
+            </a:r>
+            <a:r>
+              <a:rPr lang="tr-TR" dirty="0"/>
+              <a:t> </a:t>
+            </a:r>
+            <a:r>
+              <a:rPr lang="tr-TR" dirty="0" err="1"/>
+              <a:t>its</a:t>
+            </a:r>
+            <a:r>
+              <a:rPr lang="tr-TR" dirty="0"/>
+              <a:t> </a:t>
+            </a:r>
+            <a:r>
+              <a:rPr lang="tr-TR" dirty="0" err="1"/>
+              <a:t>location</a:t>
+            </a:r>
+            <a:r>
+              <a:rPr lang="tr-TR" dirty="0"/>
+              <a:t> </a:t>
+            </a:r>
+            <a:r>
+              <a:rPr lang="tr-TR" dirty="0" err="1"/>
+              <a:t>which</a:t>
+            </a:r>
+            <a:r>
+              <a:rPr lang="tr-TR" dirty="0"/>
+              <a:t> </a:t>
+            </a:r>
+            <a:r>
+              <a:rPr lang="tr-TR" dirty="0" err="1"/>
+              <a:t>we</a:t>
+            </a:r>
+            <a:r>
+              <a:rPr lang="tr-TR" dirty="0"/>
+              <a:t> </a:t>
+            </a:r>
+            <a:r>
+              <a:rPr lang="tr-TR" dirty="0" err="1"/>
+              <a:t>call</a:t>
+            </a:r>
+            <a:r>
+              <a:rPr lang="tr-TR" dirty="0"/>
+              <a:t> self </a:t>
+            </a:r>
+            <a:r>
+              <a:rPr lang="tr-TR" dirty="0" err="1"/>
+              <a:t>localization</a:t>
+            </a:r>
+            <a:r>
+              <a:rPr lang="tr-TR" dirty="0"/>
+              <a:t> </a:t>
+            </a:r>
+            <a:r>
+              <a:rPr lang="tr-TR" dirty="0" err="1"/>
+              <a:t>or</a:t>
+            </a:r>
+            <a:r>
+              <a:rPr lang="tr-TR" dirty="0"/>
+              <a:t> </a:t>
+            </a:r>
+            <a:r>
+              <a:rPr lang="tr-TR" dirty="0" err="1"/>
+              <a:t>dead</a:t>
+            </a:r>
+            <a:r>
+              <a:rPr lang="tr-TR" dirty="0"/>
+              <a:t> </a:t>
+            </a:r>
+            <a:r>
+              <a:rPr lang="tr-TR" dirty="0" err="1"/>
+              <a:t>reckoning</a:t>
+            </a:r>
+            <a:r>
+              <a:rPr lang="tr-TR" dirty="0"/>
+              <a:t>. </a:t>
+            </a:r>
+          </a:p>
+          <a:p>
+            <a:pPr marL="171450" indent="-171450">
+              <a:buFont typeface="Arial" panose="020B0604020202020204" pitchFamily="34" charset="0"/>
+              <a:buChar char="•"/>
+            </a:pPr>
+            <a:r>
+              <a:rPr lang="tr-TR" dirty="0" err="1"/>
+              <a:t>It</a:t>
+            </a:r>
+            <a:r>
+              <a:rPr lang="tr-TR" dirty="0"/>
+              <a:t> </a:t>
+            </a:r>
+            <a:r>
+              <a:rPr lang="tr-TR" dirty="0" err="1"/>
+              <a:t>should</a:t>
+            </a:r>
+            <a:r>
+              <a:rPr lang="tr-TR" dirty="0"/>
+              <a:t> deliver </a:t>
+            </a:r>
+            <a:r>
+              <a:rPr lang="tr-TR" dirty="0" err="1"/>
+              <a:t>the</a:t>
+            </a:r>
+            <a:r>
+              <a:rPr lang="tr-TR" dirty="0"/>
+              <a:t> </a:t>
+            </a:r>
+            <a:r>
+              <a:rPr lang="tr-TR" dirty="0" err="1"/>
+              <a:t>mapping</a:t>
+            </a:r>
+            <a:r>
+              <a:rPr lang="tr-TR" dirty="0"/>
+              <a:t> data </a:t>
+            </a:r>
+            <a:r>
+              <a:rPr lang="tr-TR" dirty="0" err="1"/>
+              <a:t>to</a:t>
+            </a:r>
+            <a:r>
+              <a:rPr lang="tr-TR" dirty="0"/>
+              <a:t> monitör </a:t>
+            </a:r>
+            <a:r>
+              <a:rPr lang="tr-TR" dirty="0" err="1"/>
+              <a:t>for</a:t>
+            </a:r>
+            <a:r>
+              <a:rPr lang="tr-TR" dirty="0"/>
+              <a:t> </a:t>
+            </a:r>
+            <a:r>
+              <a:rPr lang="tr-TR" dirty="0" err="1"/>
+              <a:t>users</a:t>
+            </a:r>
+            <a:r>
+              <a:rPr lang="tr-TR" dirty="0"/>
+              <a:t>.</a:t>
+            </a:r>
+          </a:p>
+          <a:p>
+            <a:pPr marL="171450" indent="-171450">
+              <a:buFont typeface="Arial" panose="020B0604020202020204" pitchFamily="34" charset="0"/>
+              <a:buChar char="•"/>
+            </a:pPr>
+            <a:r>
+              <a:rPr lang="tr-TR" dirty="0" err="1"/>
+              <a:t>It</a:t>
+            </a:r>
+            <a:r>
+              <a:rPr lang="tr-TR" dirty="0"/>
+              <a:t> </a:t>
+            </a:r>
+            <a:r>
+              <a:rPr lang="tr-TR" dirty="0" err="1"/>
+              <a:t>somehow</a:t>
+            </a:r>
+            <a:r>
+              <a:rPr lang="tr-TR" dirty="0"/>
+              <a:t> </a:t>
+            </a:r>
+            <a:r>
+              <a:rPr lang="tr-TR" dirty="0" err="1"/>
+              <a:t>process</a:t>
+            </a:r>
+            <a:r>
+              <a:rPr lang="tr-TR" dirty="0"/>
+              <a:t> </a:t>
+            </a:r>
+            <a:r>
+              <a:rPr lang="tr-TR" dirty="0" err="1"/>
+              <a:t>the</a:t>
+            </a:r>
+            <a:r>
+              <a:rPr lang="tr-TR" dirty="0"/>
+              <a:t> </a:t>
+            </a:r>
+            <a:r>
+              <a:rPr lang="tr-TR" dirty="0" err="1"/>
+              <a:t>sensors</a:t>
+            </a:r>
+            <a:r>
+              <a:rPr lang="tr-TR" dirty="0"/>
+              <a:t> data </a:t>
+            </a:r>
+            <a:r>
+              <a:rPr lang="tr-TR" dirty="0" err="1"/>
+              <a:t>like</a:t>
+            </a:r>
+            <a:r>
+              <a:rPr lang="tr-TR" dirty="0"/>
+              <a:t> </a:t>
+            </a:r>
+            <a:r>
+              <a:rPr lang="tr-TR" dirty="0" err="1"/>
+              <a:t>manipulating</a:t>
+            </a:r>
+            <a:r>
+              <a:rPr lang="tr-TR" dirty="0"/>
+              <a:t> </a:t>
+            </a:r>
+            <a:r>
+              <a:rPr lang="tr-TR" dirty="0" err="1"/>
+              <a:t>and</a:t>
+            </a:r>
+            <a:r>
+              <a:rPr lang="tr-TR" dirty="0"/>
+              <a:t> </a:t>
+            </a:r>
+            <a:r>
+              <a:rPr lang="tr-TR" dirty="0" err="1"/>
+              <a:t>grouping</a:t>
+            </a:r>
+            <a:r>
+              <a:rPr lang="tr-TR" dirty="0"/>
+              <a:t> </a:t>
+            </a:r>
+            <a:r>
+              <a:rPr lang="tr-TR" dirty="0" err="1"/>
+              <a:t>them</a:t>
+            </a:r>
+            <a:r>
+              <a:rPr lang="tr-TR" dirty="0"/>
+              <a:t> in </a:t>
+            </a:r>
+            <a:r>
+              <a:rPr lang="tr-TR" dirty="0" err="1"/>
+              <a:t>order</a:t>
+            </a:r>
+            <a:r>
+              <a:rPr lang="tr-TR" dirty="0"/>
+              <a:t> </a:t>
+            </a:r>
+            <a:r>
+              <a:rPr lang="tr-TR" dirty="0" err="1"/>
+              <a:t>to</a:t>
+            </a:r>
+            <a:r>
+              <a:rPr lang="tr-TR" dirty="0"/>
+              <a:t> </a:t>
+            </a:r>
+            <a:r>
+              <a:rPr lang="tr-TR" dirty="0" err="1"/>
+              <a:t>extract</a:t>
+            </a:r>
+            <a:r>
+              <a:rPr lang="tr-TR" dirty="0"/>
+              <a:t> a </a:t>
+            </a:r>
+            <a:r>
+              <a:rPr lang="tr-TR" dirty="0" err="1"/>
+              <a:t>useful</a:t>
+            </a:r>
+            <a:r>
+              <a:rPr lang="tr-TR" dirty="0"/>
+              <a:t> </a:t>
+            </a:r>
+            <a:r>
+              <a:rPr lang="tr-TR" dirty="0" err="1"/>
+              <a:t>information</a:t>
+            </a:r>
+            <a:r>
+              <a:rPr lang="tr-TR" dirty="0"/>
+              <a:t>. </a:t>
+            </a:r>
+            <a:endParaRPr lang="en-GB" dirty="0"/>
+          </a:p>
+        </p:txBody>
+      </p:sp>
+      <p:sp>
+        <p:nvSpPr>
+          <p:cNvPr id="4" name="Slayt Numarası Yer Tutucusu 3"/>
+          <p:cNvSpPr>
+            <a:spLocks noGrp="1"/>
+          </p:cNvSpPr>
+          <p:nvPr>
+            <p:ph type="sldNum" sz="quarter" idx="5"/>
+          </p:nvPr>
+        </p:nvSpPr>
+        <p:spPr/>
+        <p:txBody>
+          <a:bodyPr/>
+          <a:lstStyle/>
+          <a:p>
+            <a:fld id="{80434EB7-5CC8-42CA-83C9-E4B5A9FDE449}" type="slidenum">
+              <a:rPr lang="en-GB" smtClean="0"/>
+              <a:t>8</a:t>
+            </a:fld>
+            <a:endParaRPr lang="en-GB"/>
+          </a:p>
+        </p:txBody>
+      </p:sp>
+    </p:spTree>
+    <p:extLst>
+      <p:ext uri="{BB962C8B-B14F-4D97-AF65-F5344CB8AC3E}">
+        <p14:creationId xmlns:p14="http://schemas.microsoft.com/office/powerpoint/2010/main" val="3349971497"/>
+      </p:ext>
+    </p:extLst>
+  </p:cSld>
+  <p:clrMapOvr>
+    <a:masterClrMapping/>
+  </p:clrMapOvr>
+</p:notes>
+</file>
+
+<file path=ppt/notesSlides/notesSlide9.xml><?xml version="1.0" encoding="utf-8"?>
+<p:notes xmlns:a="http://schemas.openxmlformats.org/drawingml/2006/main" xmlns:r="http://schemas.openxmlformats.org/officeDocument/2006/relationships" xmlns:p="http://schemas.openxmlformats.org/presentationml/2006/main">
+  <p:cSld>
+    <p:spTree>
+      <p:nvGrpSpPr>
+        <p:cNvPr id="1" name=""/>
+        <p:cNvGrpSpPr/>
+        <p:nvPr/>
+      </p:nvGrpSpPr>
+      <p:grpSpPr>
+        <a:xfrm>
+          <a:off x="0" y="0"/>
+          <a:ext cx="0" cy="0"/>
+          <a:chOff x="0" y="0"/>
+          <a:chExt cx="0" cy="0"/>
+        </a:xfrm>
+      </p:grpSpPr>
+      <p:sp>
+        <p:nvSpPr>
+          <p:cNvPr id="2" name="Slayt Resmi Yer Tutucusu 1"/>
+          <p:cNvSpPr>
+            <a:spLocks noGrp="1" noRot="1" noChangeAspect="1"/>
+          </p:cNvSpPr>
+          <p:nvPr>
+            <p:ph type="sldImg"/>
+          </p:nvPr>
+        </p:nvSpPr>
+        <p:spPr/>
+      </p:sp>
+      <p:sp>
+        <p:nvSpPr>
+          <p:cNvPr id="3" name="Not Yer Tutucusu 2"/>
+          <p:cNvSpPr>
+            <a:spLocks noGrp="1"/>
+          </p:cNvSpPr>
+          <p:nvPr>
+            <p:ph type="body" idx="1"/>
+          </p:nvPr>
+        </p:nvSpPr>
+        <p:spPr/>
+        <p:txBody>
+          <a:bodyPr/>
+          <a:lstStyle/>
+          <a:p>
+            <a:r>
+              <a:rPr lang="tr-TR" dirty="0" err="1"/>
+              <a:t>Then</a:t>
+            </a:r>
+            <a:r>
+              <a:rPr lang="tr-TR" dirty="0"/>
+              <a:t> </a:t>
+            </a:r>
+            <a:r>
+              <a:rPr lang="tr-TR" dirty="0" err="1"/>
+              <a:t>the</a:t>
+            </a:r>
+            <a:r>
+              <a:rPr lang="tr-TR" dirty="0"/>
+              <a:t> </a:t>
+            </a:r>
+            <a:r>
+              <a:rPr lang="tr-TR" dirty="0" err="1"/>
+              <a:t>our</a:t>
+            </a:r>
+            <a:r>
+              <a:rPr lang="tr-TR" dirty="0"/>
+              <a:t> </a:t>
+            </a:r>
+            <a:r>
+              <a:rPr lang="tr-TR" dirty="0" err="1"/>
+              <a:t>problems</a:t>
+            </a:r>
+            <a:r>
+              <a:rPr lang="tr-TR" dirty="0"/>
+              <a:t> </a:t>
+            </a:r>
+            <a:r>
+              <a:rPr lang="tr-TR" dirty="0" err="1"/>
+              <a:t>are</a:t>
+            </a:r>
+            <a:r>
+              <a:rPr lang="tr-TR" dirty="0"/>
+              <a:t> </a:t>
+            </a:r>
+          </a:p>
+          <a:p>
+            <a:pPr marL="171450" indent="-171450">
+              <a:buFont typeface="Arial" panose="020B0604020202020204" pitchFamily="34" charset="0"/>
+              <a:buChar char="•"/>
+            </a:pPr>
+            <a:r>
+              <a:rPr lang="tr-TR" dirty="0" err="1"/>
+              <a:t>detection</a:t>
+            </a:r>
+            <a:r>
+              <a:rPr lang="tr-TR" dirty="0"/>
+              <a:t> of </a:t>
+            </a:r>
+            <a:r>
+              <a:rPr lang="tr-TR" dirty="0" err="1"/>
+              <a:t>the</a:t>
+            </a:r>
+            <a:r>
+              <a:rPr lang="tr-TR" dirty="0"/>
+              <a:t> </a:t>
+            </a:r>
+            <a:r>
+              <a:rPr lang="tr-TR" dirty="0" err="1"/>
+              <a:t>position</a:t>
+            </a:r>
+            <a:r>
+              <a:rPr lang="tr-TR" dirty="0"/>
+              <a:t> of </a:t>
+            </a:r>
+            <a:r>
+              <a:rPr lang="tr-TR" dirty="0" err="1"/>
+              <a:t>vehicle</a:t>
+            </a:r>
+            <a:r>
+              <a:rPr lang="tr-TR" dirty="0"/>
+              <a:t> in a </a:t>
+            </a:r>
+            <a:r>
+              <a:rPr lang="tr-TR" dirty="0" err="1"/>
+              <a:t>closed</a:t>
+            </a:r>
+            <a:r>
+              <a:rPr lang="tr-TR" dirty="0"/>
+              <a:t> </a:t>
+            </a:r>
+            <a:r>
+              <a:rPr lang="tr-TR" dirty="0" err="1"/>
+              <a:t>area</a:t>
+            </a:r>
+            <a:endParaRPr lang="tr-TR" dirty="0"/>
+          </a:p>
+          <a:p>
+            <a:pPr marL="171450" indent="-171450">
+              <a:buFont typeface="Arial" panose="020B0604020202020204" pitchFamily="34" charset="0"/>
+              <a:buChar char="•"/>
+            </a:pPr>
+            <a:r>
+              <a:rPr lang="tr-TR" dirty="0" err="1"/>
+              <a:t>Detection</a:t>
+            </a:r>
+            <a:r>
+              <a:rPr lang="tr-TR" dirty="0"/>
+              <a:t> of </a:t>
+            </a:r>
+            <a:r>
+              <a:rPr lang="tr-TR" dirty="0" err="1"/>
+              <a:t>position</a:t>
+            </a:r>
+            <a:r>
+              <a:rPr lang="tr-TR" dirty="0"/>
+              <a:t> an </a:t>
+            </a:r>
+            <a:r>
+              <a:rPr lang="tr-TR" dirty="0" err="1"/>
+              <a:t>orientation</a:t>
+            </a:r>
+            <a:r>
+              <a:rPr lang="tr-TR" dirty="0"/>
+              <a:t> of </a:t>
+            </a:r>
+            <a:r>
+              <a:rPr lang="tr-TR" dirty="0" err="1"/>
+              <a:t>the</a:t>
+            </a:r>
+            <a:r>
+              <a:rPr lang="tr-TR" dirty="0"/>
+              <a:t> </a:t>
+            </a:r>
+            <a:r>
+              <a:rPr lang="tr-TR" dirty="0" err="1"/>
+              <a:t>surrounding</a:t>
+            </a:r>
+            <a:r>
+              <a:rPr lang="tr-TR" dirty="0"/>
+              <a:t> </a:t>
+            </a:r>
+            <a:r>
+              <a:rPr lang="tr-TR" dirty="0" err="1"/>
+              <a:t>and</a:t>
+            </a:r>
+            <a:r>
+              <a:rPr lang="tr-TR" dirty="0"/>
+              <a:t> </a:t>
+            </a:r>
+            <a:r>
+              <a:rPr lang="tr-TR" dirty="0" err="1"/>
+              <a:t>targets</a:t>
+            </a:r>
+            <a:endParaRPr lang="tr-TR" dirty="0"/>
+          </a:p>
+          <a:p>
+            <a:pPr marL="171450" indent="-171450">
+              <a:buFont typeface="Arial" panose="020B0604020202020204" pitchFamily="34" charset="0"/>
+              <a:buChar char="•"/>
+            </a:pPr>
+            <a:r>
+              <a:rPr lang="tr-TR" dirty="0" err="1"/>
+              <a:t>Designing</a:t>
+            </a:r>
+            <a:r>
+              <a:rPr lang="tr-TR" dirty="0"/>
+              <a:t> </a:t>
+            </a:r>
+            <a:r>
+              <a:rPr lang="tr-TR" dirty="0" err="1"/>
+              <a:t>fast,agile</a:t>
+            </a:r>
+            <a:r>
+              <a:rPr lang="tr-TR" dirty="0"/>
+              <a:t> an </a:t>
+            </a:r>
+            <a:r>
+              <a:rPr lang="tr-TR" dirty="0" err="1"/>
+              <a:t>accurate</a:t>
+            </a:r>
+            <a:r>
+              <a:rPr lang="tr-TR" dirty="0"/>
+              <a:t> </a:t>
+            </a:r>
+            <a:r>
+              <a:rPr lang="tr-TR" dirty="0" err="1"/>
+              <a:t>actuator</a:t>
+            </a:r>
+            <a:r>
+              <a:rPr lang="tr-TR" dirty="0"/>
+              <a:t> </a:t>
+            </a:r>
+            <a:r>
+              <a:rPr lang="tr-TR" dirty="0" err="1"/>
+              <a:t>system</a:t>
+            </a:r>
+            <a:endParaRPr lang="tr-TR" dirty="0"/>
+          </a:p>
+          <a:p>
+            <a:pPr marL="171450" indent="-171450">
+              <a:buFont typeface="Arial" panose="020B0604020202020204" pitchFamily="34" charset="0"/>
+              <a:buChar char="•"/>
+            </a:pPr>
+            <a:r>
+              <a:rPr lang="tr-TR" dirty="0"/>
+              <a:t>Optimizing </a:t>
+            </a:r>
+            <a:r>
+              <a:rPr lang="tr-TR" dirty="0" err="1"/>
+              <a:t>autonomous</a:t>
+            </a:r>
+            <a:r>
+              <a:rPr lang="tr-TR" dirty="0"/>
+              <a:t> </a:t>
+            </a:r>
+            <a:r>
+              <a:rPr lang="tr-TR" dirty="0" err="1"/>
+              <a:t>searching</a:t>
+            </a:r>
+            <a:r>
+              <a:rPr lang="tr-TR" dirty="0"/>
+              <a:t> </a:t>
+            </a:r>
+            <a:r>
+              <a:rPr lang="tr-TR" dirty="0" err="1"/>
+              <a:t>algorithm</a:t>
+            </a:r>
+            <a:r>
+              <a:rPr lang="tr-TR" dirty="0"/>
+              <a:t> </a:t>
+            </a:r>
+            <a:r>
+              <a:rPr lang="tr-TR" dirty="0" err="1"/>
+              <a:t>that</a:t>
+            </a:r>
+            <a:r>
+              <a:rPr lang="tr-TR" dirty="0"/>
+              <a:t> minimize time </a:t>
+            </a:r>
+            <a:r>
+              <a:rPr lang="tr-TR" dirty="0" err="1"/>
+              <a:t>for</a:t>
+            </a:r>
+            <a:r>
+              <a:rPr lang="tr-TR" dirty="0"/>
+              <a:t> </a:t>
+            </a:r>
+            <a:r>
+              <a:rPr lang="tr-TR" dirty="0" err="1"/>
+              <a:t>mapping</a:t>
+            </a:r>
+            <a:r>
+              <a:rPr lang="tr-TR" dirty="0"/>
+              <a:t>. </a:t>
+            </a:r>
+            <a:endParaRPr lang="en-GB" dirty="0"/>
+          </a:p>
+        </p:txBody>
+      </p:sp>
+      <p:sp>
+        <p:nvSpPr>
+          <p:cNvPr id="4" name="Slayt Numarası Yer Tutucusu 3"/>
+          <p:cNvSpPr>
+            <a:spLocks noGrp="1"/>
+          </p:cNvSpPr>
+          <p:nvPr>
+            <p:ph type="sldNum" sz="quarter" idx="5"/>
+          </p:nvPr>
+        </p:nvSpPr>
+        <p:spPr/>
+        <p:txBody>
+          <a:bodyPr/>
+          <a:lstStyle/>
+          <a:p>
+            <a:fld id="{80434EB7-5CC8-42CA-83C9-E4B5A9FDE449}" type="slidenum">
+              <a:rPr lang="en-GB" smtClean="0"/>
+              <a:t>9</a:t>
+            </a:fld>
+            <a:endParaRPr lang="en-GB"/>
+          </a:p>
+        </p:txBody>
+      </p:sp>
+    </p:spTree>
+    <p:extLst>
+      <p:ext uri="{BB962C8B-B14F-4D97-AF65-F5344CB8AC3E}">
+        <p14:creationId xmlns:p14="http://schemas.microsoft.com/office/powerpoint/2010/main" val="2927421699"/>
+      </p:ext>
+    </p:extLst>
+  </p:cSld>
+  <p:clrMapOvr>
+    <a:masterClrMapping/>
+  </p:clrMapOvr>
+</p:notes>
+</file>
+
 <file path=ppt/slideLayouts/slideLayout1.xml><?xml version="1.0" encoding="utf-8"?>
 <p:sldLayout xmlns:a="http://schemas.openxmlformats.org/drawingml/2006/main" xmlns:r="http://schemas.openxmlformats.org/officeDocument/2006/relationships" xmlns:p="http://schemas.openxmlformats.org/presentationml/2006/main" type="title" preserve="1">
   <p:cSld name="Başlık Slaydı">
@@ -15929,7 +19200,7 @@
           <p:nvPr/>
         </p:nvPicPr>
         <p:blipFill rotWithShape="1">
-          <a:blip r:embed="rId2" cstate="print">
+          <a:blip r:embed="rId3" cstate="print">
             <a:extLst>
               <a:ext uri="{28A0092B-C50C-407E-A947-70E740481C1C}">
                 <a14:useLocalDpi xmlns:a14="http://schemas.microsoft.com/office/drawing/2010/main" val="0"/>
@@ -18970,7 +22241,7 @@
           <p:nvPr/>
         </p:nvPicPr>
         <p:blipFill>
-          <a:blip r:embed="rId2">
+          <a:blip r:embed="rId3">
             <a:extLst>
               <a:ext uri="{28A0092B-C50C-407E-A947-70E740481C1C}">
                 <a14:useLocalDpi xmlns:a14="http://schemas.microsoft.com/office/drawing/2010/main" val="0"/>
@@ -19006,7 +22277,7 @@
           <p:nvPr/>
         </p:nvPicPr>
         <p:blipFill>
-          <a:blip r:embed="rId3">
+          <a:blip r:embed="rId4">
             <a:extLst>
               <a:ext uri="{28A0092B-C50C-407E-A947-70E740481C1C}">
                 <a14:useLocalDpi xmlns:a14="http://schemas.microsoft.com/office/drawing/2010/main" val="0"/>
@@ -19042,7 +22313,7 @@
           <p:nvPr/>
         </p:nvPicPr>
         <p:blipFill>
-          <a:blip r:embed="rId4">
+          <a:blip r:embed="rId5">
             <a:extLst>
               <a:ext uri="{28A0092B-C50C-407E-A947-70E740481C1C}">
                 <a14:useLocalDpi xmlns:a14="http://schemas.microsoft.com/office/drawing/2010/main" val="0"/>
@@ -19078,7 +22349,7 @@
           <p:nvPr/>
         </p:nvPicPr>
         <p:blipFill>
-          <a:blip r:embed="rId5">
+          <a:blip r:embed="rId6">
             <a:extLst>
               <a:ext uri="{28A0092B-C50C-407E-A947-70E740481C1C}">
                 <a14:useLocalDpi xmlns:a14="http://schemas.microsoft.com/office/drawing/2010/main" val="0"/>
@@ -19114,7 +22385,7 @@
           <p:nvPr/>
         </p:nvPicPr>
         <p:blipFill>
-          <a:blip r:embed="rId6">
+          <a:blip r:embed="rId7">
             <a:extLst>
               <a:ext uri="{28A0092B-C50C-407E-A947-70E740481C1C}">
                 <a14:useLocalDpi xmlns:a14="http://schemas.microsoft.com/office/drawing/2010/main" val="0"/>
@@ -27265,7 +30536,7 @@
         </p:xfrm>
         <a:graphic>
           <a:graphicData uri="http://schemas.openxmlformats.org/drawingml/2006/chart">
-            <c:chart xmlns:c="http://schemas.openxmlformats.org/drawingml/2006/chart" xmlns:r="http://schemas.openxmlformats.org/officeDocument/2006/relationships" r:id="rId2"/>
+            <c:chart xmlns:c="http://schemas.openxmlformats.org/drawingml/2006/chart" xmlns:r="http://schemas.openxmlformats.org/officeDocument/2006/relationships" r:id="rId3"/>
           </a:graphicData>
         </a:graphic>
       </p:graphicFrame>
@@ -27295,7 +30566,7 @@
         </p:xfrm>
         <a:graphic>
           <a:graphicData uri="http://schemas.openxmlformats.org/drawingml/2006/chart">
-            <c:chart xmlns:c="http://schemas.openxmlformats.org/drawingml/2006/chart" xmlns:r="http://schemas.openxmlformats.org/officeDocument/2006/relationships" r:id="rId3"/>
+            <c:chart xmlns:c="http://schemas.openxmlformats.org/drawingml/2006/chart" xmlns:r="http://schemas.openxmlformats.org/officeDocument/2006/relationships" r:id="rId4"/>
           </a:graphicData>
         </a:graphic>
       </p:graphicFrame>
@@ -30737,7 +34008,7 @@
         </p:xfrm>
         <a:graphic>
           <a:graphicData uri="http://schemas.openxmlformats.org/drawingml/2006/diagram">
-            <dgm:relIds xmlns:dgm="http://schemas.openxmlformats.org/drawingml/2006/diagram" xmlns:r="http://schemas.openxmlformats.org/officeDocument/2006/relationships" r:dm="rId2" r:lo="rId3" r:qs="rId4" r:cs="rId5"/>
+            <dgm:relIds xmlns:dgm="http://schemas.openxmlformats.org/drawingml/2006/diagram" xmlns:r="http://schemas.openxmlformats.org/officeDocument/2006/relationships" r:dm="rId3" r:lo="rId4" r:qs="rId5" r:cs="rId6"/>
           </a:graphicData>
         </a:graphic>
       </p:graphicFrame>
@@ -30823,7 +34094,7 @@
             <p:ph idx="1"/>
             <p:extLst>
               <p:ext uri="{D42A27DB-BD31-4B8C-83A1-F6EECF244321}">
-                <p14:modId xmlns:p14="http://schemas.microsoft.com/office/powerpoint/2010/main" val="188040728"/>
+                <p14:modId xmlns:p14="http://schemas.microsoft.com/office/powerpoint/2010/main" val="3683761333"/>
               </p:ext>
             </p:extLst>
           </p:nvPr>
@@ -30834,7 +34105,7 @@
         </p:xfrm>
         <a:graphic>
           <a:graphicData uri="http://schemas.openxmlformats.org/drawingml/2006/diagram">
-            <dgm:relIds xmlns:dgm="http://schemas.openxmlformats.org/drawingml/2006/diagram" xmlns:r="http://schemas.openxmlformats.org/officeDocument/2006/relationships" r:dm="rId2" r:lo="rId3" r:qs="rId4" r:cs="rId5"/>
+            <dgm:relIds xmlns:dgm="http://schemas.openxmlformats.org/drawingml/2006/diagram" xmlns:r="http://schemas.openxmlformats.org/officeDocument/2006/relationships" r:dm="rId3" r:lo="rId4" r:qs="rId5" r:cs="rId6"/>
           </a:graphicData>
         </a:graphic>
       </p:graphicFrame>
@@ -34080,7 +37351,7 @@
           <p:nvPr/>
         </p:nvPicPr>
         <p:blipFill>
-          <a:blip r:embed="rId2">
+          <a:blip r:embed="rId3">
             <a:extLst>
               <a:ext uri="{28A0092B-C50C-407E-A947-70E740481C1C}">
                 <a14:useLocalDpi xmlns:a14="http://schemas.microsoft.com/office/drawing/2010/main" val="0"/>
@@ -34148,7 +37419,7 @@
           </p:nvPr>
         </p:nvPicPr>
         <p:blipFill>
-          <a:blip r:embed="rId2">
+          <a:blip r:embed="rId3">
             <a:extLst>
               <a:ext uri="{28A0092B-C50C-407E-A947-70E740481C1C}">
                 <a14:useLocalDpi xmlns:a14="http://schemas.microsoft.com/office/drawing/2010/main" val="0"/>
@@ -34508,4 +37779,299 @@
     </a:ext>
   </a:extLst>
 </a:theme>
+</file>
+
+<file path=ppt/theme/theme2.xml><?xml version="1.0" encoding="utf-8"?>
+<a:theme xmlns:a="http://schemas.openxmlformats.org/drawingml/2006/main" name="Office Teması">
+  <a:themeElements>
+    <a:clrScheme name="Office">
+      <a:dk1>
+        <a:sysClr val="windowText" lastClr="000000"/>
+      </a:dk1>
+      <a:lt1>
+        <a:sysClr val="window" lastClr="FFFFFF"/>
+      </a:lt1>
+      <a:dk2>
+        <a:srgbClr val="44546A"/>
+      </a:dk2>
+      <a:lt2>
+        <a:srgbClr val="E7E6E6"/>
+      </a:lt2>
+      <a:accent1>
+        <a:srgbClr val="4472C4"/>
+      </a:accent1>
+      <a:accent2>
+        <a:srgbClr val="ED7D31"/>
+      </a:accent2>
+      <a:accent3>
+        <a:srgbClr val="A5A5A5"/>
+      </a:accent3>
+      <a:accent4>
+        <a:srgbClr val="FFC000"/>
+      </a:accent4>
+      <a:accent5>
+        <a:srgbClr val="5B9BD5"/>
+      </a:accent5>
+      <a:accent6>
+        <a:srgbClr val="70AD47"/>
+      </a:accent6>
+      <a:hlink>
+        <a:srgbClr val="0563C1"/>
+      </a:hlink>
+      <a:folHlink>
+        <a:srgbClr val="954F72"/>
+      </a:folHlink>
+    </a:clrScheme>
+    <a:fontScheme name="Office">
+      <a:majorFont>
+        <a:latin typeface="Calibri Light" panose="020F0302020204030204"/>
+        <a:ea typeface=""/>
+        <a:cs typeface=""/>
+        <a:font script="Jpan" typeface="游ゴシック Light"/>
+        <a:font script="Hang" typeface="맑은 고딕"/>
+        <a:font script="Hans" typeface="等线 Light"/>
+        <a:font script="Hant" typeface="新細明體"/>
+        <a:font script="Arab" typeface="Times New Roman"/>
+        <a:font script="Hebr" typeface="Times New Roman"/>
+        <a:font script="Thai" typeface="Angsana New"/>
+        <a:font script="Ethi" typeface="Nyala"/>
+        <a:font script="Beng" typeface="Vrinda"/>
+        <a:font script="Gujr" typeface="Shruti"/>
+        <a:font script="Khmr" typeface="MoolBoran"/>
+        <a:font script="Knda" typeface="Tunga"/>
+        <a:font script="Guru" typeface="Raavi"/>
+        <a:font script="Cans" typeface="Euphemia"/>
+        <a:font script="Cher" typeface="Plantagenet Cherokee"/>
+        <a:font script="Yiii" typeface="Microsoft Yi Baiti"/>
+        <a:font script="Tibt" typeface="Microsoft Himalaya"/>
+        <a:font script="Thaa" typeface="MV Boli"/>
+        <a:font script="Deva" typeface="Mangal"/>
+        <a:font script="Telu" typeface="Gautami"/>
+        <a:font script="Taml" typeface="Latha"/>
+        <a:font script="Syrc" typeface="Estrangelo Edessa"/>
+        <a:font script="Orya" typeface="Kalinga"/>
+        <a:font script="Mlym" typeface="Kartika"/>
+        <a:font script="Laoo" typeface="DokChampa"/>
+        <a:font script="Sinh" typeface="Iskoola Pota"/>
+        <a:font script="Mong" typeface="Mongolian Baiti"/>
+        <a:font script="Viet" typeface="Times New Roman"/>
+        <a:font script="Uigh" typeface="Microsoft Uighur"/>
+        <a:font script="Geor" typeface="Sylfaen"/>
+        <a:font script="Armn" typeface="Arial"/>
+        <a:font script="Bugi" typeface="Leelawadee UI"/>
+        <a:font script="Bopo" typeface="Microsoft JhengHei"/>
+        <a:font script="Java" typeface="Javanese Text"/>
+        <a:font script="Lisu" typeface="Segoe UI"/>
+        <a:font script="Mymr" typeface="Myanmar Text"/>
+        <a:font script="Nkoo" typeface="Ebrima"/>
+        <a:font script="Olck" typeface="Nirmala UI"/>
+        <a:font script="Osma" typeface="Ebrima"/>
+        <a:font script="Phag" typeface="Phagspa"/>
+        <a:font script="Syrn" typeface="Estrangelo Edessa"/>
+        <a:font script="Syrj" typeface="Estrangelo Edessa"/>
+        <a:font script="Syre" typeface="Estrangelo Edessa"/>
+        <a:font script="Sora" typeface="Nirmala UI"/>
+        <a:font script="Tale" typeface="Microsoft Tai Le"/>
+        <a:font script="Talu" typeface="Microsoft New Tai Lue"/>
+        <a:font script="Tfng" typeface="Ebrima"/>
+      </a:majorFont>
+      <a:minorFont>
+        <a:latin typeface="Calibri" panose="020F0502020204030204"/>
+        <a:ea typeface=""/>
+        <a:cs typeface=""/>
+        <a:font script="Jpan" typeface="游ゴシック"/>
+        <a:font script="Hang" typeface="맑은 고딕"/>
+        <a:font script="Hans" typeface="等线"/>
+        <a:font script="Hant" typeface="新細明體"/>
+        <a:font script="Arab" typeface="Arial"/>
+        <a:font script="Hebr" typeface="Arial"/>
+        <a:font script="Thai" typeface="Cordia New"/>
+        <a:font script="Ethi" typeface="Nyala"/>
+        <a:font script="Beng" typeface="Vrinda"/>
+        <a:font script="Gujr" typeface="Shruti"/>
+        <a:font script="Khmr" typeface="DaunPenh"/>
+        <a:font script="Knda" typeface="Tunga"/>
+        <a:font script="Guru" typeface="Raavi"/>
+        <a:font script="Cans" typeface="Euphemia"/>
+        <a:font script="Cher" typeface="Plantagenet Cherokee"/>
+        <a:font script="Yiii" typeface="Microsoft Yi Baiti"/>
+        <a:font script="Tibt" typeface="Microsoft Himalaya"/>
+        <a:font script="Thaa" typeface="MV Boli"/>
+        <a:font script="Deva" typeface="Mangal"/>
+        <a:font script="Telu" typeface="Gautami"/>
+        <a:font script="Taml" typeface="Latha"/>
+        <a:font script="Syrc" typeface="Estrangelo Edessa"/>
+        <a:font script="Orya" typeface="Kalinga"/>
+        <a:font script="Mlym" typeface="Kartika"/>
+        <a:font script="Laoo" typeface="DokChampa"/>
+        <a:font script="Sinh" typeface="Iskoola Pota"/>
+        <a:font script="Mong" typeface="Mongolian Baiti"/>
+        <a:font script="Viet" typeface="Arial"/>
+        <a:font script="Uigh" typeface="Microsoft Uighur"/>
+        <a:font script="Geor" typeface="Sylfaen"/>
+        <a:font script="Armn" typeface="Arial"/>
+        <a:font script="Bugi" typeface="Leelawadee UI"/>
+        <a:font script="Bopo" typeface="Microsoft JhengHei"/>
+        <a:font script="Java" typeface="Javanese Text"/>
+        <a:font script="Lisu" typeface="Segoe UI"/>
+        <a:font script="Mymr" typeface="Myanmar Text"/>
+        <a:font script="Nkoo" typeface="Ebrima"/>
+        <a:font script="Olck" typeface="Nirmala UI"/>
+        <a:font script="Osma" typeface="Ebrima"/>
+        <a:font script="Phag" typeface="Phagspa"/>
+        <a:font script="Syrn" typeface="Estrangelo Edessa"/>
+        <a:font script="Syrj" typeface="Estrangelo Edessa"/>
+        <a:font script="Syre" typeface="Estrangelo Edessa"/>
+        <a:font script="Sora" typeface="Nirmala UI"/>
+        <a:font script="Tale" typeface="Microsoft Tai Le"/>
+        <a:font script="Talu" typeface="Microsoft New Tai Lue"/>
+        <a:font script="Tfng" typeface="Ebrima"/>
+      </a:minorFont>
+    </a:fontScheme>
+    <a:fmtScheme name="Office">
+      <a:fillStyleLst>
+        <a:solidFill>
+          <a:schemeClr val="phClr"/>
+        </a:solidFill>
+        <a:gradFill rotWithShape="1">
+          <a:gsLst>
+            <a:gs pos="0">
+              <a:schemeClr val="phClr">
+                <a:lumMod val="110000"/>
+                <a:satMod val="105000"/>
+                <a:tint val="67000"/>
+              </a:schemeClr>
+            </a:gs>
+            <a:gs pos="50000">
+              <a:schemeClr val="phClr">
+                <a:lumMod val="105000"/>
+                <a:satMod val="103000"/>
+                <a:tint val="73000"/>
+              </a:schemeClr>
+            </a:gs>
+            <a:gs pos="100000">
+              <a:schemeClr val="phClr">
+                <a:lumMod val="105000"/>
+                <a:satMod val="109000"/>
+                <a:tint val="81000"/>
+              </a:schemeClr>
+            </a:gs>
+          </a:gsLst>
+          <a:lin ang="5400000" scaled="0"/>
+        </a:gradFill>
+        <a:gradFill rotWithShape="1">
+          <a:gsLst>
+            <a:gs pos="0">
+              <a:schemeClr val="phClr">
+                <a:satMod val="103000"/>
+                <a:lumMod val="102000"/>
+                <a:tint val="94000"/>
+              </a:schemeClr>
+            </a:gs>
+            <a:gs pos="50000">
+              <a:schemeClr val="phClr">
+                <a:satMod val="110000"/>
+                <a:lumMod val="100000"/>
+                <a:shade val="100000"/>
+              </a:schemeClr>
+            </a:gs>
+            <a:gs pos="100000">
+              <a:schemeClr val="phClr">
+                <a:lumMod val="99000"/>
+                <a:satMod val="120000"/>
+                <a:shade val="78000"/>
+              </a:schemeClr>
+            </a:gs>
+          </a:gsLst>
+          <a:lin ang="5400000" scaled="0"/>
+        </a:gradFill>
+      </a:fillStyleLst>
+      <a:lnStyleLst>
+        <a:ln w="6350" cap="flat" cmpd="sng" algn="ctr">
+          <a:solidFill>
+            <a:schemeClr val="phClr"/>
+          </a:solidFill>
+          <a:prstDash val="solid"/>
+          <a:miter lim="800000"/>
+        </a:ln>
+        <a:ln w="12700" cap="flat" cmpd="sng" algn="ctr">
+          <a:solidFill>
+            <a:schemeClr val="phClr"/>
+          </a:solidFill>
+          <a:prstDash val="solid"/>
+          <a:miter lim="800000"/>
+        </a:ln>
+        <a:ln w="19050" cap="flat" cmpd="sng" algn="ctr">
+          <a:solidFill>
+            <a:schemeClr val="phClr"/>
+          </a:solidFill>
+          <a:prstDash val="solid"/>
+          <a:miter lim="800000"/>
+        </a:ln>
+      </a:lnStyleLst>
+      <a:effectStyleLst>
+        <a:effectStyle>
+          <a:effectLst/>
+        </a:effectStyle>
+        <a:effectStyle>
+          <a:effectLst/>
+        </a:effectStyle>
+        <a:effectStyle>
+          <a:effectLst>
+            <a:outerShdw blurRad="57150" dist="19050" dir="5400000" algn="ctr" rotWithShape="0">
+              <a:srgbClr val="000000">
+                <a:alpha val="63000"/>
+              </a:srgbClr>
+            </a:outerShdw>
+          </a:effectLst>
+        </a:effectStyle>
+      </a:effectStyleLst>
+      <a:bgFillStyleLst>
+        <a:solidFill>
+          <a:schemeClr val="phClr"/>
+        </a:solidFill>
+        <a:solidFill>
+          <a:schemeClr val="phClr">
+            <a:tint val="95000"/>
+            <a:satMod val="170000"/>
+          </a:schemeClr>
+        </a:solidFill>
+        <a:gradFill rotWithShape="1">
+          <a:gsLst>
+            <a:gs pos="0">
+              <a:schemeClr val="phClr">
+                <a:tint val="93000"/>
+                <a:satMod val="150000"/>
+                <a:shade val="98000"/>
+                <a:lumMod val="102000"/>
+              </a:schemeClr>
+            </a:gs>
+            <a:gs pos="50000">
+              <a:schemeClr val="phClr">
+                <a:tint val="98000"/>
+                <a:satMod val="130000"/>
+                <a:shade val="90000"/>
+                <a:lumMod val="103000"/>
+              </a:schemeClr>
+            </a:gs>
+            <a:gs pos="100000">
+              <a:schemeClr val="phClr">
+                <a:shade val="63000"/>
+                <a:satMod val="120000"/>
+              </a:schemeClr>
+            </a:gs>
+          </a:gsLst>
+          <a:lin ang="5400000" scaled="0"/>
+        </a:gradFill>
+      </a:bgFillStyleLst>
+    </a:fmtScheme>
+  </a:themeElements>
+  <a:objectDefaults/>
+  <a:extraClrSchemeLst/>
+  <a:extLst>
+    <a:ext uri="{05A4C25C-085E-4340-85A3-A5531E510DB2}">
+      <thm15:themeFamily xmlns:thm15="http://schemas.microsoft.com/office/thememl/2012/main" name="Office Theme" id="{62F939B6-93AF-4DB8-9C6B-D6C7DFDC589F}" vid="{4A3C46E8-61CC-4603-A589-7422A47A8E4A}"/>
+    </a:ext>
+  </a:extLst>
+</a:theme>
 </file>
--- a/Completed/Presentation/EE493_Final_Presantation.pptx
+++ b/Completed/Presentation/EE493_Final_Presantation.pptx
@@ -34415,7 +34415,7 @@
           <p:nvPr>
             <p:extLst>
               <p:ext uri="{D42A27DB-BD31-4B8C-83A1-F6EECF244321}">
-                <p14:modId xmlns:p14="http://schemas.microsoft.com/office/powerpoint/2010/main" val="106155897"/>
+                <p14:modId xmlns:p14="http://schemas.microsoft.com/office/powerpoint/2010/main" val="837355483"/>
               </p:ext>
             </p:extLst>
           </p:nvPr>
@@ -35319,15 +35319,33 @@
                         </a:spcAft>
                       </a:pPr>
                       <a:r>
-                        <a:rPr lang="en-US" sz="1500" b="0" i="0" u="none" strike="noStrike">
+                        <a:rPr lang="en-US" sz="1500" b="0" i="0" u="none" strike="noStrike" dirty="0">
                           <a:effectLst/>
                           <a:latin typeface="Times New Roman" panose="02020603050405020304" pitchFamily="18" charset="0"/>
                           <a:ea typeface="Calibri" panose="020F0502020204030204" pitchFamily="34" charset="0"/>
                           <a:cs typeface="Times New Roman" panose="02020603050405020304" pitchFamily="18" charset="0"/>
                         </a:rPr>
-                        <a:t>&lt;50 $</a:t>
+                        <a:t>&lt;</a:t>
                       </a:r>
-                      <a:endParaRPr lang="en-US" sz="2400" b="0" i="0" u="none" strike="noStrike">
+                      <a:r>
+                        <a:rPr lang="tr-TR" sz="1500" b="0" i="0" u="none" strike="noStrike" dirty="0">
+                          <a:effectLst/>
+                          <a:latin typeface="Times New Roman" panose="02020603050405020304" pitchFamily="18" charset="0"/>
+                          <a:ea typeface="Calibri" panose="020F0502020204030204" pitchFamily="34" charset="0"/>
+                          <a:cs typeface="Times New Roman" panose="02020603050405020304" pitchFamily="18" charset="0"/>
+                        </a:rPr>
+                        <a:t>100</a:t>
+                      </a:r>
+                      <a:r>
+                        <a:rPr lang="en-US" sz="1500" b="0" i="0" u="none" strike="noStrike" dirty="0">
+                          <a:effectLst/>
+                          <a:latin typeface="Times New Roman" panose="02020603050405020304" pitchFamily="18" charset="0"/>
+                          <a:ea typeface="Calibri" panose="020F0502020204030204" pitchFamily="34" charset="0"/>
+                          <a:cs typeface="Times New Roman" panose="02020603050405020304" pitchFamily="18" charset="0"/>
+                        </a:rPr>
+                        <a:t> $</a:t>
+                      </a:r>
+                      <a:endParaRPr lang="en-US" sz="2400" b="0" i="0" u="none" strike="noStrike" dirty="0">
                         <a:effectLst/>
                         <a:latin typeface="Arial" panose="020B0604020202020204" pitchFamily="34" charset="0"/>
                       </a:endParaRPr>
@@ -35889,15 +35907,51 @@
                         </a:spcAft>
                       </a:pPr>
                       <a:r>
+                        <a:rPr lang="tr-TR" sz="1500" b="0" i="0" u="none" strike="noStrike" dirty="0">
+                          <a:effectLst/>
+                          <a:latin typeface="Times New Roman" panose="02020603050405020304" pitchFamily="18" charset="0"/>
+                          <a:ea typeface="Calibri" panose="020F0502020204030204" pitchFamily="34" charset="0"/>
+                          <a:cs typeface="Times New Roman" panose="02020603050405020304" pitchFamily="18" charset="0"/>
+                        </a:rPr>
+                        <a:t>100</a:t>
+                      </a:r>
+                      <a:r>
+                        <a:rPr lang="en-US" sz="1500" b="0" i="0" u="none" strike="noStrike" dirty="0">
+                          <a:effectLst/>
+                          <a:latin typeface="Times New Roman" panose="02020603050405020304" pitchFamily="18" charset="0"/>
+                          <a:ea typeface="Calibri" panose="020F0502020204030204" pitchFamily="34" charset="0"/>
+                          <a:cs typeface="Times New Roman" panose="02020603050405020304" pitchFamily="18" charset="0"/>
+                        </a:rPr>
+                        <a:t>-1</a:t>
+                      </a:r>
+                      <a:r>
+                        <a:rPr lang="tr-TR" sz="1500" b="0" i="0" u="none" strike="noStrike">
+                          <a:effectLst/>
+                          <a:latin typeface="Times New Roman" panose="02020603050405020304" pitchFamily="18" charset="0"/>
+                          <a:ea typeface="Calibri" panose="020F0502020204030204" pitchFamily="34" charset="0"/>
+                          <a:cs typeface="Times New Roman" panose="02020603050405020304" pitchFamily="18" charset="0"/>
+                        </a:rPr>
+                        <a:t>50</a:t>
+                      </a:r>
+                      <a:r>
                         <a:rPr lang="en-US" sz="1500" b="0" i="0" u="none" strike="noStrike">
                           <a:effectLst/>
                           <a:latin typeface="Times New Roman" panose="02020603050405020304" pitchFamily="18" charset="0"/>
                           <a:ea typeface="Calibri" panose="020F0502020204030204" pitchFamily="34" charset="0"/>
                           <a:cs typeface="Times New Roman" panose="02020603050405020304" pitchFamily="18" charset="0"/>
                         </a:rPr>
-                        <a:t>50-150 $</a:t>
+                        <a:t> </a:t>
                       </a:r>
-                      <a:endParaRPr lang="en-US" sz="2400" b="0" i="0" u="none" strike="noStrike">
+                      <a:r>
+                        <a:rPr lang="en-US" sz="1500" b="0" i="0" u="none" strike="noStrike" dirty="0">
+                          <a:effectLst/>
+                          <a:latin typeface="Times New Roman" panose="02020603050405020304" pitchFamily="18" charset="0"/>
+                          <a:ea typeface="Calibri" panose="020F0502020204030204" pitchFamily="34" charset="0"/>
+                          <a:cs typeface="Times New Roman" panose="02020603050405020304" pitchFamily="18" charset="0"/>
+                        </a:rPr>
+                        <a:t>$</a:t>
+                      </a:r>
+                      <a:endParaRPr lang="en-US" sz="2400" b="0" i="0" u="none" strike="noStrike" dirty="0">
                         <a:effectLst/>
                         <a:latin typeface="Arial" panose="020B0604020202020204" pitchFamily="34" charset="0"/>
                       </a:endParaRPr>
@@ -36433,15 +36487,51 @@
                         </a:spcAft>
                       </a:pPr>
                       <a:r>
-                        <a:rPr lang="en-US" sz="1500" b="0" i="0" u="none" strike="noStrike">
+                        <a:rPr lang="en-US" sz="1500" b="0" i="0" u="none" strike="noStrike" dirty="0">
                           <a:effectLst/>
                           <a:latin typeface="Times New Roman" panose="02020603050405020304" pitchFamily="18" charset="0"/>
                           <a:ea typeface="Calibri" panose="020F0502020204030204" pitchFamily="34" charset="0"/>
                           <a:cs typeface="Times New Roman" panose="02020603050405020304" pitchFamily="18" charset="0"/>
                         </a:rPr>
-                        <a:t>150-200 $</a:t>
+                        <a:t>1</a:t>
                       </a:r>
-                      <a:endParaRPr lang="en-US" sz="2400" b="0" i="0" u="none" strike="noStrike">
+                      <a:r>
+                        <a:rPr lang="tr-TR" sz="1500" b="0" i="0" u="none" strike="noStrike" dirty="0">
+                          <a:effectLst/>
+                          <a:latin typeface="Times New Roman" panose="02020603050405020304" pitchFamily="18" charset="0"/>
+                          <a:ea typeface="Calibri" panose="020F0502020204030204" pitchFamily="34" charset="0"/>
+                          <a:cs typeface="Times New Roman" panose="02020603050405020304" pitchFamily="18" charset="0"/>
+                        </a:rPr>
+                        <a:t>50</a:t>
+                      </a:r>
+                      <a:r>
+                        <a:rPr lang="en-US" sz="1500" b="0" i="0" u="none" strike="noStrike" dirty="0">
+                          <a:effectLst/>
+                          <a:latin typeface="Times New Roman" panose="02020603050405020304" pitchFamily="18" charset="0"/>
+                          <a:ea typeface="Calibri" panose="020F0502020204030204" pitchFamily="34" charset="0"/>
+                          <a:cs typeface="Times New Roman" panose="02020603050405020304" pitchFamily="18" charset="0"/>
+                        </a:rPr>
+                        <a:t>-</a:t>
+                      </a:r>
+                      <a:r>
+                        <a:rPr lang="tr-TR" sz="1500" b="0" i="0" u="none" strike="noStrike" dirty="0">
+                          <a:effectLst/>
+                          <a:latin typeface="Times New Roman" panose="02020603050405020304" pitchFamily="18" charset="0"/>
+                          <a:ea typeface="Calibri" panose="020F0502020204030204" pitchFamily="34" charset="0"/>
+                          <a:cs typeface="Times New Roman" panose="02020603050405020304" pitchFamily="18" charset="0"/>
+                        </a:rPr>
+                        <a:t>200</a:t>
+                      </a:r>
+                      <a:r>
+                        <a:rPr lang="en-US" sz="1500" b="0" i="0" u="none" strike="noStrike" dirty="0">
+                          <a:effectLst/>
+                          <a:latin typeface="Times New Roman" panose="02020603050405020304" pitchFamily="18" charset="0"/>
+                          <a:ea typeface="Calibri" panose="020F0502020204030204" pitchFamily="34" charset="0"/>
+                          <a:cs typeface="Times New Roman" panose="02020603050405020304" pitchFamily="18" charset="0"/>
+                        </a:rPr>
+                        <a:t> $</a:t>
+                      </a:r>
+                      <a:endParaRPr lang="en-US" sz="2400" b="0" i="0" u="none" strike="noStrike" dirty="0">
                         <a:effectLst/>
                         <a:latin typeface="Arial" panose="020B0604020202020204" pitchFamily="34" charset="0"/>
                       </a:endParaRPr>
